--- a/Presentation/SEM-5-Mini-Project-Presentation.pptx
+++ b/Presentation/SEM-5-Mini-Project-Presentation.pptx
@@ -5,30 +5,19 @@
     <p:sldMasterId id="2147483648" r:id="rId1"/>
   </p:sldMasterIdLst>
   <p:notesMasterIdLst>
-    <p:notesMasterId r:id="rId23"/>
+    <p:notesMasterId r:id="rId12"/>
   </p:notesMasterIdLst>
   <p:sldIdLst>
     <p:sldId id="273" r:id="rId2"/>
     <p:sldId id="272" r:id="rId3"/>
-    <p:sldId id="274" r:id="rId4"/>
-    <p:sldId id="276" r:id="rId5"/>
-    <p:sldId id="277" r:id="rId6"/>
-    <p:sldId id="278" r:id="rId7"/>
-    <p:sldId id="279" r:id="rId8"/>
-    <p:sldId id="284" r:id="rId9"/>
-    <p:sldId id="283" r:id="rId10"/>
-    <p:sldId id="271" r:id="rId11"/>
-    <p:sldId id="280" r:id="rId12"/>
-    <p:sldId id="281" r:id="rId13"/>
-    <p:sldId id="282" r:id="rId14"/>
-    <p:sldId id="285" r:id="rId15"/>
-    <p:sldId id="286" r:id="rId16"/>
-    <p:sldId id="287" r:id="rId17"/>
-    <p:sldId id="261" r:id="rId18"/>
-    <p:sldId id="267" r:id="rId19"/>
-    <p:sldId id="270" r:id="rId20"/>
-    <p:sldId id="266" r:id="rId21"/>
-    <p:sldId id="269" r:id="rId22"/>
+    <p:sldId id="276" r:id="rId4"/>
+    <p:sldId id="288" r:id="rId5"/>
+    <p:sldId id="284" r:id="rId6"/>
+    <p:sldId id="285" r:id="rId7"/>
+    <p:sldId id="286" r:id="rId8"/>
+    <p:sldId id="287" r:id="rId9"/>
+    <p:sldId id="289" r:id="rId10"/>
+    <p:sldId id="291" r:id="rId11"/>
   </p:sldIdLst>
   <p:sldSz cx="12192000" cy="6858000"/>
   <p:notesSz cx="6858000" cy="9144000"/>
@@ -217,7 +206,7 @@
           <a:p>
             <a:fld id="{E55713F5-3D76-4D81-A4A9-B31BCA62475E}" type="datetimeFigureOut">
               <a:rPr lang="en-IN" smtClean="0"/>
-              <a:t>13-08-2022</a:t>
+              <a:t>08-10-2022</a:t>
             </a:fld>
             <a:endParaRPr lang="en-IN"/>
           </a:p>
@@ -632,7 +621,7 @@
           <a:p>
             <a:fld id="{FFD0D5F7-6B4E-4D08-9735-3757B654F8E1}" type="datetimeFigureOut">
               <a:rPr lang="en-US" smtClean="0"/>
-              <a:t>8/13/2022</a:t>
+              <a:t>10/8/2022</a:t>
             </a:fld>
             <a:endParaRPr lang="en-US"/>
           </a:p>
@@ -830,7 +819,7 @@
           <a:p>
             <a:fld id="{FFD0D5F7-6B4E-4D08-9735-3757B654F8E1}" type="datetimeFigureOut">
               <a:rPr lang="en-US" smtClean="0"/>
-              <a:t>8/13/2022</a:t>
+              <a:t>10/8/2022</a:t>
             </a:fld>
             <a:endParaRPr lang="en-US"/>
           </a:p>
@@ -1038,7 +1027,7 @@
           <a:p>
             <a:fld id="{FFD0D5F7-6B4E-4D08-9735-3757B654F8E1}" type="datetimeFigureOut">
               <a:rPr lang="en-US" smtClean="0"/>
-              <a:t>8/13/2022</a:t>
+              <a:t>10/8/2022</a:t>
             </a:fld>
             <a:endParaRPr lang="en-US"/>
           </a:p>
@@ -1236,7 +1225,7 @@
           <a:p>
             <a:fld id="{FFD0D5F7-6B4E-4D08-9735-3757B654F8E1}" type="datetimeFigureOut">
               <a:rPr lang="en-US" smtClean="0"/>
-              <a:t>8/13/2022</a:t>
+              <a:t>10/8/2022</a:t>
             </a:fld>
             <a:endParaRPr lang="en-US"/>
           </a:p>
@@ -1511,7 +1500,7 @@
           <a:p>
             <a:fld id="{FFD0D5F7-6B4E-4D08-9735-3757B654F8E1}" type="datetimeFigureOut">
               <a:rPr lang="en-US" smtClean="0"/>
-              <a:t>8/13/2022</a:t>
+              <a:t>10/8/2022</a:t>
             </a:fld>
             <a:endParaRPr lang="en-US"/>
           </a:p>
@@ -1776,7 +1765,7 @@
           <a:p>
             <a:fld id="{FFD0D5F7-6B4E-4D08-9735-3757B654F8E1}" type="datetimeFigureOut">
               <a:rPr lang="en-US" smtClean="0"/>
-              <a:t>8/13/2022</a:t>
+              <a:t>10/8/2022</a:t>
             </a:fld>
             <a:endParaRPr lang="en-US"/>
           </a:p>
@@ -2188,7 +2177,7 @@
           <a:p>
             <a:fld id="{FFD0D5F7-6B4E-4D08-9735-3757B654F8E1}" type="datetimeFigureOut">
               <a:rPr lang="en-US" smtClean="0"/>
-              <a:t>8/13/2022</a:t>
+              <a:t>10/8/2022</a:t>
             </a:fld>
             <a:endParaRPr lang="en-US"/>
           </a:p>
@@ -2329,7 +2318,7 @@
           <a:p>
             <a:fld id="{FFD0D5F7-6B4E-4D08-9735-3757B654F8E1}" type="datetimeFigureOut">
               <a:rPr lang="en-US" smtClean="0"/>
-              <a:t>8/13/2022</a:t>
+              <a:t>10/8/2022</a:t>
             </a:fld>
             <a:endParaRPr lang="en-US"/>
           </a:p>
@@ -2442,7 +2431,7 @@
           <a:p>
             <a:fld id="{FFD0D5F7-6B4E-4D08-9735-3757B654F8E1}" type="datetimeFigureOut">
               <a:rPr lang="en-US" smtClean="0"/>
-              <a:t>8/13/2022</a:t>
+              <a:t>10/8/2022</a:t>
             </a:fld>
             <a:endParaRPr lang="en-US"/>
           </a:p>
@@ -2753,7 +2742,7 @@
           <a:p>
             <a:fld id="{FFD0D5F7-6B4E-4D08-9735-3757B654F8E1}" type="datetimeFigureOut">
               <a:rPr lang="en-US" smtClean="0"/>
-              <a:t>8/13/2022</a:t>
+              <a:t>10/8/2022</a:t>
             </a:fld>
             <a:endParaRPr lang="en-US"/>
           </a:p>
@@ -3041,7 +3030,7 @@
           <a:p>
             <a:fld id="{FFD0D5F7-6B4E-4D08-9735-3757B654F8E1}" type="datetimeFigureOut">
               <a:rPr lang="en-US" smtClean="0"/>
-              <a:t>8/13/2022</a:t>
+              <a:t>10/8/2022</a:t>
             </a:fld>
             <a:endParaRPr lang="en-US"/>
           </a:p>
@@ -3282,7 +3271,7 @@
           <a:p>
             <a:fld id="{FFD0D5F7-6B4E-4D08-9735-3757B654F8E1}" type="datetimeFigureOut">
               <a:rPr lang="en-US" smtClean="0"/>
-              <a:t>8/13/2022</a:t>
+              <a:t>10/8/2022</a:t>
             </a:fld>
             <a:endParaRPr lang="en-US"/>
           </a:p>
@@ -3765,8 +3754,8 @@
         </p:nvSpPr>
         <p:spPr>
           <a:xfrm>
-            <a:off x="432046" y="366139"/>
-            <a:ext cx="5542626" cy="1015663"/>
+            <a:off x="746845" y="568032"/>
+            <a:ext cx="8745155" cy="1015663"/>
           </a:xfrm>
           <a:prstGeom prst="rect">
             <a:avLst/>
@@ -3784,7 +3773,7 @@
                 <a:solidFill>
                   <a:srgbClr val="082032"/>
                 </a:solidFill>
-                <a:latin typeface="Impact" panose="020B0806030902050204" pitchFamily="34" charset="0"/>
+                <a:latin typeface="Righteous" panose="02010506000000020000" pitchFamily="2" charset="0"/>
               </a:rPr>
               <a:t>Group Members</a:t>
             </a:r>
@@ -3793,10 +3782,402 @@
       </p:sp>
       <p:sp>
         <p:nvSpPr>
-          <p:cNvPr id="5" name="Rectangle 4">
-            <a:extLst>
-              <a:ext uri="{FF2B5EF4-FFF2-40B4-BE49-F238E27FC236}">
-                <a16:creationId xmlns:a16="http://schemas.microsoft.com/office/drawing/2014/main" id="{879682FA-D4C3-033B-0DAB-5E464E68D3C0}"/>
+          <p:cNvPr id="3" name="TextBox 2">
+            <a:extLst>
+              <a:ext uri="{FF2B5EF4-FFF2-40B4-BE49-F238E27FC236}">
+                <a16:creationId xmlns:a16="http://schemas.microsoft.com/office/drawing/2014/main" id="{943E2134-C5F3-B5C8-3209-9A17855F3073}"/>
+              </a:ext>
+            </a:extLst>
+          </p:cNvPr>
+          <p:cNvSpPr txBox="1"/>
+          <p:nvPr/>
+        </p:nvSpPr>
+        <p:spPr>
+          <a:xfrm>
+            <a:off x="782921" y="2151727"/>
+            <a:ext cx="6063448" cy="2554545"/>
+          </a:xfrm>
+          <a:prstGeom prst="rect">
+            <a:avLst/>
+          </a:prstGeom>
+          <a:noFill/>
+        </p:spPr>
+        <p:txBody>
+          <a:bodyPr wrap="square" rtlCol="0">
+            <a:spAutoFit/>
+          </a:bodyPr>
+          <a:lstStyle/>
+          <a:p>
+            <a:r>
+              <a:rPr lang="en-US" sz="4000" dirty="0">
+                <a:solidFill>
+                  <a:srgbClr val="2962FF"/>
+                </a:solidFill>
+                <a:latin typeface="Outfit" pitchFamily="2" charset="0"/>
+                <a:cs typeface="Arial" panose="020B0604020202020204" pitchFamily="34" charset="0"/>
+              </a:rPr>
+              <a:t>02. </a:t>
+            </a:r>
+            <a:r>
+              <a:rPr lang="en-US" sz="4000" dirty="0">
+                <a:latin typeface="Outfit" pitchFamily="2" charset="0"/>
+                <a:cs typeface="Arial" panose="020B0604020202020204" pitchFamily="34" charset="0"/>
+              </a:rPr>
+              <a:t>Rahman Choudhary</a:t>
+            </a:r>
+          </a:p>
+          <a:p>
+            <a:r>
+              <a:rPr lang="en-US" sz="4000" dirty="0">
+                <a:solidFill>
+                  <a:srgbClr val="2962FF"/>
+                </a:solidFill>
+                <a:latin typeface="Outfit" pitchFamily="2" charset="0"/>
+                <a:cs typeface="Arial" panose="020B0604020202020204" pitchFamily="34" charset="0"/>
+              </a:rPr>
+              <a:t>10. </a:t>
+            </a:r>
+            <a:r>
+              <a:rPr lang="en-US" sz="4000" dirty="0">
+                <a:latin typeface="Outfit" pitchFamily="2" charset="0"/>
+                <a:cs typeface="Arial" panose="020B0604020202020204" pitchFamily="34" charset="0"/>
+              </a:rPr>
+              <a:t>Siddharth Joshi</a:t>
+            </a:r>
+          </a:p>
+          <a:p>
+            <a:r>
+              <a:rPr lang="en-US" sz="4000" dirty="0">
+                <a:solidFill>
+                  <a:srgbClr val="2962FF"/>
+                </a:solidFill>
+                <a:latin typeface="Outfit" pitchFamily="2" charset="0"/>
+                <a:cs typeface="Arial" panose="020B0604020202020204" pitchFamily="34" charset="0"/>
+              </a:rPr>
+              <a:t>16. </a:t>
+            </a:r>
+            <a:r>
+              <a:rPr lang="en-US" sz="4000" dirty="0">
+                <a:latin typeface="Outfit" pitchFamily="2" charset="0"/>
+                <a:cs typeface="Arial" panose="020B0604020202020204" pitchFamily="34" charset="0"/>
+              </a:rPr>
+              <a:t>Nikhil Nooli</a:t>
+            </a:r>
+          </a:p>
+          <a:p>
+            <a:r>
+              <a:rPr lang="en-US" sz="4000" dirty="0">
+                <a:solidFill>
+                  <a:srgbClr val="2962FF"/>
+                </a:solidFill>
+                <a:latin typeface="Outfit" pitchFamily="2" charset="0"/>
+                <a:cs typeface="Arial" panose="020B0604020202020204" pitchFamily="34" charset="0"/>
+              </a:rPr>
+              <a:t>30. </a:t>
+            </a:r>
+            <a:r>
+              <a:rPr lang="en-US" sz="4000" dirty="0">
+                <a:latin typeface="Outfit" pitchFamily="2" charset="0"/>
+                <a:cs typeface="Arial" panose="020B0604020202020204" pitchFamily="34" charset="0"/>
+              </a:rPr>
+              <a:t>Ashish Yadav</a:t>
+            </a:r>
+            <a:endParaRPr lang="en-IN" sz="4000" dirty="0">
+              <a:latin typeface="Outfit" pitchFamily="2" charset="0"/>
+              <a:cs typeface="Arial" panose="020B0604020202020204" pitchFamily="34" charset="0"/>
+            </a:endParaRPr>
+          </a:p>
+        </p:txBody>
+      </p:sp>
+      <p:sp>
+        <p:nvSpPr>
+          <p:cNvPr id="4" name="TextBox 3">
+            <a:extLst>
+              <a:ext uri="{FF2B5EF4-FFF2-40B4-BE49-F238E27FC236}">
+                <a16:creationId xmlns:a16="http://schemas.microsoft.com/office/drawing/2014/main" id="{3A7FC529-1A41-77F6-4071-8D0AB3C7ED84}"/>
+              </a:ext>
+            </a:extLst>
+          </p:cNvPr>
+          <p:cNvSpPr txBox="1"/>
+          <p:nvPr/>
+        </p:nvSpPr>
+        <p:spPr>
+          <a:xfrm>
+            <a:off x="782920" y="5338485"/>
+            <a:ext cx="10030391" cy="707886"/>
+          </a:xfrm>
+          <a:prstGeom prst="rect">
+            <a:avLst/>
+          </a:prstGeom>
+          <a:noFill/>
+        </p:spPr>
+        <p:txBody>
+          <a:bodyPr wrap="square" rtlCol="0">
+            <a:spAutoFit/>
+          </a:bodyPr>
+          <a:lstStyle/>
+          <a:p>
+            <a:r>
+              <a:rPr lang="en-US" sz="4000" dirty="0">
+                <a:latin typeface="Outfit" pitchFamily="2" charset="0"/>
+                <a:cs typeface="Arial" panose="020B0604020202020204" pitchFamily="34" charset="0"/>
+              </a:rPr>
+              <a:t>Project Guide: Professor Sandeep More </a:t>
+            </a:r>
+            <a:endParaRPr lang="en-IN" sz="4000" dirty="0">
+              <a:latin typeface="Outfit" pitchFamily="2" charset="0"/>
+              <a:cs typeface="Arial" panose="020B0604020202020204" pitchFamily="34" charset="0"/>
+            </a:endParaRPr>
+          </a:p>
+        </p:txBody>
+      </p:sp>
+      <p:sp>
+        <p:nvSpPr>
+          <p:cNvPr id="6" name="Rectangle 5">
+            <a:extLst>
+              <a:ext uri="{FF2B5EF4-FFF2-40B4-BE49-F238E27FC236}">
+                <a16:creationId xmlns:a16="http://schemas.microsoft.com/office/drawing/2014/main" id="{4B73DA35-72F9-03DA-555F-5AD7C387F87F}"/>
+              </a:ext>
+            </a:extLst>
+          </p:cNvPr>
+          <p:cNvSpPr/>
+          <p:nvPr/>
+        </p:nvSpPr>
+        <p:spPr>
+          <a:xfrm flipH="1">
+            <a:off x="10392000" y="0"/>
+            <a:ext cx="900000" cy="900000"/>
+          </a:xfrm>
+          <a:prstGeom prst="rect">
+            <a:avLst/>
+          </a:prstGeom>
+          <a:solidFill>
+            <a:srgbClr val="566BFF"/>
+          </a:solidFill>
+          <a:ln>
+            <a:noFill/>
+          </a:ln>
+          <a:effectLst/>
+        </p:spPr>
+        <p:style>
+          <a:lnRef idx="2">
+            <a:schemeClr val="accent1">
+              <a:shade val="50000"/>
+            </a:schemeClr>
+          </a:lnRef>
+          <a:fillRef idx="1">
+            <a:schemeClr val="accent1"/>
+          </a:fillRef>
+          <a:effectRef idx="0">
+            <a:schemeClr val="accent1"/>
+          </a:effectRef>
+          <a:fontRef idx="minor">
+            <a:schemeClr val="lt1"/>
+          </a:fontRef>
+        </p:style>
+        <p:txBody>
+          <a:bodyPr rtlCol="0" anchor="ctr"/>
+          <a:lstStyle/>
+          <a:p>
+            <a:pPr algn="ctr"/>
+            <a:endParaRPr lang="en-US"/>
+          </a:p>
+        </p:txBody>
+      </p:sp>
+      <p:sp>
+        <p:nvSpPr>
+          <p:cNvPr id="9" name="Rectangle 8">
+            <a:extLst>
+              <a:ext uri="{FF2B5EF4-FFF2-40B4-BE49-F238E27FC236}">
+                <a16:creationId xmlns:a16="http://schemas.microsoft.com/office/drawing/2014/main" id="{0B86F976-9AB9-CBA9-4347-08C5A054BFBE}"/>
+              </a:ext>
+            </a:extLst>
+          </p:cNvPr>
+          <p:cNvSpPr/>
+          <p:nvPr/>
+        </p:nvSpPr>
+        <p:spPr>
+          <a:xfrm flipH="1">
+            <a:off x="11292000" y="900000"/>
+            <a:ext cx="900000" cy="900000"/>
+          </a:xfrm>
+          <a:prstGeom prst="rect">
+            <a:avLst/>
+          </a:prstGeom>
+          <a:solidFill>
+            <a:srgbClr val="566BFF"/>
+          </a:solidFill>
+          <a:ln>
+            <a:noFill/>
+          </a:ln>
+          <a:effectLst/>
+        </p:spPr>
+        <p:style>
+          <a:lnRef idx="2">
+            <a:schemeClr val="accent1">
+              <a:shade val="50000"/>
+            </a:schemeClr>
+          </a:lnRef>
+          <a:fillRef idx="1">
+            <a:schemeClr val="accent1"/>
+          </a:fillRef>
+          <a:effectRef idx="0">
+            <a:schemeClr val="accent1"/>
+          </a:effectRef>
+          <a:fontRef idx="minor">
+            <a:schemeClr val="lt1"/>
+          </a:fontRef>
+        </p:style>
+        <p:txBody>
+          <a:bodyPr rtlCol="0" anchor="ctr"/>
+          <a:lstStyle/>
+          <a:p>
+            <a:pPr algn="ctr"/>
+            <a:endParaRPr lang="en-US"/>
+          </a:p>
+        </p:txBody>
+      </p:sp>
+      <p:sp>
+        <p:nvSpPr>
+          <p:cNvPr id="10" name="Rectangle 9">
+            <a:extLst>
+              <a:ext uri="{FF2B5EF4-FFF2-40B4-BE49-F238E27FC236}">
+                <a16:creationId xmlns:a16="http://schemas.microsoft.com/office/drawing/2014/main" id="{9CF21B95-0E9F-C786-93B5-5A136EE2A0A9}"/>
+              </a:ext>
+            </a:extLst>
+          </p:cNvPr>
+          <p:cNvSpPr/>
+          <p:nvPr/>
+        </p:nvSpPr>
+        <p:spPr>
+          <a:xfrm flipH="1">
+            <a:off x="11292000" y="0"/>
+            <a:ext cx="900000" cy="900000"/>
+          </a:xfrm>
+          <a:prstGeom prst="rect">
+            <a:avLst/>
+          </a:prstGeom>
+          <a:solidFill>
+            <a:srgbClr val="002060"/>
+          </a:solidFill>
+          <a:ln>
+            <a:noFill/>
+          </a:ln>
+          <a:effectLst/>
+        </p:spPr>
+        <p:style>
+          <a:lnRef idx="2">
+            <a:schemeClr val="accent1">
+              <a:shade val="50000"/>
+            </a:schemeClr>
+          </a:lnRef>
+          <a:fillRef idx="1">
+            <a:schemeClr val="accent1"/>
+          </a:fillRef>
+          <a:effectRef idx="0">
+            <a:schemeClr val="accent1"/>
+          </a:effectRef>
+          <a:fontRef idx="minor">
+            <a:schemeClr val="lt1"/>
+          </a:fontRef>
+        </p:style>
+        <p:txBody>
+          <a:bodyPr rtlCol="0" anchor="ctr"/>
+          <a:lstStyle/>
+          <a:p>
+            <a:pPr algn="ctr"/>
+            <a:endParaRPr lang="en-US"/>
+          </a:p>
+        </p:txBody>
+      </p:sp>
+    </p:spTree>
+    <p:extLst>
+      <p:ext uri="{BB962C8B-B14F-4D97-AF65-F5344CB8AC3E}">
+        <p14:creationId xmlns:p14="http://schemas.microsoft.com/office/powerpoint/2010/main" val="937230242"/>
+      </p:ext>
+    </p:extLst>
+  </p:cSld>
+  <p:clrMapOvr>
+    <a:masterClrMapping/>
+  </p:clrMapOvr>
+</p:sld>
+</file>
+
+<file path=ppt/slides/slide10.xml><?xml version="1.0" encoding="utf-8"?>
+<p:sld xmlns:a="http://schemas.openxmlformats.org/drawingml/2006/main" xmlns:r="http://schemas.openxmlformats.org/officeDocument/2006/relationships" xmlns:p="http://schemas.openxmlformats.org/presentationml/2006/main">
+  <p:cSld>
+    <p:spTree>
+      <p:nvGrpSpPr>
+        <p:cNvPr id="1" name=""/>
+        <p:cNvGrpSpPr/>
+        <p:nvPr/>
+      </p:nvGrpSpPr>
+      <p:grpSpPr>
+        <a:xfrm>
+          <a:off x="0" y="0"/>
+          <a:ext cx="0" cy="0"/>
+          <a:chOff x="0" y="0"/>
+          <a:chExt cx="0" cy="0"/>
+        </a:xfrm>
+      </p:grpSpPr>
+      <p:sp>
+        <p:nvSpPr>
+          <p:cNvPr id="24" name="Rectangle 23">
+            <a:extLst>
+              <a:ext uri="{FF2B5EF4-FFF2-40B4-BE49-F238E27FC236}">
+                <a16:creationId xmlns:a16="http://schemas.microsoft.com/office/drawing/2014/main" id="{B2621BA0-A914-4EE0-BC31-A5B736B6C516}"/>
+              </a:ext>
+            </a:extLst>
+          </p:cNvPr>
+          <p:cNvSpPr/>
+          <p:nvPr/>
+        </p:nvSpPr>
+        <p:spPr>
+          <a:xfrm>
+            <a:off x="0" y="0"/>
+            <a:ext cx="12192000" cy="6858000"/>
+          </a:xfrm>
+          <a:prstGeom prst="rect">
+            <a:avLst/>
+          </a:prstGeom>
+          <a:solidFill>
+            <a:srgbClr val="F7F7F7"/>
+          </a:solidFill>
+          <a:ln>
+            <a:noFill/>
+          </a:ln>
+        </p:spPr>
+        <p:style>
+          <a:lnRef idx="2">
+            <a:schemeClr val="accent1">
+              <a:shade val="50000"/>
+            </a:schemeClr>
+          </a:lnRef>
+          <a:fillRef idx="1">
+            <a:schemeClr val="accent1"/>
+          </a:fillRef>
+          <a:effectRef idx="0">
+            <a:schemeClr val="accent1"/>
+          </a:effectRef>
+          <a:fontRef idx="minor">
+            <a:schemeClr val="lt1"/>
+          </a:fontRef>
+        </p:style>
+        <p:txBody>
+          <a:bodyPr rtlCol="0" anchor="ctr"/>
+          <a:lstStyle/>
+          <a:p>
+            <a:pPr algn="ctr"/>
+            <a:endParaRPr lang="en-US" dirty="0"/>
+          </a:p>
+        </p:txBody>
+      </p:sp>
+      <p:sp>
+        <p:nvSpPr>
+          <p:cNvPr id="3" name="Rectangle 2">
+            <a:extLst>
+              <a:ext uri="{FF2B5EF4-FFF2-40B4-BE49-F238E27FC236}">
+                <a16:creationId xmlns:a16="http://schemas.microsoft.com/office/drawing/2014/main" id="{C86E0A64-6FF2-4426-BCFB-AB4810DB5E5E}"/>
               </a:ext>
             </a:extLst>
           </p:cNvPr>
@@ -3852,10 +4233,62 @@
       </p:sp>
       <p:sp>
         <p:nvSpPr>
-          <p:cNvPr id="3" name="TextBox 2">
-            <a:extLst>
-              <a:ext uri="{FF2B5EF4-FFF2-40B4-BE49-F238E27FC236}">
-                <a16:creationId xmlns:a16="http://schemas.microsoft.com/office/drawing/2014/main" id="{943E2134-C5F3-B5C8-3209-9A17855F3073}"/>
+          <p:cNvPr id="6" name="Rectangle 5">
+            <a:extLst>
+              <a:ext uri="{FF2B5EF4-FFF2-40B4-BE49-F238E27FC236}">
+                <a16:creationId xmlns:a16="http://schemas.microsoft.com/office/drawing/2014/main" id="{F8422D89-347B-02A1-96BF-DB83243E7188}"/>
+              </a:ext>
+            </a:extLst>
+          </p:cNvPr>
+          <p:cNvSpPr/>
+          <p:nvPr/>
+        </p:nvSpPr>
+        <p:spPr>
+          <a:xfrm>
+            <a:off x="4359348" y="4504661"/>
+            <a:ext cx="3530009" cy="1630325"/>
+          </a:xfrm>
+          <a:prstGeom prst="rect">
+            <a:avLst/>
+          </a:prstGeom>
+          <a:solidFill>
+            <a:schemeClr val="bg1"/>
+          </a:solidFill>
+          <a:ln>
+            <a:noFill/>
+          </a:ln>
+        </p:spPr>
+        <p:style>
+          <a:lnRef idx="2">
+            <a:schemeClr val="accent1">
+              <a:shade val="50000"/>
+            </a:schemeClr>
+          </a:lnRef>
+          <a:fillRef idx="1">
+            <a:schemeClr val="accent1"/>
+          </a:fillRef>
+          <a:effectRef idx="0">
+            <a:schemeClr val="accent1"/>
+          </a:effectRef>
+          <a:fontRef idx="minor">
+            <a:schemeClr val="lt1"/>
+          </a:fontRef>
+        </p:style>
+        <p:txBody>
+          <a:bodyPr rtlCol="0" anchor="ctr"/>
+          <a:lstStyle/>
+          <a:p>
+            <a:pPr algn="ctr"/>
+            <a:endParaRPr lang="en-GB"/>
+          </a:p>
+        </p:txBody>
+      </p:sp>
+      <p:sp>
+        <p:nvSpPr>
+          <p:cNvPr id="2" name="TextBox 1">
+            <a:extLst>
+              <a:ext uri="{FF2B5EF4-FFF2-40B4-BE49-F238E27FC236}">
+                <a16:creationId xmlns:a16="http://schemas.microsoft.com/office/drawing/2014/main" id="{F6C32429-4663-017A-8522-56B8014959FC}"/>
               </a:ext>
             </a:extLst>
           </p:cNvPr>
@@ -3864,8 +4297,8 @@
         </p:nvSpPr>
         <p:spPr>
           <a:xfrm>
-            <a:off x="432046" y="2093503"/>
-            <a:ext cx="6063448" cy="2554545"/>
+            <a:off x="439479" y="312240"/>
+            <a:ext cx="8490012" cy="553998"/>
           </a:xfrm>
           <a:prstGeom prst="rect">
             <a:avLst/>
@@ -3879,92 +4312,23 @@
           <a:lstStyle/>
           <a:p>
             <a:r>
-              <a:rPr lang="en-US" sz="4000" dirty="0">
-                <a:solidFill>
-                  <a:srgbClr val="2962FF"/>
-                </a:solidFill>
-                <a:latin typeface="Arial" panose="020B0604020202020204" pitchFamily="34" charset="0"/>
-                <a:cs typeface="Arial" panose="020B0604020202020204" pitchFamily="34" charset="0"/>
-              </a:rPr>
-              <a:t>02. </a:t>
-            </a:r>
-            <a:r>
-              <a:rPr lang="en-US" sz="4000" dirty="0">
-                <a:latin typeface="Arial" panose="020B0604020202020204" pitchFamily="34" charset="0"/>
-                <a:cs typeface="Arial" panose="020B0604020202020204" pitchFamily="34" charset="0"/>
-              </a:rPr>
-              <a:t>Rahman Choudhary</a:t>
-            </a:r>
-          </a:p>
-          <a:p>
-            <a:r>
-              <a:rPr lang="en-US" sz="4000" dirty="0">
-                <a:solidFill>
-                  <a:srgbClr val="2962FF"/>
-                </a:solidFill>
-                <a:latin typeface="Arial" panose="020B0604020202020204" pitchFamily="34" charset="0"/>
-                <a:cs typeface="Arial" panose="020B0604020202020204" pitchFamily="34" charset="0"/>
-              </a:rPr>
-              <a:t>10. </a:t>
-            </a:r>
-            <a:r>
-              <a:rPr lang="en-US" sz="4000" dirty="0">
-                <a:latin typeface="Arial" panose="020B0604020202020204" pitchFamily="34" charset="0"/>
-                <a:cs typeface="Arial" panose="020B0604020202020204" pitchFamily="34" charset="0"/>
-              </a:rPr>
-              <a:t>Siddharth Joshi</a:t>
-            </a:r>
-          </a:p>
-          <a:p>
-            <a:r>
-              <a:rPr lang="en-US" sz="4000" dirty="0">
-                <a:solidFill>
-                  <a:srgbClr val="2962FF"/>
-                </a:solidFill>
-                <a:latin typeface="Arial" panose="020B0604020202020204" pitchFamily="34" charset="0"/>
-                <a:cs typeface="Arial" panose="020B0604020202020204" pitchFamily="34" charset="0"/>
-              </a:rPr>
-              <a:t>16. </a:t>
-            </a:r>
-            <a:r>
-              <a:rPr lang="en-US" sz="4000" dirty="0">
-                <a:latin typeface="Arial" panose="020B0604020202020204" pitchFamily="34" charset="0"/>
-                <a:cs typeface="Arial" panose="020B0604020202020204" pitchFamily="34" charset="0"/>
-              </a:rPr>
-              <a:t>Nikhil Nooli</a:t>
-            </a:r>
-          </a:p>
-          <a:p>
-            <a:r>
-              <a:rPr lang="en-US" sz="4000" dirty="0">
-                <a:solidFill>
-                  <a:srgbClr val="2962FF"/>
-                </a:solidFill>
-                <a:latin typeface="Arial" panose="020B0604020202020204" pitchFamily="34" charset="0"/>
-                <a:cs typeface="Arial" panose="020B0604020202020204" pitchFamily="34" charset="0"/>
-              </a:rPr>
-              <a:t>30. </a:t>
-            </a:r>
-            <a:r>
-              <a:rPr lang="en-US" sz="4000" dirty="0">
-                <a:latin typeface="Arial" panose="020B0604020202020204" pitchFamily="34" charset="0"/>
-                <a:cs typeface="Arial" panose="020B0604020202020204" pitchFamily="34" charset="0"/>
-              </a:rPr>
-              <a:t>Ashish Yadav</a:t>
-            </a:r>
-            <a:endParaRPr lang="en-IN" sz="4000" dirty="0">
-              <a:latin typeface="Arial" panose="020B0604020202020204" pitchFamily="34" charset="0"/>
-              <a:cs typeface="Arial" panose="020B0604020202020204" pitchFamily="34" charset="0"/>
-            </a:endParaRPr>
-          </a:p>
-        </p:txBody>
-      </p:sp>
-      <p:sp>
-        <p:nvSpPr>
-          <p:cNvPr id="4" name="TextBox 3">
-            <a:extLst>
-              <a:ext uri="{FF2B5EF4-FFF2-40B4-BE49-F238E27FC236}">
-                <a16:creationId xmlns:a16="http://schemas.microsoft.com/office/drawing/2014/main" id="{3A7FC529-1A41-77F6-4071-8D0AB3C7ED84}"/>
+              <a:rPr lang="en-US" sz="3000" dirty="0">
+                <a:solidFill>
+                  <a:srgbClr val="082032"/>
+                </a:solidFill>
+                <a:latin typeface="Righteous" panose="02010506000000020000" pitchFamily="2" charset="0"/>
+              </a:rPr>
+              <a:t>Snippet of fetching news from the internet</a:t>
+            </a:r>
+          </a:p>
+        </p:txBody>
+      </p:sp>
+      <p:sp>
+        <p:nvSpPr>
+          <p:cNvPr id="8" name="TextBox 7">
+            <a:extLst>
+              <a:ext uri="{FF2B5EF4-FFF2-40B4-BE49-F238E27FC236}">
+                <a16:creationId xmlns:a16="http://schemas.microsoft.com/office/drawing/2014/main" id="{11788DCE-B478-1E7F-6873-9B5E36F28A8F}"/>
               </a:ext>
             </a:extLst>
           </p:cNvPr>
@@ -3973,38 +4337,1354 @@
         </p:nvSpPr>
         <p:spPr>
           <a:xfrm>
-            <a:off x="532660" y="5359750"/>
-            <a:ext cx="3237390" cy="707886"/>
+            <a:off x="439479" y="1084566"/>
+            <a:ext cx="11313043" cy="4278094"/>
           </a:xfrm>
           <a:prstGeom prst="rect">
             <a:avLst/>
           </a:prstGeom>
-          <a:noFill/>
+          <a:solidFill>
+            <a:schemeClr val="tx2">
+              <a:lumMod val="50000"/>
+            </a:schemeClr>
+          </a:solidFill>
         </p:spPr>
         <p:txBody>
-          <a:bodyPr wrap="square" rtlCol="0">
+          <a:bodyPr wrap="square">
             <a:spAutoFit/>
           </a:bodyPr>
           <a:lstStyle/>
           <a:p>
             <a:r>
-              <a:rPr lang="en-US" sz="4000" dirty="0">
-                <a:latin typeface="Arial" panose="020B0604020202020204" pitchFamily="34" charset="0"/>
-                <a:cs typeface="Arial" panose="020B0604020202020204" pitchFamily="34" charset="0"/>
-              </a:rPr>
-              <a:t>Guide:</a:t>
-            </a:r>
-            <a:endParaRPr lang="en-IN" sz="4000" dirty="0">
-              <a:latin typeface="Arial" panose="020B0604020202020204" pitchFamily="34" charset="0"/>
-              <a:cs typeface="Arial" panose="020B0604020202020204" pitchFamily="34" charset="0"/>
+              <a:rPr lang="en-GB" sz="1600" b="0" i="1" dirty="0">
+                <a:solidFill>
+                  <a:srgbClr val="C678DD"/>
+                </a:solidFill>
+                <a:effectLst/>
+                <a:latin typeface="cascadia code" pitchFamily="1" charset="0"/>
+              </a:rPr>
+              <a:t>from</a:t>
+            </a:r>
+            <a:r>
+              <a:rPr lang="en-GB" sz="1600" b="0" dirty="0">
+                <a:solidFill>
+                  <a:srgbClr val="ABB2BF"/>
+                </a:solidFill>
+                <a:effectLst/>
+                <a:latin typeface="cascadia code" pitchFamily="1" charset="0"/>
+              </a:rPr>
+              <a:t> </a:t>
+            </a:r>
+            <a:r>
+              <a:rPr lang="en-GB" sz="1600" b="0" dirty="0" err="1">
+                <a:solidFill>
+                  <a:srgbClr val="E5C07B"/>
+                </a:solidFill>
+                <a:effectLst/>
+                <a:latin typeface="cascadia code" pitchFamily="1" charset="0"/>
+              </a:rPr>
+              <a:t>unittest</a:t>
+            </a:r>
+            <a:r>
+              <a:rPr lang="en-GB" sz="1600" b="0" dirty="0">
+                <a:solidFill>
+                  <a:srgbClr val="ABB2BF"/>
+                </a:solidFill>
+                <a:effectLst/>
+                <a:latin typeface="cascadia code" pitchFamily="1" charset="0"/>
+              </a:rPr>
+              <a:t> </a:t>
+            </a:r>
+            <a:r>
+              <a:rPr lang="en-GB" sz="1600" b="0" i="1" dirty="0">
+                <a:solidFill>
+                  <a:srgbClr val="C678DD"/>
+                </a:solidFill>
+                <a:effectLst/>
+                <a:latin typeface="cascadia code" pitchFamily="1" charset="0"/>
+              </a:rPr>
+              <a:t>import</a:t>
+            </a:r>
+            <a:r>
+              <a:rPr lang="en-GB" sz="1600" b="0" dirty="0">
+                <a:solidFill>
+                  <a:srgbClr val="ABB2BF"/>
+                </a:solidFill>
+                <a:effectLst/>
+                <a:latin typeface="cascadia code" pitchFamily="1" charset="0"/>
+              </a:rPr>
+              <a:t> </a:t>
+            </a:r>
+            <a:r>
+              <a:rPr lang="en-GB" sz="1600" b="0" dirty="0">
+                <a:solidFill>
+                  <a:srgbClr val="E5C07B"/>
+                </a:solidFill>
+                <a:effectLst/>
+                <a:latin typeface="cascadia code" pitchFamily="1" charset="0"/>
+              </a:rPr>
+              <a:t>result</a:t>
+            </a:r>
+            <a:endParaRPr lang="en-GB" sz="1600" b="0" dirty="0">
+              <a:solidFill>
+                <a:srgbClr val="ABB2BF"/>
+              </a:solidFill>
+              <a:effectLst/>
+              <a:latin typeface="cascadia code" pitchFamily="1" charset="0"/>
             </a:endParaRPr>
+          </a:p>
+          <a:p>
+            <a:r>
+              <a:rPr lang="en-GB" sz="1600" b="0" i="1" dirty="0">
+                <a:solidFill>
+                  <a:srgbClr val="C678DD"/>
+                </a:solidFill>
+                <a:effectLst/>
+                <a:latin typeface="cascadia code" pitchFamily="1" charset="0"/>
+              </a:rPr>
+              <a:t>import</a:t>
+            </a:r>
+            <a:r>
+              <a:rPr lang="en-GB" sz="1600" b="0" dirty="0">
+                <a:solidFill>
+                  <a:srgbClr val="ABB2BF"/>
+                </a:solidFill>
+                <a:effectLst/>
+                <a:latin typeface="cascadia code" pitchFamily="1" charset="0"/>
+              </a:rPr>
+              <a:t> </a:t>
+            </a:r>
+            <a:r>
+              <a:rPr lang="en-GB" sz="1600" b="0" dirty="0" err="1">
+                <a:solidFill>
+                  <a:srgbClr val="E5C07B"/>
+                </a:solidFill>
+                <a:effectLst/>
+                <a:latin typeface="cascadia code" pitchFamily="1" charset="0"/>
+              </a:rPr>
+              <a:t>requests</a:t>
+            </a:r>
+            <a:r>
+              <a:rPr lang="en-GB" sz="1600" b="0" dirty="0" err="1">
+                <a:solidFill>
+                  <a:srgbClr val="ABB2BF"/>
+                </a:solidFill>
+                <a:effectLst/>
+                <a:latin typeface="cascadia code" pitchFamily="1" charset="0"/>
+              </a:rPr>
+              <a:t>,</a:t>
+            </a:r>
+            <a:r>
+              <a:rPr lang="en-GB" sz="1600" b="0" dirty="0" err="1">
+                <a:solidFill>
+                  <a:srgbClr val="E5C07B"/>
+                </a:solidFill>
+                <a:effectLst/>
+                <a:latin typeface="cascadia code" pitchFamily="1" charset="0"/>
+              </a:rPr>
+              <a:t>json</a:t>
+            </a:r>
+            <a:endParaRPr lang="en-GB" sz="1600" b="0" dirty="0">
+              <a:solidFill>
+                <a:srgbClr val="ABB2BF"/>
+              </a:solidFill>
+              <a:effectLst/>
+              <a:latin typeface="cascadia code" pitchFamily="1" charset="0"/>
+            </a:endParaRPr>
+          </a:p>
+          <a:p>
+            <a:br>
+              <a:rPr lang="en-GB" sz="1600" b="0" dirty="0">
+                <a:solidFill>
+                  <a:srgbClr val="ABB2BF"/>
+                </a:solidFill>
+                <a:effectLst/>
+                <a:latin typeface="cascadia code" pitchFamily="1" charset="0"/>
+              </a:rPr>
+            </a:br>
+            <a:r>
+              <a:rPr lang="en-GB" sz="1600" b="0" dirty="0" err="1">
+                <a:solidFill>
+                  <a:srgbClr val="E06C75"/>
+                </a:solidFill>
+                <a:effectLst/>
+                <a:latin typeface="cascadia code" pitchFamily="1" charset="0"/>
+              </a:rPr>
+              <a:t>url</a:t>
+            </a:r>
+            <a:r>
+              <a:rPr lang="en-GB" sz="1600" b="0" dirty="0">
+                <a:solidFill>
+                  <a:srgbClr val="ABB2BF"/>
+                </a:solidFill>
+                <a:effectLst/>
+                <a:latin typeface="cascadia code" pitchFamily="1" charset="0"/>
+              </a:rPr>
+              <a:t> </a:t>
+            </a:r>
+            <a:r>
+              <a:rPr lang="en-GB" sz="1600" b="0" dirty="0">
+                <a:solidFill>
+                  <a:srgbClr val="56B6C2"/>
+                </a:solidFill>
+                <a:effectLst/>
+                <a:latin typeface="cascadia code" pitchFamily="1" charset="0"/>
+              </a:rPr>
+              <a:t>=</a:t>
+            </a:r>
+            <a:r>
+              <a:rPr lang="en-GB" sz="1600" b="0" dirty="0">
+                <a:solidFill>
+                  <a:srgbClr val="ABB2BF"/>
+                </a:solidFill>
+                <a:effectLst/>
+                <a:latin typeface="cascadia code" pitchFamily="1" charset="0"/>
+              </a:rPr>
+              <a:t> </a:t>
+            </a:r>
+            <a:r>
+              <a:rPr lang="en-GB" sz="1600" b="0" dirty="0">
+                <a:solidFill>
+                  <a:srgbClr val="98C379"/>
+                </a:solidFill>
+                <a:effectLst/>
+                <a:latin typeface="cascadia code" pitchFamily="1" charset="0"/>
+              </a:rPr>
+              <a:t>"https://google-search55.p.rapidapi.com/search"</a:t>
+            </a:r>
+            <a:endParaRPr lang="en-GB" sz="1600" b="0" dirty="0">
+              <a:solidFill>
+                <a:srgbClr val="ABB2BF"/>
+              </a:solidFill>
+              <a:effectLst/>
+              <a:latin typeface="cascadia code" pitchFamily="1" charset="0"/>
+            </a:endParaRPr>
+          </a:p>
+          <a:p>
+            <a:r>
+              <a:rPr lang="en-GB" sz="1600" b="0" dirty="0">
+                <a:solidFill>
+                  <a:srgbClr val="E06C75"/>
+                </a:solidFill>
+                <a:effectLst/>
+                <a:latin typeface="cascadia code" pitchFamily="1" charset="0"/>
+              </a:rPr>
+              <a:t>text</a:t>
+            </a:r>
+            <a:r>
+              <a:rPr lang="en-GB" sz="1600" b="0" dirty="0">
+                <a:solidFill>
+                  <a:srgbClr val="ABB2BF"/>
+                </a:solidFill>
+                <a:effectLst/>
+                <a:latin typeface="cascadia code" pitchFamily="1" charset="0"/>
+              </a:rPr>
+              <a:t> </a:t>
+            </a:r>
+            <a:r>
+              <a:rPr lang="en-GB" sz="1600" b="0" dirty="0">
+                <a:solidFill>
+                  <a:srgbClr val="56B6C2"/>
+                </a:solidFill>
+                <a:effectLst/>
+                <a:latin typeface="cascadia code" pitchFamily="1" charset="0"/>
+              </a:rPr>
+              <a:t>=</a:t>
+            </a:r>
+            <a:r>
+              <a:rPr lang="en-GB" sz="1600" b="0" dirty="0">
+                <a:solidFill>
+                  <a:srgbClr val="ABB2BF"/>
+                </a:solidFill>
+                <a:effectLst/>
+                <a:latin typeface="cascadia code" pitchFamily="1" charset="0"/>
+              </a:rPr>
+              <a:t> </a:t>
+            </a:r>
+            <a:r>
+              <a:rPr lang="en-GB" sz="1600" b="0" dirty="0">
+                <a:solidFill>
+                  <a:srgbClr val="98C379"/>
+                </a:solidFill>
+                <a:effectLst/>
+                <a:latin typeface="cascadia code" pitchFamily="1" charset="0"/>
+              </a:rPr>
+              <a:t>"google"</a:t>
+            </a:r>
+            <a:endParaRPr lang="en-GB" sz="1600" b="0" dirty="0">
+              <a:solidFill>
+                <a:srgbClr val="ABB2BF"/>
+              </a:solidFill>
+              <a:effectLst/>
+              <a:latin typeface="cascadia code" pitchFamily="1" charset="0"/>
+            </a:endParaRPr>
+          </a:p>
+          <a:p>
+            <a:r>
+              <a:rPr lang="en-GB" sz="1600" b="0" dirty="0" err="1">
+                <a:solidFill>
+                  <a:srgbClr val="E06C75"/>
+                </a:solidFill>
+                <a:effectLst/>
+                <a:latin typeface="cascadia code" pitchFamily="1" charset="0"/>
+              </a:rPr>
+              <a:t>querystring</a:t>
+            </a:r>
+            <a:r>
+              <a:rPr lang="en-GB" sz="1600" b="0" dirty="0">
+                <a:solidFill>
+                  <a:srgbClr val="ABB2BF"/>
+                </a:solidFill>
+                <a:effectLst/>
+                <a:latin typeface="cascadia code" pitchFamily="1" charset="0"/>
+              </a:rPr>
+              <a:t> </a:t>
+            </a:r>
+            <a:r>
+              <a:rPr lang="en-GB" sz="1600" b="0" dirty="0">
+                <a:solidFill>
+                  <a:srgbClr val="56B6C2"/>
+                </a:solidFill>
+                <a:effectLst/>
+                <a:latin typeface="cascadia code" pitchFamily="1" charset="0"/>
+              </a:rPr>
+              <a:t>=</a:t>
+            </a:r>
+            <a:r>
+              <a:rPr lang="en-GB" sz="1600" b="0" dirty="0">
+                <a:solidFill>
+                  <a:srgbClr val="ABB2BF"/>
+                </a:solidFill>
+                <a:effectLst/>
+                <a:latin typeface="cascadia code" pitchFamily="1" charset="0"/>
+              </a:rPr>
+              <a:t> {</a:t>
+            </a:r>
+            <a:r>
+              <a:rPr lang="en-GB" sz="1600" b="0" dirty="0">
+                <a:solidFill>
+                  <a:srgbClr val="98C379"/>
+                </a:solidFill>
+                <a:effectLst/>
+                <a:latin typeface="cascadia code" pitchFamily="1" charset="0"/>
+              </a:rPr>
+              <a:t>"page"</a:t>
+            </a:r>
+            <a:r>
+              <a:rPr lang="en-GB" sz="1600" b="0" dirty="0">
+                <a:solidFill>
+                  <a:srgbClr val="ABB2BF"/>
+                </a:solidFill>
+                <a:effectLst/>
+                <a:latin typeface="cascadia code" pitchFamily="1" charset="0"/>
+              </a:rPr>
+              <a:t>:</a:t>
+            </a:r>
+            <a:r>
+              <a:rPr lang="en-GB" sz="1600" b="0" dirty="0">
+                <a:solidFill>
+                  <a:srgbClr val="98C379"/>
+                </a:solidFill>
+                <a:effectLst/>
+                <a:latin typeface="cascadia code" pitchFamily="1" charset="0"/>
+              </a:rPr>
+              <a:t>"1"</a:t>
+            </a:r>
+            <a:r>
+              <a:rPr lang="en-GB" sz="1600" b="0" dirty="0">
+                <a:solidFill>
+                  <a:srgbClr val="ABB2BF"/>
+                </a:solidFill>
+                <a:effectLst/>
+                <a:latin typeface="cascadia code" pitchFamily="1" charset="0"/>
+              </a:rPr>
+              <a:t>,</a:t>
+            </a:r>
+            <a:r>
+              <a:rPr lang="en-GB" sz="1600" b="0" dirty="0">
+                <a:solidFill>
+                  <a:srgbClr val="98C379"/>
+                </a:solidFill>
+                <a:effectLst/>
+                <a:latin typeface="cascadia code" pitchFamily="1" charset="0"/>
+              </a:rPr>
+              <a:t>"q"</a:t>
+            </a:r>
+            <a:r>
+              <a:rPr lang="en-GB" sz="1600" b="0" dirty="0">
+                <a:solidFill>
+                  <a:srgbClr val="ABB2BF"/>
+                </a:solidFill>
+                <a:effectLst/>
+                <a:latin typeface="cascadia code" pitchFamily="1" charset="0"/>
+              </a:rPr>
+              <a:t>:</a:t>
+            </a:r>
+            <a:r>
+              <a:rPr lang="en-GB" sz="1600" b="0" dirty="0">
+                <a:solidFill>
+                  <a:srgbClr val="98C379"/>
+                </a:solidFill>
+                <a:effectLst/>
+                <a:latin typeface="cascadia code" pitchFamily="1" charset="0"/>
+              </a:rPr>
+              <a:t>""</a:t>
+            </a:r>
+            <a:r>
+              <a:rPr lang="en-GB" sz="1600" b="0" dirty="0">
+                <a:solidFill>
+                  <a:srgbClr val="ABB2BF"/>
+                </a:solidFill>
+                <a:effectLst/>
+                <a:latin typeface="cascadia code" pitchFamily="1" charset="0"/>
+              </a:rPr>
+              <a:t>,</a:t>
+            </a:r>
+            <a:r>
+              <a:rPr lang="en-GB" sz="1600" b="0" dirty="0">
+                <a:solidFill>
+                  <a:srgbClr val="98C379"/>
+                </a:solidFill>
+                <a:effectLst/>
+                <a:latin typeface="cascadia code" pitchFamily="1" charset="0"/>
+              </a:rPr>
+              <a:t>"safe"</a:t>
+            </a:r>
+            <a:r>
+              <a:rPr lang="en-GB" sz="1600" b="0" dirty="0">
+                <a:solidFill>
+                  <a:srgbClr val="ABB2BF"/>
+                </a:solidFill>
+                <a:effectLst/>
+                <a:latin typeface="cascadia code" pitchFamily="1" charset="0"/>
+              </a:rPr>
+              <a:t>:</a:t>
+            </a:r>
+            <a:r>
+              <a:rPr lang="en-GB" sz="1600" b="0" dirty="0">
+                <a:solidFill>
+                  <a:srgbClr val="98C379"/>
+                </a:solidFill>
+                <a:effectLst/>
+                <a:latin typeface="cascadia code" pitchFamily="1" charset="0"/>
+              </a:rPr>
+              <a:t>"false"</a:t>
+            </a:r>
+            <a:r>
+              <a:rPr lang="en-GB" sz="1600" b="0" dirty="0">
+                <a:solidFill>
+                  <a:srgbClr val="ABB2BF"/>
+                </a:solidFill>
+                <a:effectLst/>
+                <a:latin typeface="cascadia code" pitchFamily="1" charset="0"/>
+              </a:rPr>
+              <a:t>,</a:t>
+            </a:r>
+            <a:r>
+              <a:rPr lang="en-GB" sz="1600" b="0" dirty="0">
+                <a:solidFill>
+                  <a:srgbClr val="98C379"/>
+                </a:solidFill>
+                <a:effectLst/>
+                <a:latin typeface="cascadia code" pitchFamily="1" charset="0"/>
+              </a:rPr>
+              <a:t>"language"</a:t>
+            </a:r>
+            <a:r>
+              <a:rPr lang="en-GB" sz="1600" b="0" dirty="0">
+                <a:solidFill>
+                  <a:srgbClr val="ABB2BF"/>
+                </a:solidFill>
+                <a:effectLst/>
+                <a:latin typeface="cascadia code" pitchFamily="1" charset="0"/>
+              </a:rPr>
+              <a:t>:</a:t>
+            </a:r>
+            <a:r>
+              <a:rPr lang="en-GB" sz="1600" b="0" dirty="0">
+                <a:solidFill>
+                  <a:srgbClr val="98C379"/>
+                </a:solidFill>
+                <a:effectLst/>
+                <a:latin typeface="cascadia code" pitchFamily="1" charset="0"/>
+              </a:rPr>
+              <a:t>"en"</a:t>
+            </a:r>
+            <a:r>
+              <a:rPr lang="en-GB" sz="1600" b="0" dirty="0">
+                <a:solidFill>
+                  <a:srgbClr val="ABB2BF"/>
+                </a:solidFill>
+                <a:effectLst/>
+                <a:latin typeface="cascadia code" pitchFamily="1" charset="0"/>
+              </a:rPr>
+              <a:t>,</a:t>
+            </a:r>
+            <a:r>
+              <a:rPr lang="en-GB" sz="1600" b="0" dirty="0">
+                <a:solidFill>
+                  <a:srgbClr val="98C379"/>
+                </a:solidFill>
+                <a:effectLst/>
+                <a:latin typeface="cascadia code" pitchFamily="1" charset="0"/>
+              </a:rPr>
+              <a:t>"time"</a:t>
+            </a:r>
+            <a:r>
+              <a:rPr lang="en-GB" sz="1600" b="0" dirty="0">
+                <a:solidFill>
+                  <a:srgbClr val="ABB2BF"/>
+                </a:solidFill>
+                <a:effectLst/>
+                <a:latin typeface="cascadia code" pitchFamily="1" charset="0"/>
+              </a:rPr>
+              <a:t>:</a:t>
+            </a:r>
+            <a:r>
+              <a:rPr lang="en-GB" sz="1600" b="0" dirty="0">
+                <a:solidFill>
+                  <a:srgbClr val="98C379"/>
+                </a:solidFill>
+                <a:effectLst/>
+                <a:latin typeface="cascadia code" pitchFamily="1" charset="0"/>
+              </a:rPr>
+              <a:t>"default"</a:t>
+            </a:r>
+            <a:r>
+              <a:rPr lang="en-GB" sz="1600" b="0" dirty="0">
+                <a:solidFill>
+                  <a:srgbClr val="ABB2BF"/>
+                </a:solidFill>
+                <a:effectLst/>
+                <a:latin typeface="cascadia code" pitchFamily="1" charset="0"/>
+              </a:rPr>
+              <a:t>,</a:t>
+            </a:r>
+            <a:r>
+              <a:rPr lang="en-GB" sz="1600" b="0" dirty="0">
+                <a:solidFill>
+                  <a:srgbClr val="98C379"/>
+                </a:solidFill>
+                <a:effectLst/>
+                <a:latin typeface="cascadia code" pitchFamily="1" charset="0"/>
+              </a:rPr>
+              <a:t>"as_sitesearch"</a:t>
+            </a:r>
+            <a:r>
+              <a:rPr lang="en-GB" sz="1600" b="0" dirty="0">
+                <a:solidFill>
+                  <a:srgbClr val="ABB2BF"/>
+                </a:solidFill>
+                <a:effectLst/>
+                <a:latin typeface="cascadia code" pitchFamily="1" charset="0"/>
+              </a:rPr>
+              <a:t>:</a:t>
+            </a:r>
+            <a:r>
+              <a:rPr lang="en-GB" sz="1600" b="0" dirty="0">
+                <a:solidFill>
+                  <a:srgbClr val="98C379"/>
+                </a:solidFill>
+                <a:effectLst/>
+                <a:latin typeface="cascadia code" pitchFamily="1" charset="0"/>
+              </a:rPr>
+              <a:t>"default"</a:t>
+            </a:r>
+            <a:r>
+              <a:rPr lang="en-GB" sz="1600" b="0" dirty="0">
+                <a:solidFill>
+                  <a:srgbClr val="ABB2BF"/>
+                </a:solidFill>
+                <a:effectLst/>
+                <a:latin typeface="cascadia code" pitchFamily="1" charset="0"/>
+              </a:rPr>
+              <a:t>}</a:t>
+            </a:r>
+          </a:p>
+          <a:p>
+            <a:r>
+              <a:rPr lang="en-GB" sz="1600" b="0" dirty="0" err="1">
+                <a:solidFill>
+                  <a:srgbClr val="E06C75"/>
+                </a:solidFill>
+                <a:effectLst/>
+                <a:latin typeface="cascadia code" pitchFamily="1" charset="0"/>
+              </a:rPr>
+              <a:t>querystring</a:t>
+            </a:r>
+            <a:r>
+              <a:rPr lang="en-GB" sz="1600" b="0" dirty="0">
+                <a:solidFill>
+                  <a:srgbClr val="ABB2BF"/>
+                </a:solidFill>
+                <a:effectLst/>
+                <a:latin typeface="cascadia code" pitchFamily="1" charset="0"/>
+              </a:rPr>
+              <a:t>[</a:t>
+            </a:r>
+            <a:r>
+              <a:rPr lang="en-GB" sz="1600" b="0" dirty="0">
+                <a:solidFill>
+                  <a:srgbClr val="98C379"/>
+                </a:solidFill>
+                <a:effectLst/>
+                <a:latin typeface="cascadia code" pitchFamily="1" charset="0"/>
+              </a:rPr>
+              <a:t>'q'</a:t>
+            </a:r>
+            <a:r>
+              <a:rPr lang="en-GB" sz="1600" b="0" dirty="0">
+                <a:solidFill>
+                  <a:srgbClr val="ABB2BF"/>
+                </a:solidFill>
+                <a:effectLst/>
+                <a:latin typeface="cascadia code" pitchFamily="1" charset="0"/>
+              </a:rPr>
+              <a:t>] </a:t>
+            </a:r>
+            <a:r>
+              <a:rPr lang="en-GB" sz="1600" b="0" dirty="0">
+                <a:solidFill>
+                  <a:srgbClr val="56B6C2"/>
+                </a:solidFill>
+                <a:effectLst/>
+                <a:latin typeface="cascadia code" pitchFamily="1" charset="0"/>
+              </a:rPr>
+              <a:t>=</a:t>
+            </a:r>
+            <a:r>
+              <a:rPr lang="en-GB" sz="1600" b="0" dirty="0">
+                <a:solidFill>
+                  <a:srgbClr val="ABB2BF"/>
+                </a:solidFill>
+                <a:effectLst/>
+                <a:latin typeface="cascadia code" pitchFamily="1" charset="0"/>
+              </a:rPr>
+              <a:t> </a:t>
+            </a:r>
+            <a:r>
+              <a:rPr lang="en-GB" sz="1600" b="0" dirty="0">
+                <a:solidFill>
+                  <a:srgbClr val="E06C75"/>
+                </a:solidFill>
+                <a:effectLst/>
+                <a:latin typeface="cascadia code" pitchFamily="1" charset="0"/>
+              </a:rPr>
+              <a:t>text</a:t>
+            </a:r>
+            <a:endParaRPr lang="en-GB" sz="1600" b="0" dirty="0">
+              <a:solidFill>
+                <a:srgbClr val="ABB2BF"/>
+              </a:solidFill>
+              <a:effectLst/>
+              <a:latin typeface="cascadia code" pitchFamily="1" charset="0"/>
+            </a:endParaRPr>
+          </a:p>
+          <a:p>
+            <a:br>
+              <a:rPr lang="en-GB" sz="1600" b="0" dirty="0">
+                <a:solidFill>
+                  <a:srgbClr val="ABB2BF"/>
+                </a:solidFill>
+                <a:effectLst/>
+                <a:latin typeface="cascadia code" pitchFamily="1" charset="0"/>
+              </a:rPr>
+            </a:br>
+            <a:r>
+              <a:rPr lang="en-GB" sz="1600" b="0" dirty="0">
+                <a:solidFill>
+                  <a:srgbClr val="E06C75"/>
+                </a:solidFill>
+                <a:effectLst/>
+                <a:latin typeface="cascadia code" pitchFamily="1" charset="0"/>
+              </a:rPr>
+              <a:t>headers</a:t>
+            </a:r>
+            <a:r>
+              <a:rPr lang="en-GB" sz="1600" b="0" dirty="0">
+                <a:solidFill>
+                  <a:srgbClr val="ABB2BF"/>
+                </a:solidFill>
+                <a:effectLst/>
+                <a:latin typeface="cascadia code" pitchFamily="1" charset="0"/>
+              </a:rPr>
+              <a:t> </a:t>
+            </a:r>
+            <a:r>
+              <a:rPr lang="en-GB" sz="1600" b="0" dirty="0">
+                <a:solidFill>
+                  <a:srgbClr val="56B6C2"/>
+                </a:solidFill>
+                <a:effectLst/>
+                <a:latin typeface="cascadia code" pitchFamily="1" charset="0"/>
+              </a:rPr>
+              <a:t>=</a:t>
+            </a:r>
+            <a:r>
+              <a:rPr lang="en-GB" sz="1600" b="0" dirty="0">
+                <a:solidFill>
+                  <a:srgbClr val="ABB2BF"/>
+                </a:solidFill>
+                <a:effectLst/>
+                <a:latin typeface="cascadia code" pitchFamily="1" charset="0"/>
+              </a:rPr>
+              <a:t> {</a:t>
+            </a:r>
+          </a:p>
+          <a:p>
+            <a:r>
+              <a:rPr lang="en-GB" sz="1600" b="0" dirty="0">
+                <a:solidFill>
+                  <a:srgbClr val="ABB2BF"/>
+                </a:solidFill>
+                <a:effectLst/>
+                <a:latin typeface="cascadia code" pitchFamily="1" charset="0"/>
+              </a:rPr>
+              <a:t>    </a:t>
+            </a:r>
+            <a:r>
+              <a:rPr lang="en-GB" sz="1600" b="0" dirty="0">
+                <a:solidFill>
+                  <a:srgbClr val="98C379"/>
+                </a:solidFill>
+                <a:effectLst/>
+                <a:latin typeface="cascadia code" pitchFamily="1" charset="0"/>
+              </a:rPr>
+              <a:t>"X-</a:t>
+            </a:r>
+            <a:r>
+              <a:rPr lang="en-GB" sz="1600" b="0" dirty="0" err="1">
+                <a:solidFill>
+                  <a:srgbClr val="98C379"/>
+                </a:solidFill>
+                <a:effectLst/>
+                <a:latin typeface="cascadia code" pitchFamily="1" charset="0"/>
+              </a:rPr>
+              <a:t>RapidAPI</a:t>
+            </a:r>
+            <a:r>
+              <a:rPr lang="en-GB" sz="1600" b="0" dirty="0">
+                <a:solidFill>
+                  <a:srgbClr val="98C379"/>
+                </a:solidFill>
+                <a:effectLst/>
+                <a:latin typeface="cascadia code" pitchFamily="1" charset="0"/>
+              </a:rPr>
+              <a:t>-Key"</a:t>
+            </a:r>
+            <a:r>
+              <a:rPr lang="en-GB" sz="1600" b="0" dirty="0">
+                <a:solidFill>
+                  <a:srgbClr val="ABB2BF"/>
+                </a:solidFill>
+                <a:effectLst/>
+                <a:latin typeface="cascadia code" pitchFamily="1" charset="0"/>
+              </a:rPr>
+              <a:t>: </a:t>
+            </a:r>
+            <a:r>
+              <a:rPr lang="en-GB" sz="1600" b="0" dirty="0">
+                <a:solidFill>
+                  <a:srgbClr val="98C379"/>
+                </a:solidFill>
+                <a:effectLst/>
+                <a:latin typeface="cascadia code" pitchFamily="1" charset="0"/>
+              </a:rPr>
+              <a:t>"2d2dea647fmsh577c57bb54abd69p13249djsn06827c6f1fe8"</a:t>
+            </a:r>
+            <a:r>
+              <a:rPr lang="en-GB" sz="1600" b="0" dirty="0">
+                <a:solidFill>
+                  <a:srgbClr val="ABB2BF"/>
+                </a:solidFill>
+                <a:effectLst/>
+                <a:latin typeface="cascadia code" pitchFamily="1" charset="0"/>
+              </a:rPr>
+              <a:t>,</a:t>
+            </a:r>
+          </a:p>
+          <a:p>
+            <a:r>
+              <a:rPr lang="en-GB" sz="1600" b="0" dirty="0">
+                <a:solidFill>
+                  <a:srgbClr val="ABB2BF"/>
+                </a:solidFill>
+                <a:effectLst/>
+                <a:latin typeface="cascadia code" pitchFamily="1" charset="0"/>
+              </a:rPr>
+              <a:t>    </a:t>
+            </a:r>
+            <a:r>
+              <a:rPr lang="en-GB" sz="1600" b="0" dirty="0">
+                <a:solidFill>
+                  <a:srgbClr val="98C379"/>
+                </a:solidFill>
+                <a:effectLst/>
+                <a:latin typeface="cascadia code" pitchFamily="1" charset="0"/>
+              </a:rPr>
+              <a:t>"X-</a:t>
+            </a:r>
+            <a:r>
+              <a:rPr lang="en-GB" sz="1600" b="0" dirty="0" err="1">
+                <a:solidFill>
+                  <a:srgbClr val="98C379"/>
+                </a:solidFill>
+                <a:effectLst/>
+                <a:latin typeface="cascadia code" pitchFamily="1" charset="0"/>
+              </a:rPr>
+              <a:t>RapidAPI</a:t>
+            </a:r>
+            <a:r>
+              <a:rPr lang="en-GB" sz="1600" b="0" dirty="0">
+                <a:solidFill>
+                  <a:srgbClr val="98C379"/>
+                </a:solidFill>
+                <a:effectLst/>
+                <a:latin typeface="cascadia code" pitchFamily="1" charset="0"/>
+              </a:rPr>
+              <a:t>-Host"</a:t>
+            </a:r>
+            <a:r>
+              <a:rPr lang="en-GB" sz="1600" b="0" dirty="0">
+                <a:solidFill>
+                  <a:srgbClr val="ABB2BF"/>
+                </a:solidFill>
+                <a:effectLst/>
+                <a:latin typeface="cascadia code" pitchFamily="1" charset="0"/>
+              </a:rPr>
+              <a:t>: </a:t>
+            </a:r>
+            <a:r>
+              <a:rPr lang="en-GB" sz="1600" b="0" dirty="0">
+                <a:solidFill>
+                  <a:srgbClr val="98C379"/>
+                </a:solidFill>
+                <a:effectLst/>
+                <a:latin typeface="cascadia code" pitchFamily="1" charset="0"/>
+              </a:rPr>
+              <a:t>"google-search55.p.rapidapi.com"</a:t>
+            </a:r>
+            <a:endParaRPr lang="en-GB" sz="1600" b="0" dirty="0">
+              <a:solidFill>
+                <a:srgbClr val="ABB2BF"/>
+              </a:solidFill>
+              <a:effectLst/>
+              <a:latin typeface="cascadia code" pitchFamily="1" charset="0"/>
+            </a:endParaRPr>
+          </a:p>
+          <a:p>
+            <a:r>
+              <a:rPr lang="en-GB" sz="1600" b="0" dirty="0">
+                <a:solidFill>
+                  <a:srgbClr val="ABB2BF"/>
+                </a:solidFill>
+                <a:effectLst/>
+                <a:latin typeface="cascadia code" pitchFamily="1" charset="0"/>
+              </a:rPr>
+              <a:t>}</a:t>
+            </a:r>
+          </a:p>
+          <a:p>
+            <a:br>
+              <a:rPr lang="en-GB" sz="1600" b="0" dirty="0">
+                <a:solidFill>
+                  <a:srgbClr val="ABB2BF"/>
+                </a:solidFill>
+                <a:effectLst/>
+                <a:latin typeface="cascadia code" pitchFamily="1" charset="0"/>
+              </a:rPr>
+            </a:br>
+            <a:r>
+              <a:rPr lang="en-GB" sz="1600" b="0" dirty="0">
+                <a:solidFill>
+                  <a:srgbClr val="E06C75"/>
+                </a:solidFill>
+                <a:effectLst/>
+                <a:latin typeface="cascadia code" pitchFamily="1" charset="0"/>
+              </a:rPr>
+              <a:t>response</a:t>
+            </a:r>
+            <a:r>
+              <a:rPr lang="en-GB" sz="1600" b="0" dirty="0">
+                <a:solidFill>
+                  <a:srgbClr val="ABB2BF"/>
+                </a:solidFill>
+                <a:effectLst/>
+                <a:latin typeface="cascadia code" pitchFamily="1" charset="0"/>
+              </a:rPr>
+              <a:t> </a:t>
+            </a:r>
+            <a:r>
+              <a:rPr lang="en-GB" sz="1600" b="0" dirty="0">
+                <a:solidFill>
+                  <a:srgbClr val="56B6C2"/>
+                </a:solidFill>
+                <a:effectLst/>
+                <a:latin typeface="cascadia code" pitchFamily="1" charset="0"/>
+              </a:rPr>
+              <a:t>=</a:t>
+            </a:r>
+            <a:r>
+              <a:rPr lang="en-GB" sz="1600" b="0" dirty="0">
+                <a:solidFill>
+                  <a:srgbClr val="ABB2BF"/>
+                </a:solidFill>
+                <a:effectLst/>
+                <a:latin typeface="cascadia code" pitchFamily="1" charset="0"/>
+              </a:rPr>
+              <a:t> </a:t>
+            </a:r>
+            <a:r>
+              <a:rPr lang="en-GB" sz="1600" b="0" dirty="0" err="1">
+                <a:solidFill>
+                  <a:srgbClr val="E5C07B"/>
+                </a:solidFill>
+                <a:effectLst/>
+                <a:latin typeface="cascadia code" pitchFamily="1" charset="0"/>
+              </a:rPr>
+              <a:t>requests</a:t>
+            </a:r>
+            <a:r>
+              <a:rPr lang="en-GB" sz="1600" b="0" dirty="0" err="1">
+                <a:solidFill>
+                  <a:srgbClr val="ABB2BF"/>
+                </a:solidFill>
+                <a:effectLst/>
+                <a:latin typeface="cascadia code" pitchFamily="1" charset="0"/>
+              </a:rPr>
+              <a:t>.</a:t>
+            </a:r>
+            <a:r>
+              <a:rPr lang="en-GB" sz="1600" b="0" dirty="0" err="1">
+                <a:solidFill>
+                  <a:srgbClr val="61AFEF"/>
+                </a:solidFill>
+                <a:effectLst/>
+                <a:latin typeface="cascadia code" pitchFamily="1" charset="0"/>
+              </a:rPr>
+              <a:t>request</a:t>
+            </a:r>
+            <a:r>
+              <a:rPr lang="en-GB" sz="1600" b="0" dirty="0">
+                <a:solidFill>
+                  <a:srgbClr val="ABB2BF"/>
+                </a:solidFill>
+                <a:effectLst/>
+                <a:latin typeface="cascadia code" pitchFamily="1" charset="0"/>
+              </a:rPr>
+              <a:t>(</a:t>
+            </a:r>
+            <a:r>
+              <a:rPr lang="en-GB" sz="1600" b="0" dirty="0">
+                <a:solidFill>
+                  <a:srgbClr val="98C379"/>
+                </a:solidFill>
+                <a:effectLst/>
+                <a:latin typeface="cascadia code" pitchFamily="1" charset="0"/>
+              </a:rPr>
+              <a:t>"GET"</a:t>
+            </a:r>
+            <a:r>
+              <a:rPr lang="en-GB" sz="1600" b="0" dirty="0">
+                <a:solidFill>
+                  <a:srgbClr val="ABB2BF"/>
+                </a:solidFill>
+                <a:effectLst/>
+                <a:latin typeface="cascadia code" pitchFamily="1" charset="0"/>
+              </a:rPr>
+              <a:t>, </a:t>
+            </a:r>
+            <a:r>
+              <a:rPr lang="en-GB" sz="1600" b="0" dirty="0" err="1">
+                <a:solidFill>
+                  <a:srgbClr val="E06C75"/>
+                </a:solidFill>
+                <a:effectLst/>
+                <a:latin typeface="cascadia code" pitchFamily="1" charset="0"/>
+              </a:rPr>
+              <a:t>url</a:t>
+            </a:r>
+            <a:r>
+              <a:rPr lang="en-GB" sz="1600" b="0" dirty="0">
+                <a:solidFill>
+                  <a:srgbClr val="ABB2BF"/>
+                </a:solidFill>
+                <a:effectLst/>
+                <a:latin typeface="cascadia code" pitchFamily="1" charset="0"/>
+              </a:rPr>
+              <a:t>, </a:t>
+            </a:r>
+            <a:r>
+              <a:rPr lang="en-GB" sz="1600" b="0" i="1" dirty="0">
+                <a:solidFill>
+                  <a:srgbClr val="E06C75"/>
+                </a:solidFill>
+                <a:effectLst/>
+                <a:latin typeface="cascadia code" pitchFamily="1" charset="0"/>
+              </a:rPr>
+              <a:t>headers</a:t>
+            </a:r>
+            <a:r>
+              <a:rPr lang="en-GB" sz="1600" b="0" dirty="0">
+                <a:solidFill>
+                  <a:srgbClr val="56B6C2"/>
+                </a:solidFill>
+                <a:effectLst/>
+                <a:latin typeface="cascadia code" pitchFamily="1" charset="0"/>
+              </a:rPr>
+              <a:t>=</a:t>
+            </a:r>
+            <a:r>
+              <a:rPr lang="en-GB" sz="1600" b="0" dirty="0">
+                <a:solidFill>
+                  <a:srgbClr val="E06C75"/>
+                </a:solidFill>
+                <a:effectLst/>
+                <a:latin typeface="cascadia code" pitchFamily="1" charset="0"/>
+              </a:rPr>
+              <a:t>headers</a:t>
+            </a:r>
+            <a:r>
+              <a:rPr lang="en-GB" sz="1600" b="0" dirty="0">
+                <a:solidFill>
+                  <a:srgbClr val="ABB2BF"/>
+                </a:solidFill>
+                <a:effectLst/>
+                <a:latin typeface="cascadia code" pitchFamily="1" charset="0"/>
+              </a:rPr>
+              <a:t>, </a:t>
+            </a:r>
+            <a:r>
+              <a:rPr lang="en-GB" sz="1600" b="0" i="1" dirty="0">
+                <a:solidFill>
+                  <a:srgbClr val="E06C75"/>
+                </a:solidFill>
+                <a:effectLst/>
+                <a:latin typeface="cascadia code" pitchFamily="1" charset="0"/>
+              </a:rPr>
+              <a:t>params</a:t>
+            </a:r>
+            <a:r>
+              <a:rPr lang="en-GB" sz="1600" b="0" dirty="0">
+                <a:solidFill>
+                  <a:srgbClr val="56B6C2"/>
+                </a:solidFill>
+                <a:effectLst/>
+                <a:latin typeface="cascadia code" pitchFamily="1" charset="0"/>
+              </a:rPr>
+              <a:t>=</a:t>
+            </a:r>
+            <a:r>
+              <a:rPr lang="en-GB" sz="1600" b="0" dirty="0" err="1">
+                <a:solidFill>
+                  <a:srgbClr val="E06C75"/>
+                </a:solidFill>
+                <a:effectLst/>
+                <a:latin typeface="cascadia code" pitchFamily="1" charset="0"/>
+              </a:rPr>
+              <a:t>querystring</a:t>
+            </a:r>
+            <a:r>
+              <a:rPr lang="en-GB" sz="1600" b="0" dirty="0">
+                <a:solidFill>
+                  <a:srgbClr val="ABB2BF"/>
+                </a:solidFill>
+                <a:effectLst/>
+                <a:latin typeface="cascadia code" pitchFamily="1" charset="0"/>
+              </a:rPr>
+              <a:t>)</a:t>
+            </a:r>
+          </a:p>
+          <a:p>
+            <a:r>
+              <a:rPr lang="en-GB" sz="1600" b="0" dirty="0">
+                <a:solidFill>
+                  <a:srgbClr val="E06C75"/>
+                </a:solidFill>
+                <a:effectLst/>
+                <a:latin typeface="cascadia code" pitchFamily="1" charset="0"/>
+              </a:rPr>
+              <a:t>results</a:t>
+            </a:r>
+            <a:r>
+              <a:rPr lang="en-GB" sz="1600" b="0" dirty="0">
+                <a:solidFill>
+                  <a:srgbClr val="ABB2BF"/>
+                </a:solidFill>
+                <a:effectLst/>
+                <a:latin typeface="cascadia code" pitchFamily="1" charset="0"/>
+              </a:rPr>
+              <a:t> </a:t>
+            </a:r>
+            <a:r>
+              <a:rPr lang="en-GB" sz="1600" b="0" dirty="0">
+                <a:solidFill>
+                  <a:srgbClr val="56B6C2"/>
+                </a:solidFill>
+                <a:effectLst/>
+                <a:latin typeface="cascadia code" pitchFamily="1" charset="0"/>
+              </a:rPr>
+              <a:t>=</a:t>
+            </a:r>
+            <a:r>
+              <a:rPr lang="en-GB" sz="1600" b="0" dirty="0">
+                <a:solidFill>
+                  <a:srgbClr val="ABB2BF"/>
+                </a:solidFill>
+                <a:effectLst/>
+                <a:latin typeface="cascadia code" pitchFamily="1" charset="0"/>
+              </a:rPr>
+              <a:t> </a:t>
+            </a:r>
+            <a:r>
+              <a:rPr lang="en-GB" sz="1600" b="0" dirty="0" err="1">
+                <a:solidFill>
+                  <a:srgbClr val="E5C07B"/>
+                </a:solidFill>
+                <a:effectLst/>
+                <a:latin typeface="cascadia code" pitchFamily="1" charset="0"/>
+              </a:rPr>
+              <a:t>json</a:t>
+            </a:r>
+            <a:r>
+              <a:rPr lang="en-GB" sz="1600" b="0" dirty="0" err="1">
+                <a:solidFill>
+                  <a:srgbClr val="ABB2BF"/>
+                </a:solidFill>
+                <a:effectLst/>
+                <a:latin typeface="cascadia code" pitchFamily="1" charset="0"/>
+              </a:rPr>
+              <a:t>.</a:t>
+            </a:r>
+            <a:r>
+              <a:rPr lang="en-GB" sz="1600" b="0" dirty="0" err="1">
+                <a:solidFill>
+                  <a:srgbClr val="61AFEF"/>
+                </a:solidFill>
+                <a:effectLst/>
+                <a:latin typeface="cascadia code" pitchFamily="1" charset="0"/>
+              </a:rPr>
+              <a:t>dumps</a:t>
+            </a:r>
+            <a:r>
+              <a:rPr lang="en-GB" sz="1600" b="0" dirty="0">
+                <a:solidFill>
+                  <a:srgbClr val="ABB2BF"/>
+                </a:solidFill>
+                <a:effectLst/>
+                <a:latin typeface="cascadia code" pitchFamily="1" charset="0"/>
+              </a:rPr>
+              <a:t>(</a:t>
+            </a:r>
+            <a:r>
+              <a:rPr lang="en-GB" sz="1600" b="0" dirty="0" err="1">
+                <a:solidFill>
+                  <a:srgbClr val="E06C75"/>
+                </a:solidFill>
+                <a:effectLst/>
+                <a:latin typeface="cascadia code" pitchFamily="1" charset="0"/>
+              </a:rPr>
+              <a:t>response</a:t>
+            </a:r>
+            <a:r>
+              <a:rPr lang="en-GB" sz="1600" b="0" dirty="0" err="1">
+                <a:solidFill>
+                  <a:srgbClr val="ABB2BF"/>
+                </a:solidFill>
+                <a:effectLst/>
+                <a:latin typeface="cascadia code" pitchFamily="1" charset="0"/>
+              </a:rPr>
+              <a:t>.</a:t>
+            </a:r>
+            <a:r>
+              <a:rPr lang="en-GB" sz="1600" b="0" dirty="0" err="1">
+                <a:solidFill>
+                  <a:srgbClr val="61AFEF"/>
+                </a:solidFill>
+                <a:effectLst/>
+                <a:latin typeface="cascadia code" pitchFamily="1" charset="0"/>
+              </a:rPr>
+              <a:t>json</a:t>
+            </a:r>
+            <a:r>
+              <a:rPr lang="en-GB" sz="1600" b="0" dirty="0">
+                <a:solidFill>
+                  <a:srgbClr val="ABB2BF"/>
+                </a:solidFill>
+                <a:effectLst/>
+                <a:latin typeface="cascadia code" pitchFamily="1" charset="0"/>
+              </a:rPr>
+              <a:t>(),</a:t>
+            </a:r>
+            <a:r>
+              <a:rPr lang="en-GB" sz="1600" b="0" i="1" dirty="0">
+                <a:solidFill>
+                  <a:srgbClr val="E06C75"/>
+                </a:solidFill>
+                <a:effectLst/>
+                <a:latin typeface="cascadia code" pitchFamily="1" charset="0"/>
+              </a:rPr>
+              <a:t>indent</a:t>
+            </a:r>
+            <a:r>
+              <a:rPr lang="en-GB" sz="1600" b="0" dirty="0">
+                <a:solidFill>
+                  <a:srgbClr val="ABB2BF"/>
+                </a:solidFill>
+                <a:effectLst/>
+                <a:latin typeface="cascadia code" pitchFamily="1" charset="0"/>
+              </a:rPr>
+              <a:t> </a:t>
+            </a:r>
+            <a:r>
+              <a:rPr lang="en-GB" sz="1600" b="0" dirty="0">
+                <a:solidFill>
+                  <a:srgbClr val="56B6C2"/>
+                </a:solidFill>
+                <a:effectLst/>
+                <a:latin typeface="cascadia code" pitchFamily="1" charset="0"/>
+              </a:rPr>
+              <a:t>=</a:t>
+            </a:r>
+            <a:r>
+              <a:rPr lang="en-GB" sz="1600" b="0" dirty="0">
+                <a:solidFill>
+                  <a:srgbClr val="ABB2BF"/>
+                </a:solidFill>
+                <a:effectLst/>
+                <a:latin typeface="cascadia code" pitchFamily="1" charset="0"/>
+              </a:rPr>
+              <a:t> </a:t>
+            </a:r>
+            <a:r>
+              <a:rPr lang="en-GB" sz="1600" b="0" dirty="0">
+                <a:solidFill>
+                  <a:srgbClr val="D19A66"/>
+                </a:solidFill>
+                <a:effectLst/>
+                <a:latin typeface="cascadia code" pitchFamily="1" charset="0"/>
+              </a:rPr>
+              <a:t>4</a:t>
+            </a:r>
+            <a:r>
+              <a:rPr lang="en-GB" sz="1600" b="0" dirty="0">
+                <a:solidFill>
+                  <a:srgbClr val="ABB2BF"/>
+                </a:solidFill>
+                <a:effectLst/>
+                <a:latin typeface="cascadia code" pitchFamily="1" charset="0"/>
+              </a:rPr>
+              <a:t>)</a:t>
+            </a:r>
+          </a:p>
+          <a:p>
+            <a:r>
+              <a:rPr lang="en-GB" sz="1600" b="0" dirty="0">
+                <a:solidFill>
+                  <a:srgbClr val="61AFEF"/>
+                </a:solidFill>
+                <a:effectLst/>
+                <a:latin typeface="cascadia code" pitchFamily="1" charset="0"/>
+              </a:rPr>
+              <a:t>print</a:t>
+            </a:r>
+            <a:r>
+              <a:rPr lang="en-GB" sz="1600" b="0" dirty="0">
+                <a:solidFill>
+                  <a:srgbClr val="ABB2BF"/>
+                </a:solidFill>
+                <a:effectLst/>
+                <a:latin typeface="cascadia code" pitchFamily="1" charset="0"/>
+              </a:rPr>
+              <a:t>(</a:t>
+            </a:r>
+            <a:r>
+              <a:rPr lang="en-GB" sz="1600" b="0" dirty="0" err="1">
+                <a:solidFill>
+                  <a:srgbClr val="E06C75"/>
+                </a:solidFill>
+                <a:effectLst/>
+                <a:latin typeface="cascadia code" pitchFamily="1" charset="0"/>
+              </a:rPr>
+              <a:t>response</a:t>
+            </a:r>
+            <a:r>
+              <a:rPr lang="en-GB" sz="1600" b="0" dirty="0" err="1">
+                <a:solidFill>
+                  <a:srgbClr val="ABB2BF"/>
+                </a:solidFill>
+                <a:effectLst/>
+                <a:latin typeface="cascadia code" pitchFamily="1" charset="0"/>
+              </a:rPr>
+              <a:t>.</a:t>
+            </a:r>
+            <a:r>
+              <a:rPr lang="en-GB" sz="1600" b="0" dirty="0" err="1">
+                <a:solidFill>
+                  <a:srgbClr val="61AFEF"/>
+                </a:solidFill>
+                <a:effectLst/>
+                <a:latin typeface="cascadia code" pitchFamily="1" charset="0"/>
+              </a:rPr>
+              <a:t>json</a:t>
+            </a:r>
+            <a:r>
+              <a:rPr lang="en-GB" sz="1600" b="0" dirty="0">
+                <a:solidFill>
+                  <a:srgbClr val="ABB2BF"/>
+                </a:solidFill>
+                <a:effectLst/>
+                <a:latin typeface="cascadia code" pitchFamily="1" charset="0"/>
+              </a:rPr>
+              <a:t>()[</a:t>
+            </a:r>
+            <a:r>
+              <a:rPr lang="en-GB" sz="1600" b="0" dirty="0">
+                <a:solidFill>
+                  <a:srgbClr val="98C379"/>
+                </a:solidFill>
+                <a:effectLst/>
+                <a:latin typeface="cascadia code" pitchFamily="1" charset="0"/>
+              </a:rPr>
+              <a:t>'</a:t>
+            </a:r>
+            <a:r>
+              <a:rPr lang="en-GB" sz="1600" b="0" dirty="0" err="1">
+                <a:solidFill>
+                  <a:srgbClr val="98C379"/>
+                </a:solidFill>
+                <a:effectLst/>
+                <a:latin typeface="cascadia code" pitchFamily="1" charset="0"/>
+              </a:rPr>
+              <a:t>top_stories</a:t>
+            </a:r>
+            <a:r>
+              <a:rPr lang="en-GB" sz="1600" b="0" dirty="0">
+                <a:solidFill>
+                  <a:srgbClr val="98C379"/>
+                </a:solidFill>
+                <a:effectLst/>
+                <a:latin typeface="cascadia code" pitchFamily="1" charset="0"/>
+              </a:rPr>
+              <a:t>'</a:t>
+            </a:r>
+            <a:r>
+              <a:rPr lang="en-GB" sz="1600" b="0" dirty="0">
+                <a:solidFill>
+                  <a:srgbClr val="ABB2BF"/>
+                </a:solidFill>
+                <a:effectLst/>
+                <a:latin typeface="cascadia code" pitchFamily="1" charset="0"/>
+              </a:rPr>
+              <a:t>])</a:t>
+            </a:r>
           </a:p>
         </p:txBody>
       </p:sp>
     </p:spTree>
     <p:extLst>
       <p:ext uri="{BB962C8B-B14F-4D97-AF65-F5344CB8AC3E}">
-        <p14:creationId xmlns:p14="http://schemas.microsoft.com/office/powerpoint/2010/main" val="937230242"/>
+        <p14:creationId xmlns:p14="http://schemas.microsoft.com/office/powerpoint/2010/main" val="2148580619"/>
       </p:ext>
     </p:extLst>
   </p:cSld>
@@ -4014,7 +5694,7 @@
 </p:sld>
 </file>
 
-<file path=ppt/slides/slide10.xml><?xml version="1.0" encoding="utf-8"?>
+<file path=ppt/slides/slide2.xml><?xml version="1.0" encoding="utf-8"?>
 <p:sld xmlns:a="http://schemas.openxmlformats.org/drawingml/2006/main" xmlns:r="http://schemas.openxmlformats.org/officeDocument/2006/relationships" xmlns:p="http://schemas.openxmlformats.org/presentationml/2006/main">
   <p:cSld>
     <p:spTree>
@@ -4097,8 +5777,8 @@
         </p:nvSpPr>
         <p:spPr>
           <a:xfrm>
-            <a:off x="2624831" y="1905506"/>
-            <a:ext cx="6942338" cy="3046988"/>
+            <a:off x="653988" y="2459504"/>
+            <a:ext cx="10884024" cy="1938992"/>
           </a:xfrm>
           <a:prstGeom prst="rect">
             <a:avLst/>
@@ -4113,92 +5793,81 @@
           <a:p>
             <a:pPr algn="ctr"/>
             <a:r>
-              <a:rPr lang="en-US" sz="9600" dirty="0">
+              <a:rPr lang="en-US" sz="6000" dirty="0">
                 <a:solidFill>
                   <a:srgbClr val="082032"/>
                 </a:solidFill>
-                <a:latin typeface="Impact" panose="020B0806030902050204" pitchFamily="34" charset="0"/>
-              </a:rPr>
-              <a:t>Social Media </a:t>
-            </a:r>
-          </a:p>
-          <a:p>
-            <a:pPr algn="ctr"/>
-            <a:r>
-              <a:rPr lang="en-US" sz="9600" dirty="0">
-                <a:solidFill>
-                  <a:srgbClr val="082032"/>
-                </a:solidFill>
-                <a:latin typeface="Impact" panose="020B0806030902050204" pitchFamily="34" charset="0"/>
-              </a:rPr>
-              <a:t>Website</a:t>
-            </a:r>
-          </a:p>
-        </p:txBody>
-      </p:sp>
-      <p:sp>
-        <p:nvSpPr>
-          <p:cNvPr id="5" name="Rectangle 4">
-            <a:extLst>
-              <a:ext uri="{FF2B5EF4-FFF2-40B4-BE49-F238E27FC236}">
-                <a16:creationId xmlns:a16="http://schemas.microsoft.com/office/drawing/2014/main" id="{879682FA-D4C3-033B-0DAB-5E464E68D3C0}"/>
-              </a:ext>
-            </a:extLst>
-          </p:cNvPr>
-          <p:cNvSpPr/>
+                <a:latin typeface="Righteous" panose="02010506000000020000" pitchFamily="2" charset="0"/>
+              </a:rPr>
+              <a:t>Fake News Detection Using Machine Learning</a:t>
+            </a:r>
+          </a:p>
+        </p:txBody>
+      </p:sp>
+      <p:pic>
+        <p:nvPicPr>
+          <p:cNvPr id="7" name="Picture 6">
+            <a:extLst>
+              <a:ext uri="{FF2B5EF4-FFF2-40B4-BE49-F238E27FC236}">
+                <a16:creationId xmlns:a16="http://schemas.microsoft.com/office/drawing/2014/main" id="{9F9530E4-4294-DD2A-0215-920E1A5B4090}"/>
+              </a:ext>
+            </a:extLst>
+          </p:cNvPr>
+          <p:cNvPicPr>
+            <a:picLocks noChangeAspect="1"/>
+          </p:cNvPicPr>
           <p:nvPr/>
-        </p:nvSpPr>
+        </p:nvPicPr>
+        <p:blipFill>
+          <a:blip r:embed="rId2"/>
+          <a:stretch>
+            <a:fillRect/>
+          </a:stretch>
+        </p:blipFill>
         <p:spPr>
           <a:xfrm>
-            <a:off x="0" y="6635668"/>
-            <a:ext cx="12192000" cy="222331"/>
+            <a:off x="9856381" y="-1"/>
+            <a:ext cx="2335619" cy="2335619"/>
           </a:xfrm>
           <a:prstGeom prst="rect">
             <a:avLst/>
           </a:prstGeom>
-          <a:solidFill>
-            <a:srgbClr val="566BFF"/>
-          </a:solidFill>
-          <a:ln>
-            <a:noFill/>
-          </a:ln>
-          <a:effectLst>
-            <a:outerShdw blurRad="127000" dist="127000" dir="16200000" rotWithShape="0">
-              <a:srgbClr val="566BFF">
-                <a:alpha val="40000"/>
-              </a:srgbClr>
-            </a:outerShdw>
-          </a:effectLst>
         </p:spPr>
-        <p:style>
-          <a:lnRef idx="2">
-            <a:schemeClr val="accent1">
-              <a:shade val="50000"/>
-            </a:schemeClr>
-          </a:lnRef>
-          <a:fillRef idx="1">
-            <a:schemeClr val="accent1"/>
-          </a:fillRef>
-          <a:effectRef idx="0">
-            <a:schemeClr val="accent1"/>
-          </a:effectRef>
-          <a:fontRef idx="minor">
-            <a:schemeClr val="lt1"/>
-          </a:fontRef>
-        </p:style>
-        <p:txBody>
-          <a:bodyPr rtlCol="0" anchor="ctr"/>
-          <a:lstStyle/>
-          <a:p>
-            <a:pPr algn="ctr"/>
-            <a:endParaRPr lang="en-US"/>
-          </a:p>
-        </p:txBody>
-      </p:sp>
+      </p:pic>
+      <p:pic>
+        <p:nvPicPr>
+          <p:cNvPr id="9" name="Picture 8">
+            <a:extLst>
+              <a:ext uri="{FF2B5EF4-FFF2-40B4-BE49-F238E27FC236}">
+                <a16:creationId xmlns:a16="http://schemas.microsoft.com/office/drawing/2014/main" id="{056CBCDE-511D-617D-9E61-4C2EF9837FEC}"/>
+              </a:ext>
+            </a:extLst>
+          </p:cNvPr>
+          <p:cNvPicPr>
+            <a:picLocks noChangeAspect="1"/>
+          </p:cNvPicPr>
+          <p:nvPr/>
+        </p:nvPicPr>
+        <p:blipFill>
+          <a:blip r:embed="rId2"/>
+          <a:stretch>
+            <a:fillRect/>
+          </a:stretch>
+        </p:blipFill>
+        <p:spPr>
+          <a:xfrm flipH="1" flipV="1">
+            <a:off x="-1" y="5922334"/>
+            <a:ext cx="935665" cy="935665"/>
+          </a:xfrm>
+          <a:prstGeom prst="rect">
+            <a:avLst/>
+          </a:prstGeom>
+        </p:spPr>
+      </p:pic>
     </p:spTree>
     <p:extLst>
       <p:ext uri="{BB962C8B-B14F-4D97-AF65-F5344CB8AC3E}">
-        <p14:creationId xmlns:p14="http://schemas.microsoft.com/office/powerpoint/2010/main" val="284196937"/>
+        <p14:creationId xmlns:p14="http://schemas.microsoft.com/office/powerpoint/2010/main" val="1088035476"/>
       </p:ext>
     </p:extLst>
   </p:cSld>
@@ -4208,7 +5877,7 @@
 </p:sld>
 </file>
 
-<file path=ppt/slides/slide11.xml><?xml version="1.0" encoding="utf-8"?>
+<file path=ppt/slides/slide3.xml><?xml version="1.0" encoding="utf-8"?>
 <p:sld xmlns:a="http://schemas.openxmlformats.org/drawingml/2006/main" xmlns:r="http://schemas.openxmlformats.org/officeDocument/2006/relationships" xmlns:p="http://schemas.openxmlformats.org/presentationml/2006/main">
   <p:cSld>
     <p:spTree>
@@ -4279,78 +5948,19 @@
       </p:sp>
       <p:sp>
         <p:nvSpPr>
-          <p:cNvPr id="3" name="Rectangle 2">
-            <a:extLst>
-              <a:ext uri="{FF2B5EF4-FFF2-40B4-BE49-F238E27FC236}">
-                <a16:creationId xmlns:a16="http://schemas.microsoft.com/office/drawing/2014/main" id="{C86E0A64-6FF2-4426-BCFB-AB4810DB5E5E}"/>
-              </a:ext>
-            </a:extLst>
-          </p:cNvPr>
-          <p:cNvSpPr/>
+          <p:cNvPr id="5" name="TextBox 4">
+            <a:extLst>
+              <a:ext uri="{FF2B5EF4-FFF2-40B4-BE49-F238E27FC236}">
+                <a16:creationId xmlns:a16="http://schemas.microsoft.com/office/drawing/2014/main" id="{820468DA-D720-42AD-ACF8-5BDE8EB68F9C}"/>
+              </a:ext>
+            </a:extLst>
+          </p:cNvPr>
+          <p:cNvSpPr txBox="1"/>
           <p:nvPr/>
         </p:nvSpPr>
         <p:spPr>
           <a:xfrm>
-            <a:off x="0" y="6635668"/>
-            <a:ext cx="12192000" cy="222331"/>
-          </a:xfrm>
-          <a:prstGeom prst="rect">
-            <a:avLst/>
-          </a:prstGeom>
-          <a:solidFill>
-            <a:srgbClr val="566BFF"/>
-          </a:solidFill>
-          <a:ln>
-            <a:noFill/>
-          </a:ln>
-          <a:effectLst>
-            <a:outerShdw blurRad="127000" dist="127000" dir="16200000" rotWithShape="0">
-              <a:srgbClr val="566BFF">
-                <a:alpha val="40000"/>
-              </a:srgbClr>
-            </a:outerShdw>
-          </a:effectLst>
-        </p:spPr>
-        <p:style>
-          <a:lnRef idx="2">
-            <a:schemeClr val="accent1">
-              <a:shade val="50000"/>
-            </a:schemeClr>
-          </a:lnRef>
-          <a:fillRef idx="1">
-            <a:schemeClr val="accent1"/>
-          </a:fillRef>
-          <a:effectRef idx="0">
-            <a:schemeClr val="accent1"/>
-          </a:effectRef>
-          <a:fontRef idx="minor">
-            <a:schemeClr val="lt1"/>
-          </a:fontRef>
-        </p:style>
-        <p:txBody>
-          <a:bodyPr rtlCol="0" anchor="ctr"/>
-          <a:lstStyle/>
-          <a:p>
-            <a:pPr algn="ctr"/>
-            <a:endParaRPr lang="en-US"/>
-          </a:p>
-        </p:txBody>
-      </p:sp>
-      <p:sp>
-        <p:nvSpPr>
-          <p:cNvPr id="5" name="TextBox 4">
-            <a:extLst>
-              <a:ext uri="{FF2B5EF4-FFF2-40B4-BE49-F238E27FC236}">
-                <a16:creationId xmlns:a16="http://schemas.microsoft.com/office/drawing/2014/main" id="{820468DA-D720-42AD-ACF8-5BDE8EB68F9C}"/>
-              </a:ext>
-            </a:extLst>
-          </p:cNvPr>
-          <p:cNvSpPr txBox="1"/>
-          <p:nvPr/>
-        </p:nvSpPr>
-        <p:spPr>
-          <a:xfrm>
-            <a:off x="393405" y="413955"/>
+            <a:off x="393405" y="300412"/>
             <a:ext cx="5422604" cy="707886"/>
           </a:xfrm>
           <a:prstGeom prst="rect">
@@ -4369,7 +5979,7 @@
                 <a:solidFill>
                   <a:srgbClr val="082032"/>
                 </a:solidFill>
-                <a:latin typeface="Impact" panose="020B0806030902050204" pitchFamily="34" charset="0"/>
+                <a:latin typeface="Righteous" panose="02010506000000020000" pitchFamily="2" charset="0"/>
               </a:rPr>
               <a:t>Problem Statement</a:t>
             </a:r>
@@ -4391,7 +6001,7 @@
         <p:spPr>
           <a:xfrm>
             <a:off x="393405" y="1609674"/>
-            <a:ext cx="9121788" cy="1569660"/>
+            <a:ext cx="9121788" cy="4154984"/>
           </a:xfrm>
           <a:prstGeom prst="rect">
             <a:avLst/>
@@ -4404,18 +6014,158 @@
           </a:bodyPr>
           <a:lstStyle/>
           <a:p>
-            <a:r>
-              <a:rPr lang="en-US" sz="2400" dirty="0"/>
-              <a:t>The problem is that young people are too strongly influenced by social media in negative ways and we offer solutions with suggestions to solve that problem by proposing ways that social media can have a positive impact on young people as well as ways to avoid the negative impacts.</a:t>
-            </a:r>
-            <a:endParaRPr lang="en-IN" sz="2400" dirty="0"/>
-          </a:p>
-        </p:txBody>
-      </p:sp>
+            <a:pPr marL="457200" indent="-457200">
+              <a:buFont typeface="Arial" panose="020B0604020202020204" pitchFamily="34" charset="0"/>
+              <a:buChar char="•"/>
+            </a:pPr>
+            <a:r>
+              <a:rPr lang="en-US" sz="2400" dirty="0">
+                <a:solidFill>
+                  <a:srgbClr val="082032"/>
+                </a:solidFill>
+                <a:latin typeface="Outfit" pitchFamily="2" charset="0"/>
+                <a:cs typeface="Rubik" pitchFamily="2" charset="-79"/>
+              </a:rPr>
+              <a:t>By clicking on a clickbait, users are led to app page that contains false information.</a:t>
+            </a:r>
+          </a:p>
+          <a:p>
+            <a:endParaRPr lang="en-US" sz="2400" dirty="0">
+              <a:solidFill>
+                <a:srgbClr val="082032"/>
+              </a:solidFill>
+              <a:latin typeface="Outfit" pitchFamily="2" charset="0"/>
+              <a:cs typeface="Rubik" pitchFamily="2" charset="-79"/>
+            </a:endParaRPr>
+          </a:p>
+          <a:p>
+            <a:pPr marL="457200" indent="-457200">
+              <a:buFont typeface="Arial" panose="020B0604020202020204" pitchFamily="34" charset="0"/>
+              <a:buChar char="•"/>
+            </a:pPr>
+            <a:r>
+              <a:rPr lang="en-US" sz="2400" dirty="0">
+                <a:solidFill>
+                  <a:srgbClr val="082032"/>
+                </a:solidFill>
+                <a:latin typeface="Outfit" pitchFamily="2" charset="0"/>
+                <a:cs typeface="Rubik" pitchFamily="2" charset="-79"/>
+              </a:rPr>
+              <a:t>Fake news influences people’s perceptions</a:t>
+            </a:r>
+          </a:p>
+          <a:p>
+            <a:pPr marL="457200" indent="-457200">
+              <a:buFont typeface="Arial" panose="020B0604020202020204" pitchFamily="34" charset="0"/>
+              <a:buChar char="•"/>
+            </a:pPr>
+            <a:endParaRPr lang="en-US" sz="2400" dirty="0">
+              <a:solidFill>
+                <a:srgbClr val="082032"/>
+              </a:solidFill>
+              <a:latin typeface="Outfit" pitchFamily="2" charset="0"/>
+              <a:cs typeface="Rubik" pitchFamily="2" charset="-79"/>
+            </a:endParaRPr>
+          </a:p>
+          <a:p>
+            <a:pPr marL="457200" indent="-457200">
+              <a:buFont typeface="Arial" panose="020B0604020202020204" pitchFamily="34" charset="0"/>
+              <a:buChar char="•"/>
+            </a:pPr>
+            <a:r>
+              <a:rPr lang="en-US" sz="2400" dirty="0">
+                <a:solidFill>
+                  <a:srgbClr val="082032"/>
+                </a:solidFill>
+                <a:latin typeface="Outfit" pitchFamily="2" charset="0"/>
+                <a:cs typeface="Rubik" pitchFamily="2" charset="-79"/>
+              </a:rPr>
+              <a:t>The rise of Fake news has become a global problem that even major tech companies like Facebook and  Google are struggling to solve.  It can be difficult to determine whether a text is factual without       additional context and human judgement.</a:t>
+            </a:r>
+            <a:endParaRPr lang="en-IN" sz="2400" dirty="0">
+              <a:solidFill>
+                <a:srgbClr val="082032"/>
+              </a:solidFill>
+              <a:latin typeface="Outfit" pitchFamily="2" charset="0"/>
+              <a:cs typeface="Rubik" pitchFamily="2" charset="-79"/>
+            </a:endParaRPr>
+          </a:p>
+          <a:p>
+            <a:endParaRPr lang="en-US" sz="2400" b="0" i="0" dirty="0">
+              <a:solidFill>
+                <a:srgbClr val="082032"/>
+              </a:solidFill>
+              <a:effectLst/>
+              <a:latin typeface="Outfit" pitchFamily="2" charset="0"/>
+              <a:cs typeface="Rubik" pitchFamily="2" charset="-79"/>
+            </a:endParaRPr>
+          </a:p>
+        </p:txBody>
+      </p:sp>
+      <p:pic>
+        <p:nvPicPr>
+          <p:cNvPr id="4" name="Picture 3">
+            <a:extLst>
+              <a:ext uri="{FF2B5EF4-FFF2-40B4-BE49-F238E27FC236}">
+                <a16:creationId xmlns:a16="http://schemas.microsoft.com/office/drawing/2014/main" id="{38424C03-E5CC-FE73-9EF5-77721A9D427A}"/>
+              </a:ext>
+            </a:extLst>
+          </p:cNvPr>
+          <p:cNvPicPr>
+            <a:picLocks noChangeAspect="1"/>
+          </p:cNvPicPr>
+          <p:nvPr/>
+        </p:nvPicPr>
+        <p:blipFill>
+          <a:blip r:embed="rId2"/>
+          <a:stretch>
+            <a:fillRect/>
+          </a:stretch>
+        </p:blipFill>
+        <p:spPr>
+          <a:xfrm>
+            <a:off x="11256000" y="0"/>
+            <a:ext cx="936000" cy="936000"/>
+          </a:xfrm>
+          <a:prstGeom prst="rect">
+            <a:avLst/>
+          </a:prstGeom>
+        </p:spPr>
+      </p:pic>
+      <p:pic>
+        <p:nvPicPr>
+          <p:cNvPr id="6" name="Picture 5">
+            <a:extLst>
+              <a:ext uri="{FF2B5EF4-FFF2-40B4-BE49-F238E27FC236}">
+                <a16:creationId xmlns:a16="http://schemas.microsoft.com/office/drawing/2014/main" id="{DA763DE5-9DB4-44BB-8E0B-425081501502}"/>
+              </a:ext>
+            </a:extLst>
+          </p:cNvPr>
+          <p:cNvPicPr>
+            <a:picLocks noChangeAspect="1"/>
+          </p:cNvPicPr>
+          <p:nvPr/>
+        </p:nvPicPr>
+        <p:blipFill>
+          <a:blip r:embed="rId2"/>
+          <a:stretch>
+            <a:fillRect/>
+          </a:stretch>
+        </p:blipFill>
+        <p:spPr>
+          <a:xfrm flipH="1" flipV="1">
+            <a:off x="-1" y="5922334"/>
+            <a:ext cx="935665" cy="935665"/>
+          </a:xfrm>
+          <a:prstGeom prst="rect">
+            <a:avLst/>
+          </a:prstGeom>
+        </p:spPr>
+      </p:pic>
     </p:spTree>
     <p:extLst>
       <p:ext uri="{BB962C8B-B14F-4D97-AF65-F5344CB8AC3E}">
-        <p14:creationId xmlns:p14="http://schemas.microsoft.com/office/powerpoint/2010/main" val="4085185751"/>
+        <p14:creationId xmlns:p14="http://schemas.microsoft.com/office/powerpoint/2010/main" val="3594266023"/>
       </p:ext>
     </p:extLst>
   </p:cSld>
@@ -4425,7 +6175,7 @@
 </p:sld>
 </file>
 
-<file path=ppt/slides/slide12.xml><?xml version="1.0" encoding="utf-8"?>
+<file path=ppt/slides/slide4.xml><?xml version="1.0" encoding="utf-8"?>
 <p:sld xmlns:a="http://schemas.openxmlformats.org/drawingml/2006/main" xmlns:r="http://schemas.openxmlformats.org/officeDocument/2006/relationships" xmlns:p="http://schemas.openxmlformats.org/presentationml/2006/main">
   <p:cSld>
     <p:spTree>
@@ -4496,10 +6246,10 @@
       </p:sp>
       <p:sp>
         <p:nvSpPr>
-          <p:cNvPr id="3" name="Rectangle 2">
-            <a:extLst>
-              <a:ext uri="{FF2B5EF4-FFF2-40B4-BE49-F238E27FC236}">
-                <a16:creationId xmlns:a16="http://schemas.microsoft.com/office/drawing/2014/main" id="{C86E0A64-6FF2-4426-BCFB-AB4810DB5E5E}"/>
+          <p:cNvPr id="6" name="Rectangle 5">
+            <a:extLst>
+              <a:ext uri="{FF2B5EF4-FFF2-40B4-BE49-F238E27FC236}">
+                <a16:creationId xmlns:a16="http://schemas.microsoft.com/office/drawing/2014/main" id="{F8422D89-347B-02A1-96BF-DB83243E7188}"/>
               </a:ext>
             </a:extLst>
           </p:cNvPr>
@@ -4508,25 +6258,18 @@
         </p:nvSpPr>
         <p:spPr>
           <a:xfrm>
-            <a:off x="0" y="6635668"/>
-            <a:ext cx="12192000" cy="222331"/>
+            <a:off x="4359348" y="4504661"/>
+            <a:ext cx="3530009" cy="1630325"/>
           </a:xfrm>
           <a:prstGeom prst="rect">
             <a:avLst/>
           </a:prstGeom>
           <a:solidFill>
-            <a:srgbClr val="566BFF"/>
+            <a:schemeClr val="bg1"/>
           </a:solidFill>
           <a:ln>
             <a:noFill/>
           </a:ln>
-          <a:effectLst>
-            <a:outerShdw blurRad="127000" dist="127000" dir="16200000" rotWithShape="0">
-              <a:srgbClr val="566BFF">
-                <a:alpha val="40000"/>
-              </a:srgbClr>
-            </a:outerShdw>
-          </a:effectLst>
         </p:spPr>
         <p:style>
           <a:lnRef idx="2">
@@ -4549,16 +6292,16 @@
           <a:lstStyle/>
           <a:p>
             <a:pPr algn="ctr"/>
-            <a:endParaRPr lang="en-US"/>
-          </a:p>
-        </p:txBody>
-      </p:sp>
-      <p:sp>
-        <p:nvSpPr>
-          <p:cNvPr id="5" name="TextBox 4">
-            <a:extLst>
-              <a:ext uri="{FF2B5EF4-FFF2-40B4-BE49-F238E27FC236}">
-                <a16:creationId xmlns:a16="http://schemas.microsoft.com/office/drawing/2014/main" id="{820468DA-D720-42AD-ACF8-5BDE8EB68F9C}"/>
+            <a:endParaRPr lang="en-GB"/>
+          </a:p>
+        </p:txBody>
+      </p:sp>
+      <p:sp>
+        <p:nvSpPr>
+          <p:cNvPr id="2" name="TextBox 1">
+            <a:extLst>
+              <a:ext uri="{FF2B5EF4-FFF2-40B4-BE49-F238E27FC236}">
+                <a16:creationId xmlns:a16="http://schemas.microsoft.com/office/drawing/2014/main" id="{B3EC7525-7DD9-69C2-EF08-C99B79F8C163}"/>
               </a:ext>
             </a:extLst>
           </p:cNvPr>
@@ -4567,8 +6310,8 @@
         </p:nvSpPr>
         <p:spPr>
           <a:xfrm>
-            <a:off x="393405" y="413955"/>
-            <a:ext cx="5422604" cy="707886"/>
+            <a:off x="653988" y="2551837"/>
+            <a:ext cx="10884024" cy="1754326"/>
           </a:xfrm>
           <a:prstGeom prst="rect">
             <a:avLst/>
@@ -4581,75 +6324,125 @@
           </a:bodyPr>
           <a:lstStyle/>
           <a:p>
-            <a:r>
-              <a:rPr lang="en-US" sz="4000" dirty="0">
+            <a:pPr algn="ctr"/>
+            <a:r>
+              <a:rPr lang="en-US" sz="7200" dirty="0">
                 <a:solidFill>
                   <a:srgbClr val="082032"/>
                 </a:solidFill>
-                <a:latin typeface="Impact" panose="020B0806030902050204" pitchFamily="34" charset="0"/>
-              </a:rPr>
-              <a:t>Technologies To Be Used</a:t>
-            </a:r>
-          </a:p>
-        </p:txBody>
-      </p:sp>
-      <p:sp>
-        <p:nvSpPr>
-          <p:cNvPr id="10" name="TextBox 9">
-            <a:extLst>
-              <a:ext uri="{FF2B5EF4-FFF2-40B4-BE49-F238E27FC236}">
-                <a16:creationId xmlns:a16="http://schemas.microsoft.com/office/drawing/2014/main" id="{64DFD9E9-BB31-4BFD-AD6C-E67F646F3C50}"/>
-              </a:ext>
-            </a:extLst>
-          </p:cNvPr>
-          <p:cNvSpPr txBox="1"/>
+                <a:latin typeface="Righteous" panose="02010506000000020000" pitchFamily="2" charset="0"/>
+              </a:rPr>
+              <a:t>Project Status</a:t>
+            </a:r>
+          </a:p>
+          <a:p>
+            <a:pPr algn="ctr"/>
+            <a:r>
+              <a:rPr lang="en-US" sz="3600" dirty="0" err="1">
+                <a:solidFill>
+                  <a:srgbClr val="082032"/>
+                </a:solidFill>
+                <a:latin typeface="Righteous" panose="02010506000000020000" pitchFamily="2" charset="0"/>
+              </a:rPr>
+              <a:t>PassiveAggressive</a:t>
+            </a:r>
+            <a:r>
+              <a:rPr lang="en-US" sz="3600" dirty="0">
+                <a:solidFill>
+                  <a:srgbClr val="082032"/>
+                </a:solidFill>
+                <a:latin typeface="Righteous" panose="02010506000000020000" pitchFamily="2" charset="0"/>
+              </a:rPr>
+              <a:t> Algorithm </a:t>
+            </a:r>
+          </a:p>
+        </p:txBody>
+      </p:sp>
+      <p:grpSp>
+        <p:nvGrpSpPr>
+          <p:cNvPr id="7" name="Group 6">
+            <a:extLst>
+              <a:ext uri="{FF2B5EF4-FFF2-40B4-BE49-F238E27FC236}">
+                <a16:creationId xmlns:a16="http://schemas.microsoft.com/office/drawing/2014/main" id="{A2BC112E-EC94-B036-550E-D7C32A4D8401}"/>
+              </a:ext>
+            </a:extLst>
+          </p:cNvPr>
+          <p:cNvGrpSpPr/>
           <p:nvPr/>
-        </p:nvSpPr>
-        <p:spPr>
-          <a:xfrm>
-            <a:off x="393405" y="1609674"/>
-            <a:ext cx="9121788" cy="1200329"/>
+        </p:nvGrpSpPr>
+        <p:grpSpPr>
+          <a:xfrm flipH="1">
+            <a:off x="-1" y="-1"/>
+            <a:ext cx="12192001" cy="6858000"/>
+            <a:chOff x="-1" y="-1"/>
+            <a:chExt cx="12192001" cy="6858000"/>
           </a:xfrm>
-          <a:prstGeom prst="rect">
-            <a:avLst/>
-          </a:prstGeom>
-          <a:noFill/>
-        </p:spPr>
-        <p:txBody>
-          <a:bodyPr wrap="square" rtlCol="0">
-            <a:spAutoFit/>
-          </a:bodyPr>
-          <a:lstStyle/>
-          <a:p>
-            <a:r>
-              <a:rPr lang="en-US" sz="2400" dirty="0"/>
-              <a:t>Front End: </a:t>
-            </a:r>
-            <a:r>
-              <a:rPr lang="en-US" sz="2400" dirty="0" err="1"/>
-              <a:t>HTML,CSS,JavaScript</a:t>
-            </a:r>
-            <a:endParaRPr lang="en-US" sz="2400" dirty="0"/>
-          </a:p>
-          <a:p>
-            <a:r>
-              <a:rPr lang="en-US" sz="2400" dirty="0"/>
-              <a:t>Backend: Node JS, Express</a:t>
-            </a:r>
-          </a:p>
-          <a:p>
-            <a:r>
-              <a:rPr lang="en-US" sz="2400" dirty="0"/>
-              <a:t>Database: MongoDB</a:t>
-            </a:r>
-            <a:endParaRPr lang="en-IN" sz="2400" dirty="0"/>
-          </a:p>
-        </p:txBody>
-      </p:sp>
+        </p:grpSpPr>
+        <p:pic>
+          <p:nvPicPr>
+            <p:cNvPr id="4" name="Picture 3">
+              <a:extLst>
+                <a:ext uri="{FF2B5EF4-FFF2-40B4-BE49-F238E27FC236}">
+                  <a16:creationId xmlns:a16="http://schemas.microsoft.com/office/drawing/2014/main" id="{6FD42AD8-23B3-B845-AA42-4DE4D7E0D540}"/>
+                </a:ext>
+              </a:extLst>
+            </p:cNvPr>
+            <p:cNvPicPr>
+              <a:picLocks noChangeAspect="1"/>
+            </p:cNvPicPr>
+            <p:nvPr/>
+          </p:nvPicPr>
+          <p:blipFill>
+            <a:blip r:embed="rId2"/>
+            <a:stretch>
+              <a:fillRect/>
+            </a:stretch>
+          </p:blipFill>
+          <p:spPr>
+            <a:xfrm>
+              <a:off x="9856381" y="-1"/>
+              <a:ext cx="2335619" cy="2335619"/>
+            </a:xfrm>
+            <a:prstGeom prst="rect">
+              <a:avLst/>
+            </a:prstGeom>
+          </p:spPr>
+        </p:pic>
+        <p:pic>
+          <p:nvPicPr>
+            <p:cNvPr id="5" name="Picture 4">
+              <a:extLst>
+                <a:ext uri="{FF2B5EF4-FFF2-40B4-BE49-F238E27FC236}">
+                  <a16:creationId xmlns:a16="http://schemas.microsoft.com/office/drawing/2014/main" id="{21B6E523-68EA-FF20-CC35-5908AFAB0516}"/>
+                </a:ext>
+              </a:extLst>
+            </p:cNvPr>
+            <p:cNvPicPr>
+              <a:picLocks noChangeAspect="1"/>
+            </p:cNvPicPr>
+            <p:nvPr/>
+          </p:nvPicPr>
+          <p:blipFill>
+            <a:blip r:embed="rId2"/>
+            <a:stretch>
+              <a:fillRect/>
+            </a:stretch>
+          </p:blipFill>
+          <p:spPr>
+            <a:xfrm flipH="1" flipV="1">
+              <a:off x="-1" y="5922334"/>
+              <a:ext cx="935665" cy="935665"/>
+            </a:xfrm>
+            <a:prstGeom prst="rect">
+              <a:avLst/>
+            </a:prstGeom>
+          </p:spPr>
+        </p:pic>
+      </p:grpSp>
     </p:spTree>
     <p:extLst>
       <p:ext uri="{BB962C8B-B14F-4D97-AF65-F5344CB8AC3E}">
-        <p14:creationId xmlns:p14="http://schemas.microsoft.com/office/powerpoint/2010/main" val="136905211"/>
+        <p14:creationId xmlns:p14="http://schemas.microsoft.com/office/powerpoint/2010/main" val="589605498"/>
       </p:ext>
     </p:extLst>
   </p:cSld>
@@ -4659,7 +6452,7 @@
 </p:sld>
 </file>
 
-<file path=ppt/slides/slide13.xml><?xml version="1.0" encoding="utf-8"?>
+<file path=ppt/slides/slide5.xml><?xml version="1.0" encoding="utf-8"?>
 <p:sld xmlns:a="http://schemas.openxmlformats.org/drawingml/2006/main" xmlns:r="http://schemas.openxmlformats.org/officeDocument/2006/relationships" xmlns:p="http://schemas.openxmlformats.org/presentationml/2006/main">
   <p:cSld>
     <p:spTree>
@@ -4728,253 +6521,40 @@
           </a:p>
         </p:txBody>
       </p:sp>
-      <p:sp>
-        <p:nvSpPr>
-          <p:cNvPr id="3" name="Rectangle 2">
-            <a:extLst>
-              <a:ext uri="{FF2B5EF4-FFF2-40B4-BE49-F238E27FC236}">
-                <a16:creationId xmlns:a16="http://schemas.microsoft.com/office/drawing/2014/main" id="{C86E0A64-6FF2-4426-BCFB-AB4810DB5E5E}"/>
-              </a:ext>
-            </a:extLst>
-          </p:cNvPr>
-          <p:cNvSpPr/>
+      <p:pic>
+        <p:nvPicPr>
+          <p:cNvPr id="5" name="Picture 4">
+            <a:extLst>
+              <a:ext uri="{FF2B5EF4-FFF2-40B4-BE49-F238E27FC236}">
+                <a16:creationId xmlns:a16="http://schemas.microsoft.com/office/drawing/2014/main" id="{7F34B703-23F2-5D74-E307-722D7D7EAD0F}"/>
+              </a:ext>
+            </a:extLst>
+          </p:cNvPr>
+          <p:cNvPicPr>
+            <a:picLocks noChangeAspect="1"/>
+          </p:cNvPicPr>
           <p:nvPr/>
-        </p:nvSpPr>
+        </p:nvPicPr>
+        <p:blipFill>
+          <a:blip r:embed="rId2"/>
+          <a:stretch>
+            <a:fillRect/>
+          </a:stretch>
+        </p:blipFill>
         <p:spPr>
           <a:xfrm>
-            <a:off x="0" y="6635668"/>
-            <a:ext cx="12192000" cy="222331"/>
+            <a:off x="0" y="152400"/>
+            <a:ext cx="12192000" cy="6553200"/>
           </a:xfrm>
           <a:prstGeom prst="rect">
             <a:avLst/>
           </a:prstGeom>
-          <a:solidFill>
-            <a:srgbClr val="566BFF"/>
-          </a:solidFill>
-          <a:ln>
-            <a:noFill/>
-          </a:ln>
-          <a:effectLst>
-            <a:outerShdw blurRad="127000" dist="127000" dir="16200000" rotWithShape="0">
-              <a:srgbClr val="566BFF">
-                <a:alpha val="40000"/>
-              </a:srgbClr>
-            </a:outerShdw>
-          </a:effectLst>
         </p:spPr>
-        <p:style>
-          <a:lnRef idx="2">
-            <a:schemeClr val="accent1">
-              <a:shade val="50000"/>
-            </a:schemeClr>
-          </a:lnRef>
-          <a:fillRef idx="1">
-            <a:schemeClr val="accent1"/>
-          </a:fillRef>
-          <a:effectRef idx="0">
-            <a:schemeClr val="accent1"/>
-          </a:effectRef>
-          <a:fontRef idx="minor">
-            <a:schemeClr val="lt1"/>
-          </a:fontRef>
-        </p:style>
-        <p:txBody>
-          <a:bodyPr rtlCol="0" anchor="ctr"/>
-          <a:lstStyle/>
-          <a:p>
-            <a:pPr algn="ctr"/>
-            <a:endParaRPr lang="en-US"/>
-          </a:p>
-        </p:txBody>
-      </p:sp>
-      <p:sp>
-        <p:nvSpPr>
-          <p:cNvPr id="5" name="TextBox 4">
-            <a:extLst>
-              <a:ext uri="{FF2B5EF4-FFF2-40B4-BE49-F238E27FC236}">
-                <a16:creationId xmlns:a16="http://schemas.microsoft.com/office/drawing/2014/main" id="{820468DA-D720-42AD-ACF8-5BDE8EB68F9C}"/>
-              </a:ext>
-            </a:extLst>
-          </p:cNvPr>
-          <p:cNvSpPr txBox="1"/>
-          <p:nvPr/>
-        </p:nvSpPr>
-        <p:spPr>
-          <a:xfrm>
-            <a:off x="393405" y="413955"/>
-            <a:ext cx="5422604" cy="707886"/>
-          </a:xfrm>
-          <a:prstGeom prst="rect">
-            <a:avLst/>
-          </a:prstGeom>
-          <a:noFill/>
-        </p:spPr>
-        <p:txBody>
-          <a:bodyPr wrap="square" rtlCol="0">
-            <a:spAutoFit/>
-          </a:bodyPr>
-          <a:lstStyle/>
-          <a:p>
-            <a:r>
-              <a:rPr lang="en-US" sz="4000" dirty="0">
-                <a:solidFill>
-                  <a:srgbClr val="082032"/>
-                </a:solidFill>
-                <a:latin typeface="Impact" panose="020B0806030902050204" pitchFamily="34" charset="0"/>
-              </a:rPr>
-              <a:t>Skills To Be Learned</a:t>
-            </a:r>
-          </a:p>
-        </p:txBody>
-      </p:sp>
-      <p:sp>
-        <p:nvSpPr>
-          <p:cNvPr id="10" name="TextBox 9">
-            <a:extLst>
-              <a:ext uri="{FF2B5EF4-FFF2-40B4-BE49-F238E27FC236}">
-                <a16:creationId xmlns:a16="http://schemas.microsoft.com/office/drawing/2014/main" id="{64DFD9E9-BB31-4BFD-AD6C-E67F646F3C50}"/>
-              </a:ext>
-            </a:extLst>
-          </p:cNvPr>
-          <p:cNvSpPr txBox="1"/>
-          <p:nvPr/>
-        </p:nvSpPr>
-        <p:spPr>
-          <a:xfrm>
-            <a:off x="331261" y="1467632"/>
-            <a:ext cx="9121788" cy="4524315"/>
-          </a:xfrm>
-          <a:prstGeom prst="rect">
-            <a:avLst/>
-          </a:prstGeom>
-          <a:noFill/>
-        </p:spPr>
-        <p:txBody>
-          <a:bodyPr wrap="square" rtlCol="0">
-            <a:spAutoFit/>
-          </a:bodyPr>
-          <a:lstStyle/>
-          <a:p>
-            <a:pPr marL="342900" indent="-342900">
-              <a:buFont typeface="Arial" panose="020B0604020202020204" pitchFamily="34" charset="0"/>
-              <a:buChar char="•"/>
-            </a:pPr>
-            <a:r>
-              <a:rPr lang="en-US" sz="2400" dirty="0"/>
-              <a:t>Node-</a:t>
-            </a:r>
-            <a:r>
-              <a:rPr lang="en-US" sz="2400" dirty="0" err="1"/>
-              <a:t>js</a:t>
-            </a:r>
-            <a:r>
-              <a:rPr lang="en-US" sz="2400" dirty="0"/>
-              <a:t> -&gt; Runtime environment for JS</a:t>
-            </a:r>
-          </a:p>
-          <a:p>
-            <a:pPr marL="342900" indent="-342900">
-              <a:buFont typeface="Arial" panose="020B0604020202020204" pitchFamily="34" charset="0"/>
-              <a:buChar char="•"/>
-            </a:pPr>
-            <a:endParaRPr lang="en-US" sz="2400" dirty="0"/>
-          </a:p>
-          <a:p>
-            <a:pPr marL="342900" indent="-342900">
-              <a:buFont typeface="Arial" panose="020B0604020202020204" pitchFamily="34" charset="0"/>
-              <a:buChar char="•"/>
-            </a:pPr>
-            <a:r>
-              <a:rPr lang="en-US" sz="2400" dirty="0"/>
-              <a:t>Express -&gt; Framework</a:t>
-            </a:r>
-          </a:p>
-          <a:p>
-            <a:pPr marL="342900" indent="-342900">
-              <a:buFont typeface="Arial" panose="020B0604020202020204" pitchFamily="34" charset="0"/>
-              <a:buChar char="•"/>
-            </a:pPr>
-            <a:endParaRPr lang="en-US" sz="2400" dirty="0"/>
-          </a:p>
-          <a:p>
-            <a:pPr marL="342900" indent="-342900">
-              <a:buFont typeface="Arial" panose="020B0604020202020204" pitchFamily="34" charset="0"/>
-              <a:buChar char="•"/>
-            </a:pPr>
-            <a:r>
-              <a:rPr lang="en-US" sz="2400" dirty="0"/>
-              <a:t>EJS -&gt; Template Engine for JS</a:t>
-            </a:r>
-          </a:p>
-          <a:p>
-            <a:pPr marL="342900" indent="-342900">
-              <a:buFont typeface="Arial" panose="020B0604020202020204" pitchFamily="34" charset="0"/>
-              <a:buChar char="•"/>
-            </a:pPr>
-            <a:endParaRPr lang="en-US" sz="2400" dirty="0"/>
-          </a:p>
-          <a:p>
-            <a:pPr marL="342900" indent="-342900">
-              <a:buFont typeface="Arial" panose="020B0604020202020204" pitchFamily="34" charset="0"/>
-              <a:buChar char="•"/>
-            </a:pPr>
-            <a:r>
-              <a:rPr lang="en-US" sz="2400" dirty="0" err="1"/>
-              <a:t>Mongodb</a:t>
-            </a:r>
-            <a:r>
-              <a:rPr lang="en-US" sz="2400" dirty="0"/>
-              <a:t> -&gt; NoSQL </a:t>
-            </a:r>
-            <a:r>
-              <a:rPr lang="en-US" sz="2400" dirty="0" err="1"/>
-              <a:t>DataBase</a:t>
-            </a:r>
-            <a:r>
-              <a:rPr lang="en-US" sz="2400" dirty="0"/>
-              <a:t> </a:t>
-            </a:r>
-          </a:p>
-          <a:p>
-            <a:pPr marL="342900" indent="-342900">
-              <a:buFont typeface="Arial" panose="020B0604020202020204" pitchFamily="34" charset="0"/>
-              <a:buChar char="•"/>
-            </a:pPr>
-            <a:endParaRPr lang="en-US" sz="2400" dirty="0"/>
-          </a:p>
-          <a:p>
-            <a:pPr marL="342900" indent="-342900">
-              <a:buFont typeface="Arial" panose="020B0604020202020204" pitchFamily="34" charset="0"/>
-              <a:buChar char="•"/>
-            </a:pPr>
-            <a:r>
-              <a:rPr lang="en-US" sz="2400" dirty="0"/>
-              <a:t>Socket.IO -&gt; Will be used to build live chat communication in the website</a:t>
-            </a:r>
-          </a:p>
-          <a:p>
-            <a:pPr marL="342900" indent="-342900">
-              <a:buFont typeface="Arial" panose="020B0604020202020204" pitchFamily="34" charset="0"/>
-              <a:buChar char="•"/>
-            </a:pPr>
-            <a:endParaRPr lang="en-US" sz="2400" dirty="0"/>
-          </a:p>
-          <a:p>
-            <a:pPr marL="342900" indent="-342900">
-              <a:buFont typeface="Arial" panose="020B0604020202020204" pitchFamily="34" charset="0"/>
-              <a:buChar char="•"/>
-            </a:pPr>
-            <a:r>
-              <a:rPr lang="en-US" sz="2400" dirty="0"/>
-              <a:t>Heroku -&gt;  Will be used for deployment of the website.</a:t>
-            </a:r>
-          </a:p>
-        </p:txBody>
-      </p:sp>
+      </p:pic>
     </p:spTree>
     <p:extLst>
       <p:ext uri="{BB962C8B-B14F-4D97-AF65-F5344CB8AC3E}">
-        <p14:creationId xmlns:p14="http://schemas.microsoft.com/office/powerpoint/2010/main" val="782073197"/>
+        <p14:creationId xmlns:p14="http://schemas.microsoft.com/office/powerpoint/2010/main" val="2021634220"/>
       </p:ext>
     </p:extLst>
   </p:cSld>
@@ -4984,7 +6564,7 @@
 </p:sld>
 </file>
 
-<file path=ppt/slides/slide14.xml><?xml version="1.0" encoding="utf-8"?>
+<file path=ppt/slides/slide6.xml><?xml version="1.0" encoding="utf-8"?>
 <p:sld xmlns:a="http://schemas.openxmlformats.org/drawingml/2006/main" xmlns:r="http://schemas.openxmlformats.org/officeDocument/2006/relationships" xmlns:p="http://schemas.openxmlformats.org/presentationml/2006/main">
   <p:cSld>
     <p:spTree>
@@ -5053,12 +6633,42 @@
           </a:p>
         </p:txBody>
       </p:sp>
-      <p:sp>
-        <p:nvSpPr>
-          <p:cNvPr id="3" name="Rectangle 2">
-            <a:extLst>
-              <a:ext uri="{FF2B5EF4-FFF2-40B4-BE49-F238E27FC236}">
-                <a16:creationId xmlns:a16="http://schemas.microsoft.com/office/drawing/2014/main" id="{C86E0A64-6FF2-4426-BCFB-AB4810DB5E5E}"/>
+      <p:pic>
+        <p:nvPicPr>
+          <p:cNvPr id="4" name="Picture 3">
+            <a:extLst>
+              <a:ext uri="{FF2B5EF4-FFF2-40B4-BE49-F238E27FC236}">
+                <a16:creationId xmlns:a16="http://schemas.microsoft.com/office/drawing/2014/main" id="{0799541F-FD11-EB1E-88C6-6C78CA23979E}"/>
+              </a:ext>
+            </a:extLst>
+          </p:cNvPr>
+          <p:cNvPicPr>
+            <a:picLocks noChangeAspect="1"/>
+          </p:cNvPicPr>
+          <p:nvPr/>
+        </p:nvPicPr>
+        <p:blipFill>
+          <a:blip r:embed="rId2"/>
+          <a:stretch>
+            <a:fillRect/>
+          </a:stretch>
+        </p:blipFill>
+        <p:spPr>
+          <a:xfrm>
+            <a:off x="0" y="152400"/>
+            <a:ext cx="12192000" cy="6553200"/>
+          </a:xfrm>
+          <a:prstGeom prst="rect">
+            <a:avLst/>
+          </a:prstGeom>
+        </p:spPr>
+      </p:pic>
+      <p:sp>
+        <p:nvSpPr>
+          <p:cNvPr id="6" name="Rectangle 5">
+            <a:extLst>
+              <a:ext uri="{FF2B5EF4-FFF2-40B4-BE49-F238E27FC236}">
+                <a16:creationId xmlns:a16="http://schemas.microsoft.com/office/drawing/2014/main" id="{D3772350-D093-8FC0-A3C9-FF11D312ED23}"/>
               </a:ext>
             </a:extLst>
           </p:cNvPr>
@@ -5067,25 +6677,18 @@
         </p:nvSpPr>
         <p:spPr>
           <a:xfrm>
-            <a:off x="0" y="6635668"/>
-            <a:ext cx="12192000" cy="222331"/>
+            <a:off x="4359348" y="4504661"/>
+            <a:ext cx="3530009" cy="1630325"/>
           </a:xfrm>
           <a:prstGeom prst="rect">
             <a:avLst/>
           </a:prstGeom>
           <a:solidFill>
-            <a:srgbClr val="566BFF"/>
+            <a:schemeClr val="bg1"/>
           </a:solidFill>
           <a:ln>
             <a:noFill/>
           </a:ln>
-          <a:effectLst>
-            <a:outerShdw blurRad="127000" dist="127000" dir="16200000" rotWithShape="0">
-              <a:srgbClr val="566BFF">
-                <a:alpha val="40000"/>
-              </a:srgbClr>
-            </a:outerShdw>
-          </a:effectLst>
         </p:spPr>
         <p:style>
           <a:lnRef idx="2">
@@ -5108,109 +6711,14 @@
           <a:lstStyle/>
           <a:p>
             <a:pPr algn="ctr"/>
-            <a:endParaRPr lang="en-US"/>
-          </a:p>
-        </p:txBody>
-      </p:sp>
-      <p:pic>
-        <p:nvPicPr>
-          <p:cNvPr id="2050" name="Picture 2">
-            <a:extLst>
-              <a:ext uri="{FF2B5EF4-FFF2-40B4-BE49-F238E27FC236}">
-                <a16:creationId xmlns:a16="http://schemas.microsoft.com/office/drawing/2014/main" id="{5B94800A-1122-E044-733F-A6DE763CAAD0}"/>
-              </a:ext>
-            </a:extLst>
-          </p:cNvPr>
-          <p:cNvPicPr>
-            <a:picLocks noChangeAspect="1" noChangeArrowheads="1"/>
-          </p:cNvPicPr>
-          <p:nvPr/>
-        </p:nvPicPr>
-        <p:blipFill>
-          <a:blip r:embed="rId2">
-            <a:extLst>
-              <a:ext uri="{28A0092B-C50C-407E-A947-70E740481C1C}">
-                <a14:useLocalDpi xmlns:a14="http://schemas.microsoft.com/office/drawing/2010/main" val="0"/>
-              </a:ext>
-            </a:extLst>
-          </a:blip>
-          <a:srcRect/>
-          <a:stretch>
-            <a:fillRect/>
-          </a:stretch>
-        </p:blipFill>
-        <p:spPr bwMode="auto">
-          <a:xfrm>
-            <a:off x="0" y="434975"/>
-            <a:ext cx="12192000" cy="5988050"/>
-          </a:xfrm>
-          <a:prstGeom prst="rect">
-            <a:avLst/>
-          </a:prstGeom>
-          <a:noFill/>
-          <a:extLst>
-            <a:ext uri="{909E8E84-426E-40DD-AFC4-6F175D3DCCD1}">
-              <a14:hiddenFill xmlns:a14="http://schemas.microsoft.com/office/drawing/2010/main">
-                <a:solidFill>
-                  <a:srgbClr val="FFFFFF"/>
-                </a:solidFill>
-              </a14:hiddenFill>
-            </a:ext>
-          </a:extLst>
-        </p:spPr>
-      </p:pic>
-      <p:sp>
-        <p:nvSpPr>
-          <p:cNvPr id="2" name="TextBox 1">
-            <a:extLst>
-              <a:ext uri="{FF2B5EF4-FFF2-40B4-BE49-F238E27FC236}">
-                <a16:creationId xmlns:a16="http://schemas.microsoft.com/office/drawing/2014/main" id="{9787750D-74BB-7271-0122-9BA9F0A5AA5A}"/>
-              </a:ext>
-            </a:extLst>
-          </p:cNvPr>
-          <p:cNvSpPr txBox="1"/>
-          <p:nvPr/>
-        </p:nvSpPr>
-        <p:spPr>
-          <a:xfrm>
-            <a:off x="8970335" y="0"/>
-            <a:ext cx="3221665" cy="461665"/>
-          </a:xfrm>
-          <a:prstGeom prst="rect">
-            <a:avLst/>
-          </a:prstGeom>
-          <a:solidFill>
-            <a:schemeClr val="bg1"/>
-          </a:solidFill>
-          <a:ln w="19050">
-            <a:solidFill>
-              <a:srgbClr val="566BFF"/>
-            </a:solidFill>
-          </a:ln>
-        </p:spPr>
-        <p:txBody>
-          <a:bodyPr wrap="square" rtlCol="0">
-            <a:spAutoFit/>
-          </a:bodyPr>
-          <a:lstStyle/>
-          <a:p>
-            <a:pPr algn="ctr"/>
-            <a:r>
-              <a:rPr lang="en-US" sz="2400" dirty="0">
-                <a:solidFill>
-                  <a:srgbClr val="566BFF"/>
-                </a:solidFill>
-                <a:latin typeface="Righteous" panose="02010506000000020000" pitchFamily="2" charset="0"/>
-              </a:rPr>
-              <a:t>Sample Illustration </a:t>
-            </a:r>
+            <a:endParaRPr lang="en-GB"/>
           </a:p>
         </p:txBody>
       </p:sp>
     </p:spTree>
     <p:extLst>
       <p:ext uri="{BB962C8B-B14F-4D97-AF65-F5344CB8AC3E}">
-        <p14:creationId xmlns:p14="http://schemas.microsoft.com/office/powerpoint/2010/main" val="2607493559"/>
+        <p14:creationId xmlns:p14="http://schemas.microsoft.com/office/powerpoint/2010/main" val="3634427197"/>
       </p:ext>
     </p:extLst>
   </p:cSld>
@@ -5220,7 +6728,7 @@
 </p:sld>
 </file>
 
-<file path=ppt/slides/slide15.xml><?xml version="1.0" encoding="utf-8"?>
+<file path=ppt/slides/slide7.xml><?xml version="1.0" encoding="utf-8"?>
 <p:sld xmlns:a="http://schemas.openxmlformats.org/drawingml/2006/main" xmlns:r="http://schemas.openxmlformats.org/officeDocument/2006/relationships" xmlns:p="http://schemas.openxmlformats.org/presentationml/2006/main">
   <p:cSld>
     <p:spTree>
@@ -5289,12 +6797,42 @@
           </a:p>
         </p:txBody>
       </p:sp>
-      <p:sp>
-        <p:nvSpPr>
-          <p:cNvPr id="3" name="Rectangle 2">
-            <a:extLst>
-              <a:ext uri="{FF2B5EF4-FFF2-40B4-BE49-F238E27FC236}">
-                <a16:creationId xmlns:a16="http://schemas.microsoft.com/office/drawing/2014/main" id="{C86E0A64-6FF2-4426-BCFB-AB4810DB5E5E}"/>
+      <p:pic>
+        <p:nvPicPr>
+          <p:cNvPr id="5" name="Picture 4">
+            <a:extLst>
+              <a:ext uri="{FF2B5EF4-FFF2-40B4-BE49-F238E27FC236}">
+                <a16:creationId xmlns:a16="http://schemas.microsoft.com/office/drawing/2014/main" id="{2957D7D8-87A5-386F-1560-781E95D92713}"/>
+              </a:ext>
+            </a:extLst>
+          </p:cNvPr>
+          <p:cNvPicPr>
+            <a:picLocks noChangeAspect="1"/>
+          </p:cNvPicPr>
+          <p:nvPr/>
+        </p:nvPicPr>
+        <p:blipFill>
+          <a:blip r:embed="rId2"/>
+          <a:stretch>
+            <a:fillRect/>
+          </a:stretch>
+        </p:blipFill>
+        <p:spPr>
+          <a:xfrm>
+            <a:off x="0" y="152400"/>
+            <a:ext cx="12192000" cy="6553200"/>
+          </a:xfrm>
+          <a:prstGeom prst="rect">
+            <a:avLst/>
+          </a:prstGeom>
+        </p:spPr>
+      </p:pic>
+      <p:sp>
+        <p:nvSpPr>
+          <p:cNvPr id="6" name="Rectangle 5">
+            <a:extLst>
+              <a:ext uri="{FF2B5EF4-FFF2-40B4-BE49-F238E27FC236}">
+                <a16:creationId xmlns:a16="http://schemas.microsoft.com/office/drawing/2014/main" id="{F8422D89-347B-02A1-96BF-DB83243E7188}"/>
               </a:ext>
             </a:extLst>
           </p:cNvPr>
@@ -5303,25 +6841,18 @@
         </p:nvSpPr>
         <p:spPr>
           <a:xfrm>
-            <a:off x="0" y="6635668"/>
-            <a:ext cx="12192000" cy="222331"/>
+            <a:off x="4359348" y="4504661"/>
+            <a:ext cx="3530009" cy="1630325"/>
           </a:xfrm>
           <a:prstGeom prst="rect">
             <a:avLst/>
           </a:prstGeom>
           <a:solidFill>
-            <a:srgbClr val="566BFF"/>
+            <a:schemeClr val="bg1"/>
           </a:solidFill>
           <a:ln>
             <a:noFill/>
           </a:ln>
-          <a:effectLst>
-            <a:outerShdw blurRad="127000" dist="127000" dir="16200000" rotWithShape="0">
-              <a:srgbClr val="566BFF">
-                <a:alpha val="40000"/>
-              </a:srgbClr>
-            </a:outerShdw>
-          </a:effectLst>
         </p:spPr>
         <p:style>
           <a:lnRef idx="2">
@@ -5344,50 +6875,14 @@
           <a:lstStyle/>
           <a:p>
             <a:pPr algn="ctr"/>
-            <a:endParaRPr lang="en-US"/>
-          </a:p>
-        </p:txBody>
-      </p:sp>
-      <p:pic>
-        <p:nvPicPr>
-          <p:cNvPr id="4" name="Picture 3">
-            <a:extLst>
-              <a:ext uri="{FF2B5EF4-FFF2-40B4-BE49-F238E27FC236}">
-                <a16:creationId xmlns:a16="http://schemas.microsoft.com/office/drawing/2014/main" id="{A6065B66-1CDD-71E4-70F6-6BCFA393BAC0}"/>
-              </a:ext>
-            </a:extLst>
-          </p:cNvPr>
-          <p:cNvPicPr>
-            <a:picLocks noChangeAspect="1"/>
-          </p:cNvPicPr>
-          <p:nvPr/>
-        </p:nvPicPr>
-        <p:blipFill>
-          <a:blip r:embed="rId2">
-            <a:extLst>
-              <a:ext uri="{28A0092B-C50C-407E-A947-70E740481C1C}">
-                <a14:useLocalDpi xmlns:a14="http://schemas.microsoft.com/office/drawing/2010/main" val="0"/>
-              </a:ext>
-            </a:extLst>
-          </a:blip>
-          <a:stretch>
-            <a:fillRect/>
-          </a:stretch>
-        </p:blipFill>
-        <p:spPr>
-          <a:xfrm>
-            <a:off x="0" y="0"/>
-            <a:ext cx="12192000" cy="6858000"/>
-          </a:xfrm>
-          <a:prstGeom prst="rect">
-            <a:avLst/>
-          </a:prstGeom>
-        </p:spPr>
-      </p:pic>
+            <a:endParaRPr lang="en-GB"/>
+          </a:p>
+        </p:txBody>
+      </p:sp>
     </p:spTree>
     <p:extLst>
       <p:ext uri="{BB962C8B-B14F-4D97-AF65-F5344CB8AC3E}">
-        <p14:creationId xmlns:p14="http://schemas.microsoft.com/office/powerpoint/2010/main" val="2187394531"/>
+        <p14:creationId xmlns:p14="http://schemas.microsoft.com/office/powerpoint/2010/main" val="2268126839"/>
       </p:ext>
     </p:extLst>
   </p:cSld>
@@ -5397,7 +6892,7 @@
 </p:sld>
 </file>
 
-<file path=ppt/slides/slide16.xml><?xml version="1.0" encoding="utf-8"?>
+<file path=ppt/slides/slide8.xml><?xml version="1.0" encoding="utf-8"?>
 <p:sld xmlns:a="http://schemas.openxmlformats.org/drawingml/2006/main" xmlns:r="http://schemas.openxmlformats.org/officeDocument/2006/relationships" xmlns:p="http://schemas.openxmlformats.org/presentationml/2006/main">
   <p:cSld>
     <p:spTree>
@@ -5468,10 +6963,10 @@
       </p:sp>
       <p:sp>
         <p:nvSpPr>
-          <p:cNvPr id="3" name="Rectangle 2">
-            <a:extLst>
-              <a:ext uri="{FF2B5EF4-FFF2-40B4-BE49-F238E27FC236}">
-                <a16:creationId xmlns:a16="http://schemas.microsoft.com/office/drawing/2014/main" id="{C86E0A64-6FF2-4426-BCFB-AB4810DB5E5E}"/>
+          <p:cNvPr id="6" name="Rectangle 5">
+            <a:extLst>
+              <a:ext uri="{FF2B5EF4-FFF2-40B4-BE49-F238E27FC236}">
+                <a16:creationId xmlns:a16="http://schemas.microsoft.com/office/drawing/2014/main" id="{F8422D89-347B-02A1-96BF-DB83243E7188}"/>
               </a:ext>
             </a:extLst>
           </p:cNvPr>
@@ -5480,25 +6975,18 @@
         </p:nvSpPr>
         <p:spPr>
           <a:xfrm>
-            <a:off x="0" y="6635668"/>
-            <a:ext cx="12192000" cy="222331"/>
+            <a:off x="4359348" y="4504661"/>
+            <a:ext cx="3530009" cy="1630325"/>
           </a:xfrm>
           <a:prstGeom prst="rect">
             <a:avLst/>
           </a:prstGeom>
           <a:solidFill>
-            <a:srgbClr val="566BFF"/>
+            <a:schemeClr val="bg1"/>
           </a:solidFill>
           <a:ln>
             <a:noFill/>
           </a:ln>
-          <a:effectLst>
-            <a:outerShdw blurRad="127000" dist="127000" dir="16200000" rotWithShape="0">
-              <a:srgbClr val="566BFF">
-                <a:alpha val="40000"/>
-              </a:srgbClr>
-            </a:outerShdw>
-          </a:effectLst>
         </p:spPr>
         <p:style>
           <a:lnRef idx="2">
@@ -5521,14 +7009,136 @@
           <a:lstStyle/>
           <a:p>
             <a:pPr algn="ctr"/>
-            <a:endParaRPr lang="en-US"/>
-          </a:p>
-        </p:txBody>
-      </p:sp>
+            <a:endParaRPr lang="en-GB"/>
+          </a:p>
+        </p:txBody>
+      </p:sp>
+      <p:sp>
+        <p:nvSpPr>
+          <p:cNvPr id="2" name="TextBox 1">
+            <a:extLst>
+              <a:ext uri="{FF2B5EF4-FFF2-40B4-BE49-F238E27FC236}">
+                <a16:creationId xmlns:a16="http://schemas.microsoft.com/office/drawing/2014/main" id="{F6C32429-4663-017A-8522-56B8014959FC}"/>
+              </a:ext>
+            </a:extLst>
+          </p:cNvPr>
+          <p:cNvSpPr txBox="1"/>
+          <p:nvPr/>
+        </p:nvSpPr>
+        <p:spPr>
+          <a:xfrm>
+            <a:off x="653988" y="2828836"/>
+            <a:ext cx="10884024" cy="1200329"/>
+          </a:xfrm>
+          <a:prstGeom prst="rect">
+            <a:avLst/>
+          </a:prstGeom>
+          <a:noFill/>
+        </p:spPr>
+        <p:txBody>
+          <a:bodyPr wrap="square" rtlCol="0">
+            <a:spAutoFit/>
+          </a:bodyPr>
+          <a:lstStyle/>
+          <a:p>
+            <a:pPr algn="ctr"/>
+            <a:r>
+              <a:rPr lang="en-US" sz="7200" dirty="0">
+                <a:solidFill>
+                  <a:srgbClr val="082032"/>
+                </a:solidFill>
+                <a:latin typeface="Righteous" panose="02010506000000020000" pitchFamily="2" charset="0"/>
+              </a:rPr>
+              <a:t>Future Scope</a:t>
+            </a:r>
+          </a:p>
+        </p:txBody>
+      </p:sp>
+      <p:grpSp>
+        <p:nvGrpSpPr>
+          <p:cNvPr id="4" name="Group 3">
+            <a:extLst>
+              <a:ext uri="{FF2B5EF4-FFF2-40B4-BE49-F238E27FC236}">
+                <a16:creationId xmlns:a16="http://schemas.microsoft.com/office/drawing/2014/main" id="{1F4C2636-6B5F-6741-9A40-BD1CD6C82DFA}"/>
+              </a:ext>
+            </a:extLst>
+          </p:cNvPr>
+          <p:cNvGrpSpPr/>
+          <p:nvPr/>
+        </p:nvGrpSpPr>
+        <p:grpSpPr>
+          <a:xfrm>
+            <a:off x="-1" y="-1"/>
+            <a:ext cx="12192001" cy="6858000"/>
+            <a:chOff x="-1" y="-1"/>
+            <a:chExt cx="12192001" cy="6858000"/>
+          </a:xfrm>
+        </p:grpSpPr>
+        <p:pic>
+          <p:nvPicPr>
+            <p:cNvPr id="7" name="Picture 6">
+              <a:extLst>
+                <a:ext uri="{FF2B5EF4-FFF2-40B4-BE49-F238E27FC236}">
+                  <a16:creationId xmlns:a16="http://schemas.microsoft.com/office/drawing/2014/main" id="{6F3E9EB5-770B-D899-C40C-728545263A74}"/>
+                </a:ext>
+              </a:extLst>
+            </p:cNvPr>
+            <p:cNvPicPr>
+              <a:picLocks noChangeAspect="1"/>
+            </p:cNvPicPr>
+            <p:nvPr/>
+          </p:nvPicPr>
+          <p:blipFill>
+            <a:blip r:embed="rId2"/>
+            <a:stretch>
+              <a:fillRect/>
+            </a:stretch>
+          </p:blipFill>
+          <p:spPr>
+            <a:xfrm>
+              <a:off x="9856381" y="-1"/>
+              <a:ext cx="2335619" cy="2335619"/>
+            </a:xfrm>
+            <a:prstGeom prst="rect">
+              <a:avLst/>
+            </a:prstGeom>
+          </p:spPr>
+        </p:pic>
+        <p:pic>
+          <p:nvPicPr>
+            <p:cNvPr id="8" name="Picture 7">
+              <a:extLst>
+                <a:ext uri="{FF2B5EF4-FFF2-40B4-BE49-F238E27FC236}">
+                  <a16:creationId xmlns:a16="http://schemas.microsoft.com/office/drawing/2014/main" id="{16CBDD14-CB9A-BB03-F0A8-9A8D062D552B}"/>
+                </a:ext>
+              </a:extLst>
+            </p:cNvPr>
+            <p:cNvPicPr>
+              <a:picLocks noChangeAspect="1"/>
+            </p:cNvPicPr>
+            <p:nvPr/>
+          </p:nvPicPr>
+          <p:blipFill>
+            <a:blip r:embed="rId2"/>
+            <a:stretch>
+              <a:fillRect/>
+            </a:stretch>
+          </p:blipFill>
+          <p:spPr>
+            <a:xfrm flipH="1" flipV="1">
+              <a:off x="-1" y="5922334"/>
+              <a:ext cx="935665" cy="935665"/>
+            </a:xfrm>
+            <a:prstGeom prst="rect">
+              <a:avLst/>
+            </a:prstGeom>
+          </p:spPr>
+        </p:pic>
+      </p:grpSp>
     </p:spTree>
     <p:extLst>
       <p:ext uri="{BB962C8B-B14F-4D97-AF65-F5344CB8AC3E}">
-        <p14:creationId xmlns:p14="http://schemas.microsoft.com/office/powerpoint/2010/main" val="4289593934"/>
+        <p14:creationId xmlns:p14="http://schemas.microsoft.com/office/powerpoint/2010/main" val="2664786387"/>
       </p:ext>
     </p:extLst>
   </p:cSld>
@@ -5538,7 +7148,7 @@
 </p:sld>
 </file>
 
-<file path=ppt/slides/slide17.xml><?xml version="1.0" encoding="utf-8"?>
+<file path=ppt/slides/slide9.xml><?xml version="1.0" encoding="utf-8"?>
 <p:sld xmlns:a="http://schemas.openxmlformats.org/drawingml/2006/main" xmlns:r="http://schemas.openxmlformats.org/officeDocument/2006/relationships" xmlns:p="http://schemas.openxmlformats.org/presentationml/2006/main">
   <p:cSld>
     <p:spTree>
@@ -5557,10 +7167,10 @@
       </p:grpSpPr>
       <p:sp>
         <p:nvSpPr>
-          <p:cNvPr id="8" name="Rectangle 7">
-            <a:extLst>
-              <a:ext uri="{FF2B5EF4-FFF2-40B4-BE49-F238E27FC236}">
-                <a16:creationId xmlns:a16="http://schemas.microsoft.com/office/drawing/2014/main" id="{D2EAE271-D5B3-4E8C-B8B0-8D7D7110E2E6}"/>
+          <p:cNvPr id="24" name="Rectangle 23">
+            <a:extLst>
+              <a:ext uri="{FF2B5EF4-FFF2-40B4-BE49-F238E27FC236}">
+                <a16:creationId xmlns:a16="http://schemas.microsoft.com/office/drawing/2014/main" id="{B2621BA0-A914-4EE0-BC31-A5B736B6C516}"/>
               </a:ext>
             </a:extLst>
           </p:cNvPr>
@@ -5609,215 +7219,26 @@
       </p:sp>
       <p:sp>
         <p:nvSpPr>
-          <p:cNvPr id="2" name="TextBox 1">
-            <a:extLst>
-              <a:ext uri="{FF2B5EF4-FFF2-40B4-BE49-F238E27FC236}">
-                <a16:creationId xmlns:a16="http://schemas.microsoft.com/office/drawing/2014/main" id="{F96BBE95-AB75-4743-9212-E3809D0A554A}"/>
-              </a:ext>
-            </a:extLst>
-          </p:cNvPr>
-          <p:cNvSpPr txBox="1"/>
+          <p:cNvPr id="6" name="Rectangle 5">
+            <a:extLst>
+              <a:ext uri="{FF2B5EF4-FFF2-40B4-BE49-F238E27FC236}">
+                <a16:creationId xmlns:a16="http://schemas.microsoft.com/office/drawing/2014/main" id="{F8422D89-347B-02A1-96BF-DB83243E7188}"/>
+              </a:ext>
+            </a:extLst>
+          </p:cNvPr>
+          <p:cNvSpPr/>
           <p:nvPr/>
         </p:nvSpPr>
         <p:spPr>
           <a:xfrm>
-            <a:off x="2034466" y="2413273"/>
-            <a:ext cx="8123068" cy="1569660"/>
-          </a:xfrm>
-          <a:prstGeom prst="rect">
-            <a:avLst/>
-          </a:prstGeom>
-          <a:noFill/>
-        </p:spPr>
-        <p:txBody>
-          <a:bodyPr wrap="square" rtlCol="0">
-            <a:spAutoFit/>
-          </a:bodyPr>
-          <a:lstStyle/>
-          <a:p>
-            <a:pPr algn="r"/>
-            <a:r>
-              <a:rPr lang="en-US" sz="9600" dirty="0">
-                <a:solidFill>
-                  <a:srgbClr val="082032"/>
-                </a:solidFill>
-                <a:latin typeface="Impact" panose="020B0806030902050204" pitchFamily="34" charset="0"/>
-              </a:rPr>
-              <a:t>News Website</a:t>
-            </a:r>
-          </a:p>
-        </p:txBody>
-      </p:sp>
-      <p:sp>
-        <p:nvSpPr>
-          <p:cNvPr id="12" name="TextBox 11">
-            <a:extLst>
-              <a:ext uri="{FF2B5EF4-FFF2-40B4-BE49-F238E27FC236}">
-                <a16:creationId xmlns:a16="http://schemas.microsoft.com/office/drawing/2014/main" id="{C784B483-980C-4B4C-B32D-57D558C01458}"/>
-              </a:ext>
-            </a:extLst>
-          </p:cNvPr>
-          <p:cNvSpPr txBox="1"/>
-          <p:nvPr/>
-        </p:nvSpPr>
-        <p:spPr>
-          <a:xfrm>
-            <a:off x="3506973" y="3982933"/>
-            <a:ext cx="5178055" cy="461665"/>
-          </a:xfrm>
-          <a:prstGeom prst="rect">
-            <a:avLst/>
-          </a:prstGeom>
-          <a:noFill/>
-        </p:spPr>
-        <p:txBody>
-          <a:bodyPr wrap="square" rtlCol="0">
-            <a:spAutoFit/>
-          </a:bodyPr>
-          <a:lstStyle/>
-          <a:p>
-            <a:pPr algn="ctr"/>
-            <a:r>
-              <a:rPr lang="en-US" sz="2400" dirty="0">
-                <a:solidFill>
-                  <a:srgbClr val="566BFF"/>
-                </a:solidFill>
-                <a:latin typeface="Rubik" pitchFamily="2" charset="-79"/>
-                <a:cs typeface="Rubik" pitchFamily="2" charset="-79"/>
-              </a:rPr>
-              <a:t>Using Python </a:t>
-            </a:r>
-            <a:r>
-              <a:rPr lang="en-US" sz="2400" dirty="0" err="1">
-                <a:solidFill>
-                  <a:srgbClr val="566BFF"/>
-                </a:solidFill>
-                <a:latin typeface="Rubik" pitchFamily="2" charset="-79"/>
-                <a:cs typeface="Rubik" pitchFamily="2" charset="-79"/>
-              </a:rPr>
-              <a:t>WebScraper</a:t>
-            </a:r>
-            <a:endParaRPr lang="en-US" sz="2400" dirty="0">
-              <a:solidFill>
-                <a:srgbClr val="566BFF"/>
-              </a:solidFill>
-              <a:latin typeface="Rubik" pitchFamily="2" charset="-79"/>
-              <a:cs typeface="Rubik" pitchFamily="2" charset="-79"/>
-            </a:endParaRPr>
-          </a:p>
-        </p:txBody>
-      </p:sp>
-      <p:sp>
-        <p:nvSpPr>
-          <p:cNvPr id="5" name="Rectangle 4">
-            <a:extLst>
-              <a:ext uri="{FF2B5EF4-FFF2-40B4-BE49-F238E27FC236}">
-                <a16:creationId xmlns:a16="http://schemas.microsoft.com/office/drawing/2014/main" id="{879682FA-D4C3-033B-0DAB-5E464E68D3C0}"/>
-              </a:ext>
-            </a:extLst>
-          </p:cNvPr>
-          <p:cNvSpPr/>
-          <p:nvPr/>
-        </p:nvSpPr>
-        <p:spPr>
-          <a:xfrm>
-            <a:off x="0" y="6635668"/>
-            <a:ext cx="12192000" cy="222331"/>
+            <a:off x="4359348" y="4504661"/>
+            <a:ext cx="3530009" cy="1630325"/>
           </a:xfrm>
           <a:prstGeom prst="rect">
             <a:avLst/>
           </a:prstGeom>
           <a:solidFill>
-            <a:srgbClr val="566BFF"/>
-          </a:solidFill>
-          <a:ln>
-            <a:noFill/>
-          </a:ln>
-          <a:effectLst>
-            <a:outerShdw blurRad="127000" dist="127000" dir="16200000" rotWithShape="0">
-              <a:srgbClr val="566BFF">
-                <a:alpha val="40000"/>
-              </a:srgbClr>
-            </a:outerShdw>
-          </a:effectLst>
-        </p:spPr>
-        <p:style>
-          <a:lnRef idx="2">
-            <a:schemeClr val="accent1">
-              <a:shade val="50000"/>
-            </a:schemeClr>
-          </a:lnRef>
-          <a:fillRef idx="1">
-            <a:schemeClr val="accent1"/>
-          </a:fillRef>
-          <a:effectRef idx="0">
-            <a:schemeClr val="accent1"/>
-          </a:effectRef>
-          <a:fontRef idx="minor">
-            <a:schemeClr val="lt1"/>
-          </a:fontRef>
-        </p:style>
-        <p:txBody>
-          <a:bodyPr rtlCol="0" anchor="ctr"/>
-          <a:lstStyle/>
-          <a:p>
-            <a:pPr algn="ctr"/>
-            <a:endParaRPr lang="en-US"/>
-          </a:p>
-        </p:txBody>
-      </p:sp>
-    </p:spTree>
-    <p:extLst>
-      <p:ext uri="{BB962C8B-B14F-4D97-AF65-F5344CB8AC3E}">
-        <p14:creationId xmlns:p14="http://schemas.microsoft.com/office/powerpoint/2010/main" val="3003372751"/>
-      </p:ext>
-    </p:extLst>
-  </p:cSld>
-  <p:clrMapOvr>
-    <a:masterClrMapping/>
-  </p:clrMapOvr>
-</p:sld>
-</file>
-
-<file path=ppt/slides/slide18.xml><?xml version="1.0" encoding="utf-8"?>
-<p:sld xmlns:a="http://schemas.openxmlformats.org/drawingml/2006/main" xmlns:r="http://schemas.openxmlformats.org/officeDocument/2006/relationships" xmlns:p="http://schemas.openxmlformats.org/presentationml/2006/main">
-  <p:cSld>
-    <p:spTree>
-      <p:nvGrpSpPr>
-        <p:cNvPr id="1" name=""/>
-        <p:cNvGrpSpPr/>
-        <p:nvPr/>
-      </p:nvGrpSpPr>
-      <p:grpSpPr>
-        <a:xfrm>
-          <a:off x="0" y="0"/>
-          <a:ext cx="0" cy="0"/>
-          <a:chOff x="0" y="0"/>
-          <a:chExt cx="0" cy="0"/>
-        </a:xfrm>
-      </p:grpSpPr>
-      <p:sp>
-        <p:nvSpPr>
-          <p:cNvPr id="24" name="Rectangle 23">
-            <a:extLst>
-              <a:ext uri="{FF2B5EF4-FFF2-40B4-BE49-F238E27FC236}">
-                <a16:creationId xmlns:a16="http://schemas.microsoft.com/office/drawing/2014/main" id="{B2621BA0-A914-4EE0-BC31-A5B736B6C516}"/>
-              </a:ext>
-            </a:extLst>
-          </p:cNvPr>
-          <p:cNvSpPr/>
-          <p:nvPr/>
-        </p:nvSpPr>
-        <p:spPr>
-          <a:xfrm>
-            <a:off x="0" y="0"/>
-            <a:ext cx="12192000" cy="6858000"/>
-          </a:xfrm>
-          <a:prstGeom prst="rect">
-            <a:avLst/>
-          </a:prstGeom>
-          <a:solidFill>
-            <a:srgbClr val="F7F7F7"/>
+            <a:schemeClr val="bg1"/>
           </a:solidFill>
           <a:ln>
             <a:noFill/>
@@ -5844,85 +7265,26 @@
           <a:lstStyle/>
           <a:p>
             <a:pPr algn="ctr"/>
-            <a:endParaRPr lang="en-US" dirty="0"/>
-          </a:p>
-        </p:txBody>
-      </p:sp>
-      <p:sp>
-        <p:nvSpPr>
-          <p:cNvPr id="3" name="Rectangle 2">
-            <a:extLst>
-              <a:ext uri="{FF2B5EF4-FFF2-40B4-BE49-F238E27FC236}">
-                <a16:creationId xmlns:a16="http://schemas.microsoft.com/office/drawing/2014/main" id="{C86E0A64-6FF2-4426-BCFB-AB4810DB5E5E}"/>
-              </a:ext>
-            </a:extLst>
-          </p:cNvPr>
-          <p:cNvSpPr/>
+            <a:endParaRPr lang="en-GB"/>
+          </a:p>
+        </p:txBody>
+      </p:sp>
+      <p:sp>
+        <p:nvSpPr>
+          <p:cNvPr id="2" name="TextBox 1">
+            <a:extLst>
+              <a:ext uri="{FF2B5EF4-FFF2-40B4-BE49-F238E27FC236}">
+                <a16:creationId xmlns:a16="http://schemas.microsoft.com/office/drawing/2014/main" id="{F6C32429-4663-017A-8522-56B8014959FC}"/>
+              </a:ext>
+            </a:extLst>
+          </p:cNvPr>
+          <p:cNvSpPr txBox="1"/>
           <p:nvPr/>
         </p:nvSpPr>
         <p:spPr>
           <a:xfrm>
-            <a:off x="0" y="6635668"/>
-            <a:ext cx="12192000" cy="222331"/>
-          </a:xfrm>
-          <a:prstGeom prst="rect">
-            <a:avLst/>
-          </a:prstGeom>
-          <a:solidFill>
-            <a:srgbClr val="566BFF"/>
-          </a:solidFill>
-          <a:ln>
-            <a:noFill/>
-          </a:ln>
-          <a:effectLst>
-            <a:outerShdw blurRad="127000" dist="127000" dir="16200000" rotWithShape="0">
-              <a:srgbClr val="566BFF">
-                <a:alpha val="40000"/>
-              </a:srgbClr>
-            </a:outerShdw>
-          </a:effectLst>
-        </p:spPr>
-        <p:style>
-          <a:lnRef idx="2">
-            <a:schemeClr val="accent1">
-              <a:shade val="50000"/>
-            </a:schemeClr>
-          </a:lnRef>
-          <a:fillRef idx="1">
-            <a:schemeClr val="accent1"/>
-          </a:fillRef>
-          <a:effectRef idx="0">
-            <a:schemeClr val="accent1"/>
-          </a:effectRef>
-          <a:fontRef idx="minor">
-            <a:schemeClr val="lt1"/>
-          </a:fontRef>
-        </p:style>
-        <p:txBody>
-          <a:bodyPr rtlCol="0" anchor="ctr"/>
-          <a:lstStyle/>
-          <a:p>
-            <a:pPr algn="ctr"/>
-            <a:endParaRPr lang="en-US"/>
-          </a:p>
-        </p:txBody>
-      </p:sp>
-      <p:sp>
-        <p:nvSpPr>
-          <p:cNvPr id="5" name="TextBox 4">
-            <a:extLst>
-              <a:ext uri="{FF2B5EF4-FFF2-40B4-BE49-F238E27FC236}">
-                <a16:creationId xmlns:a16="http://schemas.microsoft.com/office/drawing/2014/main" id="{820468DA-D720-42AD-ACF8-5BDE8EB68F9C}"/>
-              </a:ext>
-            </a:extLst>
-          </p:cNvPr>
-          <p:cNvSpPr txBox="1"/>
-          <p:nvPr/>
-        </p:nvSpPr>
-        <p:spPr>
-          <a:xfrm>
-            <a:off x="393405" y="300412"/>
-            <a:ext cx="5422604" cy="707886"/>
+            <a:off x="292481" y="265284"/>
+            <a:ext cx="5023798" cy="1015663"/>
           </a:xfrm>
           <a:prstGeom prst="rect">
             <a:avLst/>
@@ -5936,23 +7298,23 @@
           <a:lstStyle/>
           <a:p>
             <a:r>
-              <a:rPr lang="en-US" sz="4000" dirty="0">
+              <a:rPr lang="en-US" sz="6000" dirty="0">
                 <a:solidFill>
                   <a:srgbClr val="082032"/>
                 </a:solidFill>
-                <a:latin typeface="Impact" panose="020B0806030902050204" pitchFamily="34" charset="0"/>
-              </a:rPr>
-              <a:t>Problem Statement</a:t>
-            </a:r>
-          </a:p>
-        </p:txBody>
-      </p:sp>
-      <p:sp>
-        <p:nvSpPr>
-          <p:cNvPr id="10" name="TextBox 9">
-            <a:extLst>
-              <a:ext uri="{FF2B5EF4-FFF2-40B4-BE49-F238E27FC236}">
-                <a16:creationId xmlns:a16="http://schemas.microsoft.com/office/drawing/2014/main" id="{64DFD9E9-BB31-4BFD-AD6C-E67F646F3C50}"/>
+                <a:latin typeface="Righteous" panose="02010506000000020000" pitchFamily="2" charset="0"/>
+              </a:rPr>
+              <a:t>Future Scope</a:t>
+            </a:r>
+          </a:p>
+        </p:txBody>
+      </p:sp>
+      <p:sp>
+        <p:nvSpPr>
+          <p:cNvPr id="4" name="TextBox 3">
+            <a:extLst>
+              <a:ext uri="{FF2B5EF4-FFF2-40B4-BE49-F238E27FC236}">
+                <a16:creationId xmlns:a16="http://schemas.microsoft.com/office/drawing/2014/main" id="{A38283A1-483D-D978-0A59-AFAEB049770A}"/>
               </a:ext>
             </a:extLst>
           </p:cNvPr>
@@ -5961,8 +7323,8 @@
         </p:nvSpPr>
         <p:spPr>
           <a:xfrm>
-            <a:off x="448340" y="1345585"/>
-            <a:ext cx="6868631" cy="1569660"/>
+            <a:off x="436948" y="1948674"/>
+            <a:ext cx="10567749" cy="1169551"/>
           </a:xfrm>
           <a:prstGeom prst="rect">
             <a:avLst/>
@@ -5975,617 +7337,60 @@
           </a:bodyPr>
           <a:lstStyle/>
           <a:p>
-            <a:r>
-              <a:rPr lang="en-US" sz="2400" b="0" i="0" dirty="0">
-                <a:solidFill>
-                  <a:srgbClr val="082032"/>
-                </a:solidFill>
-                <a:effectLst/>
-                <a:latin typeface="Rubik" pitchFamily="2" charset="-79"/>
-                <a:cs typeface="Rubik" pitchFamily="2" charset="-79"/>
-              </a:rPr>
-              <a:t>A news-sharing website help users find relevant and important news easily every day and also deliver them to using email and notifications</a:t>
-            </a:r>
-            <a:endParaRPr lang="en-US" sz="2400" dirty="0">
-              <a:solidFill>
-                <a:srgbClr val="082032"/>
-              </a:solidFill>
-              <a:latin typeface="Rubik" pitchFamily="2" charset="-79"/>
-              <a:cs typeface="Rubik" pitchFamily="2" charset="-79"/>
+            <a:pPr marL="342900" indent="-342900">
+              <a:buFont typeface="Wingdings" panose="05000000000000000000" pitchFamily="2" charset="2"/>
+              <a:buChar char="q"/>
+            </a:pPr>
+            <a:r>
+              <a:rPr lang="en-US" sz="2400" dirty="0">
+                <a:solidFill>
+                  <a:srgbClr val="252525"/>
+                </a:solidFill>
+                <a:effectLst/>
+              </a:rPr>
+              <a:t>Providing results for news headlines that are not present in historical data sets</a:t>
+            </a:r>
+          </a:p>
+          <a:p>
+            <a:pPr marL="457200" indent="-457200">
+              <a:buFont typeface="Wingdings" panose="05000000000000000000" pitchFamily="2" charset="2"/>
+              <a:buChar char="q"/>
+            </a:pPr>
+            <a:endParaRPr lang="en-US" sz="2200" dirty="0">
+              <a:latin typeface="Outfit" pitchFamily="2" charset="0"/>
             </a:endParaRPr>
+          </a:p>
+          <a:p>
+            <a:pPr marL="342900" indent="-342900">
+              <a:buFont typeface="Wingdings" panose="05000000000000000000" pitchFamily="2" charset="2"/>
+              <a:buChar char="q"/>
+            </a:pPr>
+            <a:r>
+              <a:rPr lang="en-US" sz="2400" dirty="0">
+                <a:solidFill>
+                  <a:srgbClr val="252525"/>
+                </a:solidFill>
+              </a:rPr>
+              <a:t>H</a:t>
+            </a:r>
+            <a:r>
+              <a:rPr lang="en-US" sz="2400" dirty="0">
+                <a:solidFill>
+                  <a:srgbClr val="252525"/>
+                </a:solidFill>
+                <a:effectLst/>
+              </a:rPr>
+              <a:t>osting on Heroku so that it is available over the internet for public access.</a:t>
+            </a:r>
           </a:p>
         </p:txBody>
       </p:sp>
       <p:pic>
         <p:nvPicPr>
-          <p:cNvPr id="1026" name="Picture 2" descr="Online news Vectors &amp; Illustrations for Free Download | Freepik">
-            <a:extLst>
-              <a:ext uri="{FF2B5EF4-FFF2-40B4-BE49-F238E27FC236}">
-                <a16:creationId xmlns:a16="http://schemas.microsoft.com/office/drawing/2014/main" id="{D9CD813A-F91B-8122-D418-20DAD89A74F0}"/>
-              </a:ext>
-            </a:extLst>
-          </p:cNvPr>
-          <p:cNvPicPr>
-            <a:picLocks noChangeAspect="1" noChangeArrowheads="1"/>
-          </p:cNvPicPr>
-          <p:nvPr/>
-        </p:nvPicPr>
-        <p:blipFill>
-          <a:blip r:embed="rId2">
-            <a:extLst>
-              <a:ext uri="{28A0092B-C50C-407E-A947-70E740481C1C}">
-                <a14:useLocalDpi xmlns:a14="http://schemas.microsoft.com/office/drawing/2010/main" val="0"/>
-              </a:ext>
-            </a:extLst>
-          </a:blip>
-          <a:srcRect/>
-          <a:stretch>
-            <a:fillRect/>
-          </a:stretch>
-        </p:blipFill>
-        <p:spPr bwMode="auto">
-          <a:xfrm>
-            <a:off x="7765311" y="1265751"/>
-            <a:ext cx="4104167" cy="4104167"/>
-          </a:xfrm>
-          <a:prstGeom prst="rect">
-            <a:avLst/>
-          </a:prstGeom>
-          <a:noFill/>
-          <a:extLst>
-            <a:ext uri="{909E8E84-426E-40DD-AFC4-6F175D3DCCD1}">
-              <a14:hiddenFill xmlns:a14="http://schemas.microsoft.com/office/drawing/2010/main">
-                <a:solidFill>
-                  <a:srgbClr val="FFFFFF"/>
-                </a:solidFill>
-              </a14:hiddenFill>
-            </a:ext>
-          </a:extLst>
-        </p:spPr>
-      </p:pic>
-    </p:spTree>
-    <p:extLst>
-      <p:ext uri="{BB962C8B-B14F-4D97-AF65-F5344CB8AC3E}">
-        <p14:creationId xmlns:p14="http://schemas.microsoft.com/office/powerpoint/2010/main" val="607592628"/>
-      </p:ext>
-    </p:extLst>
-  </p:cSld>
-  <p:clrMapOvr>
-    <a:masterClrMapping/>
-  </p:clrMapOvr>
-</p:sld>
-</file>
-
-<file path=ppt/slides/slide19.xml><?xml version="1.0" encoding="utf-8"?>
-<p:sld xmlns:a="http://schemas.openxmlformats.org/drawingml/2006/main" xmlns:r="http://schemas.openxmlformats.org/officeDocument/2006/relationships" xmlns:p="http://schemas.openxmlformats.org/presentationml/2006/main">
-  <p:cSld>
-    <p:spTree>
-      <p:nvGrpSpPr>
-        <p:cNvPr id="1" name=""/>
-        <p:cNvGrpSpPr/>
-        <p:nvPr/>
-      </p:nvGrpSpPr>
-      <p:grpSpPr>
-        <a:xfrm>
-          <a:off x="0" y="0"/>
-          <a:ext cx="0" cy="0"/>
-          <a:chOff x="0" y="0"/>
-          <a:chExt cx="0" cy="0"/>
-        </a:xfrm>
-      </p:grpSpPr>
-      <p:sp>
-        <p:nvSpPr>
-          <p:cNvPr id="5" name="TextBox 4">
-            <a:extLst>
-              <a:ext uri="{FF2B5EF4-FFF2-40B4-BE49-F238E27FC236}">
-                <a16:creationId xmlns:a16="http://schemas.microsoft.com/office/drawing/2014/main" id="{820468DA-D720-42AD-ACF8-5BDE8EB68F9C}"/>
-              </a:ext>
-            </a:extLst>
-          </p:cNvPr>
-          <p:cNvSpPr txBox="1"/>
-          <p:nvPr/>
-        </p:nvSpPr>
-        <p:spPr>
-          <a:xfrm>
-            <a:off x="393405" y="241481"/>
-            <a:ext cx="5422604" cy="707886"/>
-          </a:xfrm>
-          <a:prstGeom prst="rect">
-            <a:avLst/>
-          </a:prstGeom>
-          <a:noFill/>
-        </p:spPr>
-        <p:txBody>
-          <a:bodyPr wrap="square" rtlCol="0">
-            <a:spAutoFit/>
-          </a:bodyPr>
-          <a:lstStyle/>
-          <a:p>
-            <a:r>
-              <a:rPr lang="en-US" sz="4000" dirty="0">
-                <a:solidFill>
-                  <a:srgbClr val="082032"/>
-                </a:solidFill>
-                <a:latin typeface="Impact" panose="020B0806030902050204" pitchFamily="34" charset="0"/>
-              </a:rPr>
-              <a:t>Workflow</a:t>
-            </a:r>
-          </a:p>
-        </p:txBody>
-      </p:sp>
-      <p:sp>
-        <p:nvSpPr>
-          <p:cNvPr id="10" name="TextBox 9">
-            <a:extLst>
-              <a:ext uri="{FF2B5EF4-FFF2-40B4-BE49-F238E27FC236}">
-                <a16:creationId xmlns:a16="http://schemas.microsoft.com/office/drawing/2014/main" id="{64DFD9E9-BB31-4BFD-AD6C-E67F646F3C50}"/>
-              </a:ext>
-            </a:extLst>
-          </p:cNvPr>
-          <p:cNvSpPr txBox="1"/>
-          <p:nvPr/>
-        </p:nvSpPr>
-        <p:spPr>
-          <a:xfrm>
-            <a:off x="393405" y="1265751"/>
-            <a:ext cx="6868631" cy="4417556"/>
-          </a:xfrm>
-          <a:prstGeom prst="rect">
-            <a:avLst/>
-          </a:prstGeom>
-          <a:noFill/>
-        </p:spPr>
-        <p:txBody>
-          <a:bodyPr wrap="square" rtlCol="0">
-            <a:spAutoFit/>
-          </a:bodyPr>
-          <a:lstStyle/>
-          <a:p>
-            <a:pPr marL="457200" indent="-457200">
-              <a:lnSpc>
-                <a:spcPct val="200000"/>
-              </a:lnSpc>
-              <a:buAutoNum type="arabicPeriod"/>
-            </a:pPr>
-            <a:r>
-              <a:rPr lang="en-US" sz="2400" b="0" i="0" dirty="0">
-                <a:solidFill>
-                  <a:srgbClr val="082032"/>
-                </a:solidFill>
-                <a:effectLst/>
-                <a:latin typeface="Rubik" pitchFamily="2" charset="-79"/>
-                <a:cs typeface="Rubik" pitchFamily="2" charset="-79"/>
-              </a:rPr>
-              <a:t>User Interaction with the webpage</a:t>
-            </a:r>
-          </a:p>
-          <a:p>
-            <a:pPr marL="457200" indent="-457200">
-              <a:lnSpc>
-                <a:spcPct val="200000"/>
-              </a:lnSpc>
-              <a:buAutoNum type="arabicPeriod"/>
-            </a:pPr>
-            <a:r>
-              <a:rPr lang="en-US" sz="2400" dirty="0">
-                <a:solidFill>
-                  <a:srgbClr val="082032"/>
-                </a:solidFill>
-                <a:latin typeface="Rubik" pitchFamily="2" charset="-79"/>
-                <a:cs typeface="Rubik" pitchFamily="2" charset="-79"/>
-              </a:rPr>
-              <a:t>Using python web scraping will fetch news from various sources</a:t>
-            </a:r>
-          </a:p>
-          <a:p>
-            <a:pPr marL="457200" indent="-457200">
-              <a:lnSpc>
-                <a:spcPct val="200000"/>
-              </a:lnSpc>
-              <a:buAutoNum type="arabicPeriod"/>
-            </a:pPr>
-            <a:r>
-              <a:rPr lang="en-US" sz="2400" dirty="0">
-                <a:solidFill>
-                  <a:srgbClr val="082032"/>
-                </a:solidFill>
-                <a:latin typeface="Rubik" pitchFamily="2" charset="-79"/>
-                <a:cs typeface="Rubik" pitchFamily="2" charset="-79"/>
-              </a:rPr>
-              <a:t>Compiling and making JSON file</a:t>
-            </a:r>
-          </a:p>
-          <a:p>
-            <a:pPr marL="457200" indent="-457200">
-              <a:lnSpc>
-                <a:spcPct val="200000"/>
-              </a:lnSpc>
-              <a:buAutoNum type="arabicPeriod"/>
-            </a:pPr>
-            <a:r>
-              <a:rPr lang="en-US" sz="2400" dirty="0">
-                <a:solidFill>
-                  <a:srgbClr val="082032"/>
-                </a:solidFill>
-                <a:latin typeface="Rubik" pitchFamily="2" charset="-79"/>
-                <a:cs typeface="Rubik" pitchFamily="2" charset="-79"/>
-              </a:rPr>
-              <a:t>Using AJAX request displaying news articles asynchronously </a:t>
-            </a:r>
-          </a:p>
-        </p:txBody>
-      </p:sp>
-      <p:pic>
-        <p:nvPicPr>
-          <p:cNvPr id="1028" name="Picture 4" descr="Python (programming language) - Wikipedia">
-            <a:extLst>
-              <a:ext uri="{FF2B5EF4-FFF2-40B4-BE49-F238E27FC236}">
-                <a16:creationId xmlns:a16="http://schemas.microsoft.com/office/drawing/2014/main" id="{D7D38E98-708F-CBD4-6FDD-F81AFCAF33AC}"/>
-              </a:ext>
-            </a:extLst>
-          </p:cNvPr>
-          <p:cNvPicPr>
-            <a:picLocks noChangeAspect="1" noChangeArrowheads="1"/>
-          </p:cNvPicPr>
-          <p:nvPr/>
-        </p:nvPicPr>
-        <p:blipFill>
-          <a:blip r:embed="rId2">
-            <a:extLst>
-              <a:ext uri="{28A0092B-C50C-407E-A947-70E740481C1C}">
-                <a14:useLocalDpi xmlns:a14="http://schemas.microsoft.com/office/drawing/2010/main" val="0"/>
-              </a:ext>
-            </a:extLst>
-          </a:blip>
-          <a:srcRect/>
-          <a:stretch>
-            <a:fillRect/>
-          </a:stretch>
-        </p:blipFill>
-        <p:spPr bwMode="auto">
-          <a:xfrm>
-            <a:off x="8973879" y="1556377"/>
-            <a:ext cx="2156636" cy="2156636"/>
-          </a:xfrm>
-          <a:prstGeom prst="rect">
-            <a:avLst/>
-          </a:prstGeom>
-          <a:noFill/>
-          <a:extLst>
-            <a:ext uri="{909E8E84-426E-40DD-AFC4-6F175D3DCCD1}">
-              <a14:hiddenFill xmlns:a14="http://schemas.microsoft.com/office/drawing/2010/main">
-                <a:solidFill>
-                  <a:srgbClr val="FFFFFF"/>
-                </a:solidFill>
-              </a14:hiddenFill>
-            </a:ext>
-          </a:extLst>
-        </p:spPr>
-      </p:pic>
-      <p:pic>
-        <p:nvPicPr>
-          <p:cNvPr id="1032" name="Picture 8" descr="aakashns/python-web-scraping-project-guide - Jovian">
-            <a:extLst>
-              <a:ext uri="{FF2B5EF4-FFF2-40B4-BE49-F238E27FC236}">
-                <a16:creationId xmlns:a16="http://schemas.microsoft.com/office/drawing/2014/main" id="{CFC9FEE0-6834-63E3-80C1-C7F0E30BE722}"/>
-              </a:ext>
-            </a:extLst>
-          </p:cNvPr>
-          <p:cNvPicPr>
-            <a:picLocks noChangeAspect="1" noChangeArrowheads="1"/>
-          </p:cNvPicPr>
-          <p:nvPr/>
-        </p:nvPicPr>
-        <p:blipFill>
-          <a:blip r:embed="rId3">
-            <a:extLst>
-              <a:ext uri="{28A0092B-C50C-407E-A947-70E740481C1C}">
-                <a14:useLocalDpi xmlns:a14="http://schemas.microsoft.com/office/drawing/2010/main" val="0"/>
-              </a:ext>
-            </a:extLst>
-          </a:blip>
-          <a:srcRect/>
-          <a:stretch>
-            <a:fillRect/>
-          </a:stretch>
-        </p:blipFill>
-        <p:spPr bwMode="auto">
-          <a:xfrm>
-            <a:off x="6741041" y="3899785"/>
-            <a:ext cx="5057554" cy="2198192"/>
-          </a:xfrm>
-          <a:prstGeom prst="rect">
-            <a:avLst/>
-          </a:prstGeom>
-          <a:noFill/>
-          <a:extLst>
-            <a:ext uri="{909E8E84-426E-40DD-AFC4-6F175D3DCCD1}">
-              <a14:hiddenFill xmlns:a14="http://schemas.microsoft.com/office/drawing/2010/main">
-                <a:solidFill>
-                  <a:srgbClr val="FFFFFF"/>
-                </a:solidFill>
-              </a14:hiddenFill>
-            </a:ext>
-          </a:extLst>
-        </p:spPr>
-      </p:pic>
-      <p:sp>
-        <p:nvSpPr>
-          <p:cNvPr id="4" name="Rectangle 3">
-            <a:extLst>
-              <a:ext uri="{FF2B5EF4-FFF2-40B4-BE49-F238E27FC236}">
-                <a16:creationId xmlns:a16="http://schemas.microsoft.com/office/drawing/2014/main" id="{0C2B0F38-49A4-9DE6-8528-110252907533}"/>
-              </a:ext>
-            </a:extLst>
-          </p:cNvPr>
-          <p:cNvSpPr/>
-          <p:nvPr/>
-        </p:nvSpPr>
-        <p:spPr>
-          <a:xfrm>
-            <a:off x="0" y="6635668"/>
-            <a:ext cx="12192000" cy="222331"/>
-          </a:xfrm>
-          <a:prstGeom prst="rect">
-            <a:avLst/>
-          </a:prstGeom>
-          <a:solidFill>
-            <a:srgbClr val="566BFF"/>
-          </a:solidFill>
-          <a:ln>
-            <a:noFill/>
-          </a:ln>
-          <a:effectLst>
-            <a:outerShdw blurRad="127000" dist="127000" dir="16200000" rotWithShape="0">
-              <a:srgbClr val="566BFF">
-                <a:alpha val="40000"/>
-              </a:srgbClr>
-            </a:outerShdw>
-          </a:effectLst>
-        </p:spPr>
-        <p:style>
-          <a:lnRef idx="2">
-            <a:schemeClr val="accent1">
-              <a:shade val="50000"/>
-            </a:schemeClr>
-          </a:lnRef>
-          <a:fillRef idx="1">
-            <a:schemeClr val="accent1"/>
-          </a:fillRef>
-          <a:effectRef idx="0">
-            <a:schemeClr val="accent1"/>
-          </a:effectRef>
-          <a:fontRef idx="minor">
-            <a:schemeClr val="lt1"/>
-          </a:fontRef>
-        </p:style>
-        <p:txBody>
-          <a:bodyPr rtlCol="0" anchor="ctr"/>
-          <a:lstStyle/>
-          <a:p>
-            <a:pPr algn="ctr"/>
-            <a:endParaRPr lang="en-US"/>
-          </a:p>
-        </p:txBody>
-      </p:sp>
-    </p:spTree>
-    <p:extLst>
-      <p:ext uri="{BB962C8B-B14F-4D97-AF65-F5344CB8AC3E}">
-        <p14:creationId xmlns:p14="http://schemas.microsoft.com/office/powerpoint/2010/main" val="2785604440"/>
-      </p:ext>
-    </p:extLst>
-  </p:cSld>
-  <p:clrMapOvr>
-    <a:masterClrMapping/>
-  </p:clrMapOvr>
-</p:sld>
-</file>
-
-<file path=ppt/slides/slide2.xml><?xml version="1.0" encoding="utf-8"?>
-<p:sld xmlns:a="http://schemas.openxmlformats.org/drawingml/2006/main" xmlns:r="http://schemas.openxmlformats.org/officeDocument/2006/relationships" xmlns:p="http://schemas.openxmlformats.org/presentationml/2006/main">
-  <p:cSld>
-    <p:spTree>
-      <p:nvGrpSpPr>
-        <p:cNvPr id="1" name=""/>
-        <p:cNvGrpSpPr/>
-        <p:nvPr/>
-      </p:nvGrpSpPr>
-      <p:grpSpPr>
-        <a:xfrm>
-          <a:off x="0" y="0"/>
-          <a:ext cx="0" cy="0"/>
-          <a:chOff x="0" y="0"/>
-          <a:chExt cx="0" cy="0"/>
-        </a:xfrm>
-      </p:grpSpPr>
-      <p:sp>
-        <p:nvSpPr>
-          <p:cNvPr id="8" name="Rectangle 7">
-            <a:extLst>
-              <a:ext uri="{FF2B5EF4-FFF2-40B4-BE49-F238E27FC236}">
-                <a16:creationId xmlns:a16="http://schemas.microsoft.com/office/drawing/2014/main" id="{D2EAE271-D5B3-4E8C-B8B0-8D7D7110E2E6}"/>
-              </a:ext>
-            </a:extLst>
-          </p:cNvPr>
-          <p:cNvSpPr/>
-          <p:nvPr/>
-        </p:nvSpPr>
-        <p:spPr>
-          <a:xfrm>
-            <a:off x="0" y="0"/>
-            <a:ext cx="12192000" cy="6858000"/>
-          </a:xfrm>
-          <a:prstGeom prst="rect">
-            <a:avLst/>
-          </a:prstGeom>
-          <a:solidFill>
-            <a:srgbClr val="F7F7F7"/>
-          </a:solidFill>
-          <a:ln>
-            <a:noFill/>
-          </a:ln>
-        </p:spPr>
-        <p:style>
-          <a:lnRef idx="2">
-            <a:schemeClr val="accent1">
-              <a:shade val="50000"/>
-            </a:schemeClr>
-          </a:lnRef>
-          <a:fillRef idx="1">
-            <a:schemeClr val="accent1"/>
-          </a:fillRef>
-          <a:effectRef idx="0">
-            <a:schemeClr val="accent1"/>
-          </a:effectRef>
-          <a:fontRef idx="minor">
-            <a:schemeClr val="lt1"/>
-          </a:fontRef>
-        </p:style>
-        <p:txBody>
-          <a:bodyPr rtlCol="0" anchor="ctr"/>
-          <a:lstStyle/>
-          <a:p>
-            <a:pPr algn="ctr"/>
-            <a:endParaRPr lang="en-US" dirty="0"/>
-          </a:p>
-        </p:txBody>
-      </p:sp>
-      <p:sp>
-        <p:nvSpPr>
-          <p:cNvPr id="2" name="TextBox 1">
-            <a:extLst>
-              <a:ext uri="{FF2B5EF4-FFF2-40B4-BE49-F238E27FC236}">
-                <a16:creationId xmlns:a16="http://schemas.microsoft.com/office/drawing/2014/main" id="{F96BBE95-AB75-4743-9212-E3809D0A554A}"/>
-              </a:ext>
-            </a:extLst>
-          </p:cNvPr>
-          <p:cNvSpPr txBox="1"/>
-          <p:nvPr/>
-        </p:nvSpPr>
-        <p:spPr>
-          <a:xfrm>
-            <a:off x="653988" y="2274838"/>
-            <a:ext cx="10884024" cy="2308324"/>
-          </a:xfrm>
-          <a:prstGeom prst="rect">
-            <a:avLst/>
-          </a:prstGeom>
-          <a:noFill/>
-        </p:spPr>
-        <p:txBody>
-          <a:bodyPr wrap="square" rtlCol="0">
-            <a:spAutoFit/>
-          </a:bodyPr>
-          <a:lstStyle/>
-          <a:p>
-            <a:pPr algn="ctr"/>
-            <a:r>
-              <a:rPr lang="en-US" sz="7200" dirty="0">
-                <a:solidFill>
-                  <a:srgbClr val="082032"/>
-                </a:solidFill>
-                <a:latin typeface="Impact" panose="020B0806030902050204" pitchFamily="34" charset="0"/>
-              </a:rPr>
-              <a:t>Fake News Detection Using Machine Learning</a:t>
-            </a:r>
-          </a:p>
-        </p:txBody>
-      </p:sp>
-      <p:sp>
-        <p:nvSpPr>
-          <p:cNvPr id="5" name="Rectangle 4">
-            <a:extLst>
-              <a:ext uri="{FF2B5EF4-FFF2-40B4-BE49-F238E27FC236}">
-                <a16:creationId xmlns:a16="http://schemas.microsoft.com/office/drawing/2014/main" id="{879682FA-D4C3-033B-0DAB-5E464E68D3C0}"/>
-              </a:ext>
-            </a:extLst>
-          </p:cNvPr>
-          <p:cNvSpPr/>
-          <p:nvPr/>
-        </p:nvSpPr>
-        <p:spPr>
-          <a:xfrm>
-            <a:off x="0" y="6635668"/>
-            <a:ext cx="12192000" cy="222331"/>
-          </a:xfrm>
-          <a:prstGeom prst="rect">
-            <a:avLst/>
-          </a:prstGeom>
-          <a:solidFill>
-            <a:srgbClr val="566BFF"/>
-          </a:solidFill>
-          <a:ln>
-            <a:noFill/>
-          </a:ln>
-          <a:effectLst>
-            <a:outerShdw blurRad="127000" dist="127000" dir="16200000" rotWithShape="0">
-              <a:srgbClr val="566BFF">
-                <a:alpha val="40000"/>
-              </a:srgbClr>
-            </a:outerShdw>
-          </a:effectLst>
-        </p:spPr>
-        <p:style>
-          <a:lnRef idx="2">
-            <a:schemeClr val="accent1">
-              <a:shade val="50000"/>
-            </a:schemeClr>
-          </a:lnRef>
-          <a:fillRef idx="1">
-            <a:schemeClr val="accent1"/>
-          </a:fillRef>
-          <a:effectRef idx="0">
-            <a:schemeClr val="accent1"/>
-          </a:effectRef>
-          <a:fontRef idx="minor">
-            <a:schemeClr val="lt1"/>
-          </a:fontRef>
-        </p:style>
-        <p:txBody>
-          <a:bodyPr rtlCol="0" anchor="ctr"/>
-          <a:lstStyle/>
-          <a:p>
-            <a:pPr algn="ctr"/>
-            <a:endParaRPr lang="en-US"/>
-          </a:p>
-        </p:txBody>
-      </p:sp>
-    </p:spTree>
-    <p:extLst>
-      <p:ext uri="{BB962C8B-B14F-4D97-AF65-F5344CB8AC3E}">
-        <p14:creationId xmlns:p14="http://schemas.microsoft.com/office/powerpoint/2010/main" val="1088035476"/>
-      </p:ext>
-    </p:extLst>
-  </p:cSld>
-  <p:clrMapOvr>
-    <a:masterClrMapping/>
-  </p:clrMapOvr>
-</p:sld>
-</file>
-
-<file path=ppt/slides/slide20.xml><?xml version="1.0" encoding="utf-8"?>
-<p:sld xmlns:a="http://schemas.openxmlformats.org/drawingml/2006/main" xmlns:r="http://schemas.openxmlformats.org/officeDocument/2006/relationships" xmlns:p="http://schemas.openxmlformats.org/presentationml/2006/main">
-  <p:cSld>
-    <p:spTree>
-      <p:nvGrpSpPr>
-        <p:cNvPr id="1" name=""/>
-        <p:cNvGrpSpPr/>
-        <p:nvPr/>
-      </p:nvGrpSpPr>
-      <p:grpSpPr>
-        <a:xfrm>
-          <a:off x="0" y="0"/>
-          <a:ext cx="0" cy="0"/>
-          <a:chOff x="0" y="0"/>
-          <a:chExt cx="0" cy="0"/>
-        </a:xfrm>
-      </p:grpSpPr>
-      <p:pic>
-        <p:nvPicPr>
-          <p:cNvPr id="4" name="Picture 3">
-            <a:extLst>
-              <a:ext uri="{FF2B5EF4-FFF2-40B4-BE49-F238E27FC236}">
-                <a16:creationId xmlns:a16="http://schemas.microsoft.com/office/drawing/2014/main" id="{A751F5D5-4A17-C3EA-FE72-A2341958E351}"/>
+          <p:cNvPr id="7" name="Picture 6">
+            <a:extLst>
+              <a:ext uri="{FF2B5EF4-FFF2-40B4-BE49-F238E27FC236}">
+                <a16:creationId xmlns:a16="http://schemas.microsoft.com/office/drawing/2014/main" id="{3B369CBA-D29B-3642-45B2-D2692D014AE3}"/>
               </a:ext>
             </a:extLst>
           </p:cNvPr>
@@ -6602,98 +7407,20 @@
         </p:blipFill>
         <p:spPr>
           <a:xfrm>
-            <a:off x="0" y="63319"/>
-            <a:ext cx="12192000" cy="6553200"/>
+            <a:off x="11256000" y="0"/>
+            <a:ext cx="936000" cy="936000"/>
           </a:xfrm>
           <a:prstGeom prst="rect">
             <a:avLst/>
           </a:prstGeom>
         </p:spPr>
       </p:pic>
-      <p:sp>
-        <p:nvSpPr>
-          <p:cNvPr id="5" name="TextBox 4">
-            <a:extLst>
-              <a:ext uri="{FF2B5EF4-FFF2-40B4-BE49-F238E27FC236}">
-                <a16:creationId xmlns:a16="http://schemas.microsoft.com/office/drawing/2014/main" id="{820468DA-D720-42AD-ACF8-5BDE8EB68F9C}"/>
-              </a:ext>
-            </a:extLst>
-          </p:cNvPr>
-          <p:cNvSpPr txBox="1"/>
-          <p:nvPr/>
-        </p:nvSpPr>
-        <p:spPr>
-          <a:xfrm>
-            <a:off x="8970335" y="0"/>
-            <a:ext cx="3221665" cy="461665"/>
-          </a:xfrm>
-          <a:prstGeom prst="rect">
-            <a:avLst/>
-          </a:prstGeom>
-          <a:solidFill>
-            <a:schemeClr val="bg1"/>
-          </a:solidFill>
-          <a:ln w="19050">
-            <a:solidFill>
-              <a:srgbClr val="566BFF"/>
-            </a:solidFill>
-          </a:ln>
-        </p:spPr>
-        <p:txBody>
-          <a:bodyPr wrap="square" rtlCol="0">
-            <a:spAutoFit/>
-          </a:bodyPr>
-          <a:lstStyle/>
-          <a:p>
-            <a:pPr algn="ctr"/>
-            <a:r>
-              <a:rPr lang="en-US" sz="2400" dirty="0">
-                <a:solidFill>
-                  <a:srgbClr val="566BFF"/>
-                </a:solidFill>
-                <a:latin typeface="Righteous" panose="02010506000000020000" pitchFamily="2" charset="0"/>
-              </a:rPr>
-              <a:t>Sample Screenshot</a:t>
-            </a:r>
-          </a:p>
-        </p:txBody>
-      </p:sp>
-    </p:spTree>
-    <p:extLst>
-      <p:ext uri="{BB962C8B-B14F-4D97-AF65-F5344CB8AC3E}">
-        <p14:creationId xmlns:p14="http://schemas.microsoft.com/office/powerpoint/2010/main" val="1690381924"/>
-      </p:ext>
-    </p:extLst>
-  </p:cSld>
-  <p:clrMapOvr>
-    <a:masterClrMapping/>
-  </p:clrMapOvr>
-</p:sld>
-</file>
-
-<file path=ppt/slides/slide21.xml><?xml version="1.0" encoding="utf-8"?>
-<p:sld xmlns:a="http://schemas.openxmlformats.org/drawingml/2006/main" xmlns:r="http://schemas.openxmlformats.org/officeDocument/2006/relationships" xmlns:p="http://schemas.openxmlformats.org/presentationml/2006/main">
-  <p:cSld>
-    <p:spTree>
-      <p:nvGrpSpPr>
-        <p:cNvPr id="1" name=""/>
-        <p:cNvGrpSpPr/>
-        <p:nvPr/>
-      </p:nvGrpSpPr>
-      <p:grpSpPr>
-        <a:xfrm>
-          <a:off x="0" y="0"/>
-          <a:ext cx="0" cy="0"/>
-          <a:chOff x="0" y="0"/>
-          <a:chExt cx="0" cy="0"/>
-        </a:xfrm>
-      </p:grpSpPr>
       <p:pic>
         <p:nvPicPr>
-          <p:cNvPr id="3" name="Picture 2">
-            <a:extLst>
-              <a:ext uri="{FF2B5EF4-FFF2-40B4-BE49-F238E27FC236}">
-                <a16:creationId xmlns:a16="http://schemas.microsoft.com/office/drawing/2014/main" id="{E8522CAF-D67B-3515-DAC2-66B2310D3D2B}"/>
+          <p:cNvPr id="8" name="Picture 7">
+            <a:extLst>
+              <a:ext uri="{FF2B5EF4-FFF2-40B4-BE49-F238E27FC236}">
+                <a16:creationId xmlns:a16="http://schemas.microsoft.com/office/drawing/2014/main" id="{D43E7DF9-AD57-E7D0-E501-EE4E4629E1D7}"/>
               </a:ext>
             </a:extLst>
           </p:cNvPr>
@@ -6709,1957 +7436,19 @@
           </a:stretch>
         </p:blipFill>
         <p:spPr>
-          <a:xfrm>
-            <a:off x="0" y="152400"/>
-            <a:ext cx="12192000" cy="6553200"/>
+          <a:xfrm flipH="1" flipV="1">
+            <a:off x="-1" y="5922334"/>
+            <a:ext cx="935665" cy="935665"/>
           </a:xfrm>
           <a:prstGeom prst="rect">
             <a:avLst/>
           </a:prstGeom>
         </p:spPr>
       </p:pic>
-      <p:sp>
-        <p:nvSpPr>
-          <p:cNvPr id="6" name="TextBox 5">
-            <a:extLst>
-              <a:ext uri="{FF2B5EF4-FFF2-40B4-BE49-F238E27FC236}">
-                <a16:creationId xmlns:a16="http://schemas.microsoft.com/office/drawing/2014/main" id="{17E7FEBF-2C9A-CA33-EA70-7ED96DE394D5}"/>
-              </a:ext>
-            </a:extLst>
-          </p:cNvPr>
-          <p:cNvSpPr txBox="1"/>
-          <p:nvPr/>
-        </p:nvSpPr>
-        <p:spPr>
-          <a:xfrm>
-            <a:off x="8970335" y="0"/>
-            <a:ext cx="3221665" cy="461665"/>
-          </a:xfrm>
-          <a:prstGeom prst="rect">
-            <a:avLst/>
-          </a:prstGeom>
-          <a:solidFill>
-            <a:schemeClr val="bg1"/>
-          </a:solidFill>
-          <a:ln w="19050">
-            <a:solidFill>
-              <a:srgbClr val="566BFF"/>
-            </a:solidFill>
-          </a:ln>
-        </p:spPr>
-        <p:txBody>
-          <a:bodyPr wrap="square" rtlCol="0">
-            <a:spAutoFit/>
-          </a:bodyPr>
-          <a:lstStyle/>
-          <a:p>
-            <a:pPr algn="ctr"/>
-            <a:r>
-              <a:rPr lang="en-US" sz="2400" dirty="0">
-                <a:solidFill>
-                  <a:srgbClr val="566BFF"/>
-                </a:solidFill>
-                <a:latin typeface="Righteous" panose="02010506000000020000" pitchFamily="2" charset="0"/>
-              </a:rPr>
-              <a:t>Sample Screenshot</a:t>
-            </a:r>
-          </a:p>
-        </p:txBody>
-      </p:sp>
     </p:spTree>
     <p:extLst>
       <p:ext uri="{BB962C8B-B14F-4D97-AF65-F5344CB8AC3E}">
-        <p14:creationId xmlns:p14="http://schemas.microsoft.com/office/powerpoint/2010/main" val="1074396475"/>
-      </p:ext>
-    </p:extLst>
-  </p:cSld>
-  <p:clrMapOvr>
-    <a:masterClrMapping/>
-  </p:clrMapOvr>
-</p:sld>
-</file>
-
-<file path=ppt/slides/slide3.xml><?xml version="1.0" encoding="utf-8"?>
-<p:sld xmlns:a="http://schemas.openxmlformats.org/drawingml/2006/main" xmlns:r="http://schemas.openxmlformats.org/officeDocument/2006/relationships" xmlns:p="http://schemas.openxmlformats.org/presentationml/2006/main">
-  <p:cSld>
-    <p:spTree>
-      <p:nvGrpSpPr>
-        <p:cNvPr id="1" name=""/>
-        <p:cNvGrpSpPr/>
-        <p:nvPr/>
-      </p:nvGrpSpPr>
-      <p:grpSpPr>
-        <a:xfrm>
-          <a:off x="0" y="0"/>
-          <a:ext cx="0" cy="0"/>
-          <a:chOff x="0" y="0"/>
-          <a:chExt cx="0" cy="0"/>
-        </a:xfrm>
-      </p:grpSpPr>
-      <p:sp>
-        <p:nvSpPr>
-          <p:cNvPr id="24" name="Rectangle 23">
-            <a:extLst>
-              <a:ext uri="{FF2B5EF4-FFF2-40B4-BE49-F238E27FC236}">
-                <a16:creationId xmlns:a16="http://schemas.microsoft.com/office/drawing/2014/main" id="{B2621BA0-A914-4EE0-BC31-A5B736B6C516}"/>
-              </a:ext>
-            </a:extLst>
-          </p:cNvPr>
-          <p:cNvSpPr/>
-          <p:nvPr/>
-        </p:nvSpPr>
-        <p:spPr>
-          <a:xfrm>
-            <a:off x="0" y="0"/>
-            <a:ext cx="12192000" cy="6858000"/>
-          </a:xfrm>
-          <a:prstGeom prst="rect">
-            <a:avLst/>
-          </a:prstGeom>
-          <a:solidFill>
-            <a:srgbClr val="F7F7F7"/>
-          </a:solidFill>
-          <a:ln>
-            <a:noFill/>
-          </a:ln>
-        </p:spPr>
-        <p:style>
-          <a:lnRef idx="2">
-            <a:schemeClr val="accent1">
-              <a:shade val="50000"/>
-            </a:schemeClr>
-          </a:lnRef>
-          <a:fillRef idx="1">
-            <a:schemeClr val="accent1"/>
-          </a:fillRef>
-          <a:effectRef idx="0">
-            <a:schemeClr val="accent1"/>
-          </a:effectRef>
-          <a:fontRef idx="minor">
-            <a:schemeClr val="lt1"/>
-          </a:fontRef>
-        </p:style>
-        <p:txBody>
-          <a:bodyPr rtlCol="0" anchor="ctr"/>
-          <a:lstStyle/>
-          <a:p>
-            <a:pPr algn="ctr"/>
-            <a:endParaRPr lang="en-US" dirty="0"/>
-          </a:p>
-        </p:txBody>
-      </p:sp>
-      <p:sp>
-        <p:nvSpPr>
-          <p:cNvPr id="3" name="Rectangle 2">
-            <a:extLst>
-              <a:ext uri="{FF2B5EF4-FFF2-40B4-BE49-F238E27FC236}">
-                <a16:creationId xmlns:a16="http://schemas.microsoft.com/office/drawing/2014/main" id="{C86E0A64-6FF2-4426-BCFB-AB4810DB5E5E}"/>
-              </a:ext>
-            </a:extLst>
-          </p:cNvPr>
-          <p:cNvSpPr/>
-          <p:nvPr/>
-        </p:nvSpPr>
-        <p:spPr>
-          <a:xfrm>
-            <a:off x="0" y="6635668"/>
-            <a:ext cx="12192000" cy="222331"/>
-          </a:xfrm>
-          <a:prstGeom prst="rect">
-            <a:avLst/>
-          </a:prstGeom>
-          <a:solidFill>
-            <a:srgbClr val="566BFF"/>
-          </a:solidFill>
-          <a:ln>
-            <a:noFill/>
-          </a:ln>
-          <a:effectLst>
-            <a:outerShdw blurRad="127000" dist="127000" dir="16200000" rotWithShape="0">
-              <a:srgbClr val="566BFF">
-                <a:alpha val="40000"/>
-              </a:srgbClr>
-            </a:outerShdw>
-          </a:effectLst>
-        </p:spPr>
-        <p:style>
-          <a:lnRef idx="2">
-            <a:schemeClr val="accent1">
-              <a:shade val="50000"/>
-            </a:schemeClr>
-          </a:lnRef>
-          <a:fillRef idx="1">
-            <a:schemeClr val="accent1"/>
-          </a:fillRef>
-          <a:effectRef idx="0">
-            <a:schemeClr val="accent1"/>
-          </a:effectRef>
-          <a:fontRef idx="minor">
-            <a:schemeClr val="lt1"/>
-          </a:fontRef>
-        </p:style>
-        <p:txBody>
-          <a:bodyPr rtlCol="0" anchor="ctr"/>
-          <a:lstStyle/>
-          <a:p>
-            <a:pPr algn="ctr"/>
-            <a:endParaRPr lang="en-US"/>
-          </a:p>
-        </p:txBody>
-      </p:sp>
-      <p:sp>
-        <p:nvSpPr>
-          <p:cNvPr id="5" name="TextBox 4">
-            <a:extLst>
-              <a:ext uri="{FF2B5EF4-FFF2-40B4-BE49-F238E27FC236}">
-                <a16:creationId xmlns:a16="http://schemas.microsoft.com/office/drawing/2014/main" id="{820468DA-D720-42AD-ACF8-5BDE8EB68F9C}"/>
-              </a:ext>
-            </a:extLst>
-          </p:cNvPr>
-          <p:cNvSpPr txBox="1"/>
-          <p:nvPr/>
-        </p:nvSpPr>
-        <p:spPr>
-          <a:xfrm>
-            <a:off x="393405" y="300412"/>
-            <a:ext cx="5422604" cy="707886"/>
-          </a:xfrm>
-          <a:prstGeom prst="rect">
-            <a:avLst/>
-          </a:prstGeom>
-          <a:noFill/>
-        </p:spPr>
-        <p:txBody>
-          <a:bodyPr wrap="square" rtlCol="0">
-            <a:spAutoFit/>
-          </a:bodyPr>
-          <a:lstStyle/>
-          <a:p>
-            <a:r>
-              <a:rPr lang="en-US" sz="4000" dirty="0">
-                <a:solidFill>
-                  <a:srgbClr val="082032"/>
-                </a:solidFill>
-                <a:latin typeface="Impact" panose="020B0806030902050204" pitchFamily="34" charset="0"/>
-              </a:rPr>
-              <a:t>Introduction</a:t>
-            </a:r>
-          </a:p>
-        </p:txBody>
-      </p:sp>
-      <p:sp>
-        <p:nvSpPr>
-          <p:cNvPr id="10" name="TextBox 9">
-            <a:extLst>
-              <a:ext uri="{FF2B5EF4-FFF2-40B4-BE49-F238E27FC236}">
-                <a16:creationId xmlns:a16="http://schemas.microsoft.com/office/drawing/2014/main" id="{64DFD9E9-BB31-4BFD-AD6C-E67F646F3C50}"/>
-              </a:ext>
-            </a:extLst>
-          </p:cNvPr>
-          <p:cNvSpPr txBox="1"/>
-          <p:nvPr/>
-        </p:nvSpPr>
-        <p:spPr>
-          <a:xfrm>
-            <a:off x="393405" y="1609674"/>
-            <a:ext cx="9121788" cy="3416320"/>
-          </a:xfrm>
-          <a:prstGeom prst="rect">
-            <a:avLst/>
-          </a:prstGeom>
-          <a:noFill/>
-        </p:spPr>
-        <p:txBody>
-          <a:bodyPr wrap="square" rtlCol="0">
-            <a:spAutoFit/>
-          </a:bodyPr>
-          <a:lstStyle/>
-          <a:p>
-            <a:pPr marL="342900" indent="-342900">
-              <a:buFont typeface="Arial" panose="020B0604020202020204" pitchFamily="34" charset="0"/>
-              <a:buChar char="•"/>
-            </a:pPr>
-            <a:r>
-              <a:rPr lang="en-US" sz="2400" b="0" i="0" dirty="0">
-                <a:solidFill>
-                  <a:srgbClr val="082032"/>
-                </a:solidFill>
-                <a:effectLst/>
-                <a:latin typeface="Rubik" pitchFamily="2" charset="-79"/>
-                <a:cs typeface="Rubik" pitchFamily="2" charset="-79"/>
-              </a:rPr>
-              <a:t>Fake news exist way before from social media but it multifold when social media was introduced.</a:t>
-            </a:r>
-          </a:p>
-          <a:p>
-            <a:pPr marL="342900" indent="-342900">
-              <a:buFont typeface="Arial" panose="020B0604020202020204" pitchFamily="34" charset="0"/>
-              <a:buChar char="•"/>
-            </a:pPr>
-            <a:endParaRPr lang="en-US" sz="2400" b="0" i="0" dirty="0">
-              <a:solidFill>
-                <a:srgbClr val="082032"/>
-              </a:solidFill>
-              <a:effectLst/>
-              <a:latin typeface="Rubik" pitchFamily="2" charset="-79"/>
-              <a:cs typeface="Rubik" pitchFamily="2" charset="-79"/>
-            </a:endParaRPr>
-          </a:p>
-          <a:p>
-            <a:pPr marL="342900" indent="-342900">
-              <a:buFont typeface="Arial" panose="020B0604020202020204" pitchFamily="34" charset="0"/>
-              <a:buChar char="•"/>
-            </a:pPr>
-            <a:r>
-              <a:rPr lang="en-US" sz="2400" b="0" i="0" dirty="0">
-                <a:solidFill>
-                  <a:srgbClr val="082032"/>
-                </a:solidFill>
-                <a:effectLst/>
-                <a:latin typeface="Rubik" pitchFamily="2" charset="-79"/>
-                <a:cs typeface="Rubik" pitchFamily="2" charset="-79"/>
-              </a:rPr>
-              <a:t>Fake news is a news designed to deliberately spread hoaxes, propaganda and misinformation</a:t>
-            </a:r>
-          </a:p>
-          <a:p>
-            <a:endParaRPr lang="en-US" sz="2400" b="0" i="0" dirty="0">
-              <a:solidFill>
-                <a:srgbClr val="082032"/>
-              </a:solidFill>
-              <a:effectLst/>
-              <a:latin typeface="Rubik" pitchFamily="2" charset="-79"/>
-              <a:cs typeface="Rubik" pitchFamily="2" charset="-79"/>
-            </a:endParaRPr>
-          </a:p>
-          <a:p>
-            <a:pPr marL="342900" indent="-342900">
-              <a:buFont typeface="Arial" panose="020B0604020202020204" pitchFamily="34" charset="0"/>
-              <a:buChar char="•"/>
-            </a:pPr>
-            <a:r>
-              <a:rPr lang="en-US" sz="2400" b="0" i="0" dirty="0">
-                <a:solidFill>
-                  <a:srgbClr val="082032"/>
-                </a:solidFill>
-                <a:effectLst/>
-                <a:latin typeface="Rubik" pitchFamily="2" charset="-79"/>
-                <a:cs typeface="Rubik" pitchFamily="2" charset="-79"/>
-              </a:rPr>
-              <a:t>Fake News stories usually spread through social media sites like Facebook, Twitter etc. </a:t>
-            </a:r>
-          </a:p>
-          <a:p>
-            <a:endParaRPr lang="en-US" sz="2400" b="0" i="0" dirty="0">
-              <a:solidFill>
-                <a:srgbClr val="082032"/>
-              </a:solidFill>
-              <a:effectLst/>
-              <a:latin typeface="Rubik" pitchFamily="2" charset="-79"/>
-              <a:cs typeface="Rubik" pitchFamily="2" charset="-79"/>
-            </a:endParaRPr>
-          </a:p>
-        </p:txBody>
-      </p:sp>
-    </p:spTree>
-    <p:extLst>
-      <p:ext uri="{BB962C8B-B14F-4D97-AF65-F5344CB8AC3E}">
-        <p14:creationId xmlns:p14="http://schemas.microsoft.com/office/powerpoint/2010/main" val="1989940803"/>
-      </p:ext>
-    </p:extLst>
-  </p:cSld>
-  <p:clrMapOvr>
-    <a:masterClrMapping/>
-  </p:clrMapOvr>
-</p:sld>
-</file>
-
-<file path=ppt/slides/slide4.xml><?xml version="1.0" encoding="utf-8"?>
-<p:sld xmlns:a="http://schemas.openxmlformats.org/drawingml/2006/main" xmlns:r="http://schemas.openxmlformats.org/officeDocument/2006/relationships" xmlns:p="http://schemas.openxmlformats.org/presentationml/2006/main">
-  <p:cSld>
-    <p:spTree>
-      <p:nvGrpSpPr>
-        <p:cNvPr id="1" name=""/>
-        <p:cNvGrpSpPr/>
-        <p:nvPr/>
-      </p:nvGrpSpPr>
-      <p:grpSpPr>
-        <a:xfrm>
-          <a:off x="0" y="0"/>
-          <a:ext cx="0" cy="0"/>
-          <a:chOff x="0" y="0"/>
-          <a:chExt cx="0" cy="0"/>
-        </a:xfrm>
-      </p:grpSpPr>
-      <p:sp>
-        <p:nvSpPr>
-          <p:cNvPr id="24" name="Rectangle 23">
-            <a:extLst>
-              <a:ext uri="{FF2B5EF4-FFF2-40B4-BE49-F238E27FC236}">
-                <a16:creationId xmlns:a16="http://schemas.microsoft.com/office/drawing/2014/main" id="{B2621BA0-A914-4EE0-BC31-A5B736B6C516}"/>
-              </a:ext>
-            </a:extLst>
-          </p:cNvPr>
-          <p:cNvSpPr/>
-          <p:nvPr/>
-        </p:nvSpPr>
-        <p:spPr>
-          <a:xfrm>
-            <a:off x="0" y="0"/>
-            <a:ext cx="12192000" cy="6858000"/>
-          </a:xfrm>
-          <a:prstGeom prst="rect">
-            <a:avLst/>
-          </a:prstGeom>
-          <a:solidFill>
-            <a:srgbClr val="F7F7F7"/>
-          </a:solidFill>
-          <a:ln>
-            <a:noFill/>
-          </a:ln>
-        </p:spPr>
-        <p:style>
-          <a:lnRef idx="2">
-            <a:schemeClr val="accent1">
-              <a:shade val="50000"/>
-            </a:schemeClr>
-          </a:lnRef>
-          <a:fillRef idx="1">
-            <a:schemeClr val="accent1"/>
-          </a:fillRef>
-          <a:effectRef idx="0">
-            <a:schemeClr val="accent1"/>
-          </a:effectRef>
-          <a:fontRef idx="minor">
-            <a:schemeClr val="lt1"/>
-          </a:fontRef>
-        </p:style>
-        <p:txBody>
-          <a:bodyPr rtlCol="0" anchor="ctr"/>
-          <a:lstStyle/>
-          <a:p>
-            <a:pPr algn="ctr"/>
-            <a:endParaRPr lang="en-US" dirty="0"/>
-          </a:p>
-        </p:txBody>
-      </p:sp>
-      <p:sp>
-        <p:nvSpPr>
-          <p:cNvPr id="3" name="Rectangle 2">
-            <a:extLst>
-              <a:ext uri="{FF2B5EF4-FFF2-40B4-BE49-F238E27FC236}">
-                <a16:creationId xmlns:a16="http://schemas.microsoft.com/office/drawing/2014/main" id="{C86E0A64-6FF2-4426-BCFB-AB4810DB5E5E}"/>
-              </a:ext>
-            </a:extLst>
-          </p:cNvPr>
-          <p:cNvSpPr/>
-          <p:nvPr/>
-        </p:nvSpPr>
-        <p:spPr>
-          <a:xfrm>
-            <a:off x="0" y="6635668"/>
-            <a:ext cx="12192000" cy="222331"/>
-          </a:xfrm>
-          <a:prstGeom prst="rect">
-            <a:avLst/>
-          </a:prstGeom>
-          <a:solidFill>
-            <a:srgbClr val="566BFF"/>
-          </a:solidFill>
-          <a:ln>
-            <a:noFill/>
-          </a:ln>
-          <a:effectLst>
-            <a:outerShdw blurRad="127000" dist="127000" dir="16200000" rotWithShape="0">
-              <a:srgbClr val="566BFF">
-                <a:alpha val="40000"/>
-              </a:srgbClr>
-            </a:outerShdw>
-          </a:effectLst>
-        </p:spPr>
-        <p:style>
-          <a:lnRef idx="2">
-            <a:schemeClr val="accent1">
-              <a:shade val="50000"/>
-            </a:schemeClr>
-          </a:lnRef>
-          <a:fillRef idx="1">
-            <a:schemeClr val="accent1"/>
-          </a:fillRef>
-          <a:effectRef idx="0">
-            <a:schemeClr val="accent1"/>
-          </a:effectRef>
-          <a:fontRef idx="minor">
-            <a:schemeClr val="lt1"/>
-          </a:fontRef>
-        </p:style>
-        <p:txBody>
-          <a:bodyPr rtlCol="0" anchor="ctr"/>
-          <a:lstStyle/>
-          <a:p>
-            <a:pPr algn="ctr"/>
-            <a:endParaRPr lang="en-US"/>
-          </a:p>
-        </p:txBody>
-      </p:sp>
-      <p:sp>
-        <p:nvSpPr>
-          <p:cNvPr id="5" name="TextBox 4">
-            <a:extLst>
-              <a:ext uri="{FF2B5EF4-FFF2-40B4-BE49-F238E27FC236}">
-                <a16:creationId xmlns:a16="http://schemas.microsoft.com/office/drawing/2014/main" id="{820468DA-D720-42AD-ACF8-5BDE8EB68F9C}"/>
-              </a:ext>
-            </a:extLst>
-          </p:cNvPr>
-          <p:cNvSpPr txBox="1"/>
-          <p:nvPr/>
-        </p:nvSpPr>
-        <p:spPr>
-          <a:xfrm>
-            <a:off x="393405" y="300412"/>
-            <a:ext cx="5422604" cy="707886"/>
-          </a:xfrm>
-          <a:prstGeom prst="rect">
-            <a:avLst/>
-          </a:prstGeom>
-          <a:noFill/>
-        </p:spPr>
-        <p:txBody>
-          <a:bodyPr wrap="square" rtlCol="0">
-            <a:spAutoFit/>
-          </a:bodyPr>
-          <a:lstStyle/>
-          <a:p>
-            <a:r>
-              <a:rPr lang="en-US" sz="4000" dirty="0">
-                <a:solidFill>
-                  <a:srgbClr val="082032"/>
-                </a:solidFill>
-                <a:latin typeface="Impact" panose="020B0806030902050204" pitchFamily="34" charset="0"/>
-              </a:rPr>
-              <a:t>Problem Statement</a:t>
-            </a:r>
-          </a:p>
-        </p:txBody>
-      </p:sp>
-      <p:sp>
-        <p:nvSpPr>
-          <p:cNvPr id="10" name="TextBox 9">
-            <a:extLst>
-              <a:ext uri="{FF2B5EF4-FFF2-40B4-BE49-F238E27FC236}">
-                <a16:creationId xmlns:a16="http://schemas.microsoft.com/office/drawing/2014/main" id="{64DFD9E9-BB31-4BFD-AD6C-E67F646F3C50}"/>
-              </a:ext>
-            </a:extLst>
-          </p:cNvPr>
-          <p:cNvSpPr txBox="1"/>
-          <p:nvPr/>
-        </p:nvSpPr>
-        <p:spPr>
-          <a:xfrm>
-            <a:off x="393405" y="1609674"/>
-            <a:ext cx="9121788" cy="3785652"/>
-          </a:xfrm>
-          <a:prstGeom prst="rect">
-            <a:avLst/>
-          </a:prstGeom>
-          <a:noFill/>
-        </p:spPr>
-        <p:txBody>
-          <a:bodyPr wrap="square" rtlCol="0">
-            <a:spAutoFit/>
-          </a:bodyPr>
-          <a:lstStyle/>
-          <a:p>
-            <a:pPr marL="457200" indent="-457200">
-              <a:buFont typeface="Arial" panose="020B0604020202020204" pitchFamily="34" charset="0"/>
-              <a:buChar char="•"/>
-            </a:pPr>
-            <a:r>
-              <a:rPr lang="en-US" sz="2400" dirty="0">
-                <a:solidFill>
-                  <a:srgbClr val="082032"/>
-                </a:solidFill>
-                <a:cs typeface="Rubik" pitchFamily="2" charset="-79"/>
-              </a:rPr>
-              <a:t>By clicking on a clickbait, users are led to app page that contains false information.</a:t>
-            </a:r>
-          </a:p>
-          <a:p>
-            <a:endParaRPr lang="en-US" sz="2400" dirty="0">
-              <a:solidFill>
-                <a:srgbClr val="082032"/>
-              </a:solidFill>
-              <a:cs typeface="Rubik" pitchFamily="2" charset="-79"/>
-            </a:endParaRPr>
-          </a:p>
-          <a:p>
-            <a:pPr marL="457200" indent="-457200">
-              <a:buFont typeface="Arial" panose="020B0604020202020204" pitchFamily="34" charset="0"/>
-              <a:buChar char="•"/>
-            </a:pPr>
-            <a:r>
-              <a:rPr lang="en-US" sz="2400" dirty="0">
-                <a:solidFill>
-                  <a:srgbClr val="082032"/>
-                </a:solidFill>
-                <a:cs typeface="Rubik" pitchFamily="2" charset="-79"/>
-              </a:rPr>
-              <a:t>Fake news influences people’s perceptions</a:t>
-            </a:r>
-          </a:p>
-          <a:p>
-            <a:pPr marL="457200" indent="-457200">
-              <a:buFont typeface="Arial" panose="020B0604020202020204" pitchFamily="34" charset="0"/>
-              <a:buChar char="•"/>
-            </a:pPr>
-            <a:endParaRPr lang="en-US" sz="2400" dirty="0">
-              <a:solidFill>
-                <a:srgbClr val="082032"/>
-              </a:solidFill>
-              <a:cs typeface="Rubik" pitchFamily="2" charset="-79"/>
-            </a:endParaRPr>
-          </a:p>
-          <a:p>
-            <a:pPr marL="457200" indent="-457200">
-              <a:buFont typeface="Arial" panose="020B0604020202020204" pitchFamily="34" charset="0"/>
-              <a:buChar char="•"/>
-            </a:pPr>
-            <a:r>
-              <a:rPr lang="en-US" sz="2400" dirty="0">
-                <a:solidFill>
-                  <a:srgbClr val="082032"/>
-                </a:solidFill>
-                <a:cs typeface="Rubik" pitchFamily="2" charset="-79"/>
-              </a:rPr>
-              <a:t>The rise of Fake news has become a global problem that even major tech companies like Facebook and  Google are struggling to solve.  It can be difficult to determine whether a text is factual without       additional context and human judgement.</a:t>
-            </a:r>
-            <a:endParaRPr lang="en-IN" sz="2400" dirty="0">
-              <a:solidFill>
-                <a:srgbClr val="082032"/>
-              </a:solidFill>
-              <a:cs typeface="Rubik" pitchFamily="2" charset="-79"/>
-            </a:endParaRPr>
-          </a:p>
-          <a:p>
-            <a:endParaRPr lang="en-US" sz="2400" b="0" i="0" dirty="0">
-              <a:solidFill>
-                <a:srgbClr val="082032"/>
-              </a:solidFill>
-              <a:effectLst/>
-              <a:latin typeface="Rubik" pitchFamily="2" charset="-79"/>
-              <a:cs typeface="Rubik" pitchFamily="2" charset="-79"/>
-            </a:endParaRPr>
-          </a:p>
-        </p:txBody>
-      </p:sp>
-    </p:spTree>
-    <p:extLst>
-      <p:ext uri="{BB962C8B-B14F-4D97-AF65-F5344CB8AC3E}">
-        <p14:creationId xmlns:p14="http://schemas.microsoft.com/office/powerpoint/2010/main" val="3594266023"/>
-      </p:ext>
-    </p:extLst>
-  </p:cSld>
-  <p:clrMapOvr>
-    <a:masterClrMapping/>
-  </p:clrMapOvr>
-</p:sld>
-</file>
-
-<file path=ppt/slides/slide5.xml><?xml version="1.0" encoding="utf-8"?>
-<p:sld xmlns:a="http://schemas.openxmlformats.org/drawingml/2006/main" xmlns:r="http://schemas.openxmlformats.org/officeDocument/2006/relationships" xmlns:p="http://schemas.openxmlformats.org/presentationml/2006/main">
-  <p:cSld>
-    <p:spTree>
-      <p:nvGrpSpPr>
-        <p:cNvPr id="1" name=""/>
-        <p:cNvGrpSpPr/>
-        <p:nvPr/>
-      </p:nvGrpSpPr>
-      <p:grpSpPr>
-        <a:xfrm>
-          <a:off x="0" y="0"/>
-          <a:ext cx="0" cy="0"/>
-          <a:chOff x="0" y="0"/>
-          <a:chExt cx="0" cy="0"/>
-        </a:xfrm>
-      </p:grpSpPr>
-      <p:sp>
-        <p:nvSpPr>
-          <p:cNvPr id="24" name="Rectangle 23">
-            <a:extLst>
-              <a:ext uri="{FF2B5EF4-FFF2-40B4-BE49-F238E27FC236}">
-                <a16:creationId xmlns:a16="http://schemas.microsoft.com/office/drawing/2014/main" id="{B2621BA0-A914-4EE0-BC31-A5B736B6C516}"/>
-              </a:ext>
-            </a:extLst>
-          </p:cNvPr>
-          <p:cNvSpPr/>
-          <p:nvPr/>
-        </p:nvSpPr>
-        <p:spPr>
-          <a:xfrm>
-            <a:off x="0" y="0"/>
-            <a:ext cx="12192000" cy="6858000"/>
-          </a:xfrm>
-          <a:prstGeom prst="rect">
-            <a:avLst/>
-          </a:prstGeom>
-          <a:solidFill>
-            <a:srgbClr val="F7F7F7"/>
-          </a:solidFill>
-          <a:ln>
-            <a:noFill/>
-          </a:ln>
-        </p:spPr>
-        <p:style>
-          <a:lnRef idx="2">
-            <a:schemeClr val="accent1">
-              <a:shade val="50000"/>
-            </a:schemeClr>
-          </a:lnRef>
-          <a:fillRef idx="1">
-            <a:schemeClr val="accent1"/>
-          </a:fillRef>
-          <a:effectRef idx="0">
-            <a:schemeClr val="accent1"/>
-          </a:effectRef>
-          <a:fontRef idx="minor">
-            <a:schemeClr val="lt1"/>
-          </a:fontRef>
-        </p:style>
-        <p:txBody>
-          <a:bodyPr rtlCol="0" anchor="ctr"/>
-          <a:lstStyle/>
-          <a:p>
-            <a:pPr algn="ctr"/>
-            <a:endParaRPr lang="en-US" dirty="0"/>
-          </a:p>
-        </p:txBody>
-      </p:sp>
-      <p:sp>
-        <p:nvSpPr>
-          <p:cNvPr id="3" name="Rectangle 2">
-            <a:extLst>
-              <a:ext uri="{FF2B5EF4-FFF2-40B4-BE49-F238E27FC236}">
-                <a16:creationId xmlns:a16="http://schemas.microsoft.com/office/drawing/2014/main" id="{C86E0A64-6FF2-4426-BCFB-AB4810DB5E5E}"/>
-              </a:ext>
-            </a:extLst>
-          </p:cNvPr>
-          <p:cNvSpPr/>
-          <p:nvPr/>
-        </p:nvSpPr>
-        <p:spPr>
-          <a:xfrm>
-            <a:off x="0" y="6635668"/>
-            <a:ext cx="12192000" cy="222331"/>
-          </a:xfrm>
-          <a:prstGeom prst="rect">
-            <a:avLst/>
-          </a:prstGeom>
-          <a:solidFill>
-            <a:srgbClr val="566BFF"/>
-          </a:solidFill>
-          <a:ln>
-            <a:noFill/>
-          </a:ln>
-          <a:effectLst>
-            <a:outerShdw blurRad="127000" dist="127000" dir="16200000" rotWithShape="0">
-              <a:srgbClr val="566BFF">
-                <a:alpha val="40000"/>
-              </a:srgbClr>
-            </a:outerShdw>
-          </a:effectLst>
-        </p:spPr>
-        <p:style>
-          <a:lnRef idx="2">
-            <a:schemeClr val="accent1">
-              <a:shade val="50000"/>
-            </a:schemeClr>
-          </a:lnRef>
-          <a:fillRef idx="1">
-            <a:schemeClr val="accent1"/>
-          </a:fillRef>
-          <a:effectRef idx="0">
-            <a:schemeClr val="accent1"/>
-          </a:effectRef>
-          <a:fontRef idx="minor">
-            <a:schemeClr val="lt1"/>
-          </a:fontRef>
-        </p:style>
-        <p:txBody>
-          <a:bodyPr rtlCol="0" anchor="ctr"/>
-          <a:lstStyle/>
-          <a:p>
-            <a:pPr algn="ctr"/>
-            <a:endParaRPr lang="en-US"/>
-          </a:p>
-        </p:txBody>
-      </p:sp>
-      <p:sp>
-        <p:nvSpPr>
-          <p:cNvPr id="5" name="TextBox 4">
-            <a:extLst>
-              <a:ext uri="{FF2B5EF4-FFF2-40B4-BE49-F238E27FC236}">
-                <a16:creationId xmlns:a16="http://schemas.microsoft.com/office/drawing/2014/main" id="{820468DA-D720-42AD-ACF8-5BDE8EB68F9C}"/>
-              </a:ext>
-            </a:extLst>
-          </p:cNvPr>
-          <p:cNvSpPr txBox="1"/>
-          <p:nvPr/>
-        </p:nvSpPr>
-        <p:spPr>
-          <a:xfrm>
-            <a:off x="393405" y="300412"/>
-            <a:ext cx="5422604" cy="707886"/>
-          </a:xfrm>
-          <a:prstGeom prst="rect">
-            <a:avLst/>
-          </a:prstGeom>
-          <a:noFill/>
-        </p:spPr>
-        <p:txBody>
-          <a:bodyPr wrap="square" rtlCol="0">
-            <a:spAutoFit/>
-          </a:bodyPr>
-          <a:lstStyle/>
-          <a:p>
-            <a:r>
-              <a:rPr lang="en-US" sz="4000" dirty="0">
-                <a:solidFill>
-                  <a:srgbClr val="082032"/>
-                </a:solidFill>
-                <a:latin typeface="Impact" panose="020B0806030902050204" pitchFamily="34" charset="0"/>
-              </a:rPr>
-              <a:t>Purpose</a:t>
-            </a:r>
-          </a:p>
-        </p:txBody>
-      </p:sp>
-      <p:sp>
-        <p:nvSpPr>
-          <p:cNvPr id="10" name="TextBox 9">
-            <a:extLst>
-              <a:ext uri="{FF2B5EF4-FFF2-40B4-BE49-F238E27FC236}">
-                <a16:creationId xmlns:a16="http://schemas.microsoft.com/office/drawing/2014/main" id="{64DFD9E9-BB31-4BFD-AD6C-E67F646F3C50}"/>
-              </a:ext>
-            </a:extLst>
-          </p:cNvPr>
-          <p:cNvSpPr txBox="1"/>
-          <p:nvPr/>
-        </p:nvSpPr>
-        <p:spPr>
-          <a:xfrm>
-            <a:off x="393405" y="1609674"/>
-            <a:ext cx="9121788" cy="3416320"/>
-          </a:xfrm>
-          <a:prstGeom prst="rect">
-            <a:avLst/>
-          </a:prstGeom>
-          <a:noFill/>
-        </p:spPr>
-        <p:txBody>
-          <a:bodyPr wrap="square" rtlCol="0">
-            <a:spAutoFit/>
-          </a:bodyPr>
-          <a:lstStyle/>
-          <a:p>
-            <a:pPr marL="457200" indent="-457200">
-              <a:buFont typeface="Arial" panose="020B0604020202020204" pitchFamily="34" charset="0"/>
-              <a:buChar char="•"/>
-            </a:pPr>
-            <a:r>
-              <a:rPr lang="en-US" sz="2400" dirty="0">
-                <a:solidFill>
-                  <a:srgbClr val="082032"/>
-                </a:solidFill>
-                <a:cs typeface="Rubik" pitchFamily="2" charset="-79"/>
-              </a:rPr>
-              <a:t>This project aims to develop a method for detecting and classifying fake news stories using Natural Language Processing.</a:t>
-            </a:r>
-          </a:p>
-          <a:p>
-            <a:pPr marL="457200" indent="-457200">
-              <a:buFont typeface="Arial" panose="020B0604020202020204" pitchFamily="34" charset="0"/>
-              <a:buChar char="•"/>
-            </a:pPr>
-            <a:endParaRPr lang="en-US" sz="2400" dirty="0">
-              <a:solidFill>
-                <a:srgbClr val="082032"/>
-              </a:solidFill>
-              <a:cs typeface="Rubik" pitchFamily="2" charset="-79"/>
-            </a:endParaRPr>
-          </a:p>
-          <a:p>
-            <a:pPr marL="457200" indent="-457200">
-              <a:buFont typeface="Arial" panose="020B0604020202020204" pitchFamily="34" charset="0"/>
-              <a:buChar char="•"/>
-            </a:pPr>
-            <a:r>
-              <a:rPr lang="en-US" sz="2400" dirty="0">
-                <a:solidFill>
-                  <a:srgbClr val="082032"/>
-                </a:solidFill>
-                <a:cs typeface="Rubik" pitchFamily="2" charset="-79"/>
-              </a:rPr>
-              <a:t>The main goal is to identify fake news, which is a classic text classification issue.</a:t>
-            </a:r>
-          </a:p>
-          <a:p>
-            <a:pPr marL="457200" indent="-457200">
-              <a:buFont typeface="Arial" panose="020B0604020202020204" pitchFamily="34" charset="0"/>
-              <a:buChar char="•"/>
-            </a:pPr>
-            <a:endParaRPr lang="en-US" sz="2400" dirty="0">
-              <a:solidFill>
-                <a:srgbClr val="082032"/>
-              </a:solidFill>
-              <a:cs typeface="Rubik" pitchFamily="2" charset="-79"/>
-            </a:endParaRPr>
-          </a:p>
-          <a:p>
-            <a:pPr marL="457200" indent="-457200">
-              <a:buFont typeface="Arial" panose="020B0604020202020204" pitchFamily="34" charset="0"/>
-              <a:buChar char="•"/>
-            </a:pPr>
-            <a:r>
-              <a:rPr lang="en-US" sz="2400" dirty="0">
-                <a:solidFill>
-                  <a:srgbClr val="082032"/>
-                </a:solidFill>
-                <a:cs typeface="Rubik" pitchFamily="2" charset="-79"/>
-              </a:rPr>
-              <a:t>Our goal is to develop a model that classifies a given news article as either fake or true.</a:t>
-            </a:r>
-          </a:p>
-          <a:p>
-            <a:endParaRPr lang="en-US" sz="2400" b="0" i="0" dirty="0">
-              <a:solidFill>
-                <a:srgbClr val="082032"/>
-              </a:solidFill>
-              <a:effectLst/>
-              <a:latin typeface="Rubik" pitchFamily="2" charset="-79"/>
-              <a:cs typeface="Rubik" pitchFamily="2" charset="-79"/>
-            </a:endParaRPr>
-          </a:p>
-        </p:txBody>
-      </p:sp>
-    </p:spTree>
-    <p:extLst>
-      <p:ext uri="{BB962C8B-B14F-4D97-AF65-F5344CB8AC3E}">
-        <p14:creationId xmlns:p14="http://schemas.microsoft.com/office/powerpoint/2010/main" val="1138927287"/>
-      </p:ext>
-    </p:extLst>
-  </p:cSld>
-  <p:clrMapOvr>
-    <a:masterClrMapping/>
-  </p:clrMapOvr>
-</p:sld>
-</file>
-
-<file path=ppt/slides/slide6.xml><?xml version="1.0" encoding="utf-8"?>
-<p:sld xmlns:a="http://schemas.openxmlformats.org/drawingml/2006/main" xmlns:r="http://schemas.openxmlformats.org/officeDocument/2006/relationships" xmlns:p="http://schemas.openxmlformats.org/presentationml/2006/main">
-  <p:cSld>
-    <p:spTree>
-      <p:nvGrpSpPr>
-        <p:cNvPr id="1" name=""/>
-        <p:cNvGrpSpPr/>
-        <p:nvPr/>
-      </p:nvGrpSpPr>
-      <p:grpSpPr>
-        <a:xfrm>
-          <a:off x="0" y="0"/>
-          <a:ext cx="0" cy="0"/>
-          <a:chOff x="0" y="0"/>
-          <a:chExt cx="0" cy="0"/>
-        </a:xfrm>
-      </p:grpSpPr>
-      <p:sp>
-        <p:nvSpPr>
-          <p:cNvPr id="24" name="Rectangle 23">
-            <a:extLst>
-              <a:ext uri="{FF2B5EF4-FFF2-40B4-BE49-F238E27FC236}">
-                <a16:creationId xmlns:a16="http://schemas.microsoft.com/office/drawing/2014/main" id="{B2621BA0-A914-4EE0-BC31-A5B736B6C516}"/>
-              </a:ext>
-            </a:extLst>
-          </p:cNvPr>
-          <p:cNvSpPr/>
-          <p:nvPr/>
-        </p:nvSpPr>
-        <p:spPr>
-          <a:xfrm>
-            <a:off x="0" y="0"/>
-            <a:ext cx="12192000" cy="6858000"/>
-          </a:xfrm>
-          <a:prstGeom prst="rect">
-            <a:avLst/>
-          </a:prstGeom>
-          <a:solidFill>
-            <a:srgbClr val="F7F7F7"/>
-          </a:solidFill>
-          <a:ln>
-            <a:noFill/>
-          </a:ln>
-        </p:spPr>
-        <p:style>
-          <a:lnRef idx="2">
-            <a:schemeClr val="accent1">
-              <a:shade val="50000"/>
-            </a:schemeClr>
-          </a:lnRef>
-          <a:fillRef idx="1">
-            <a:schemeClr val="accent1"/>
-          </a:fillRef>
-          <a:effectRef idx="0">
-            <a:schemeClr val="accent1"/>
-          </a:effectRef>
-          <a:fontRef idx="minor">
-            <a:schemeClr val="lt1"/>
-          </a:fontRef>
-        </p:style>
-        <p:txBody>
-          <a:bodyPr rtlCol="0" anchor="ctr"/>
-          <a:lstStyle/>
-          <a:p>
-            <a:pPr algn="ctr"/>
-            <a:endParaRPr lang="en-US" dirty="0"/>
-          </a:p>
-        </p:txBody>
-      </p:sp>
-      <p:sp>
-        <p:nvSpPr>
-          <p:cNvPr id="3" name="Rectangle 2">
-            <a:extLst>
-              <a:ext uri="{FF2B5EF4-FFF2-40B4-BE49-F238E27FC236}">
-                <a16:creationId xmlns:a16="http://schemas.microsoft.com/office/drawing/2014/main" id="{C86E0A64-6FF2-4426-BCFB-AB4810DB5E5E}"/>
-              </a:ext>
-            </a:extLst>
-          </p:cNvPr>
-          <p:cNvSpPr/>
-          <p:nvPr/>
-        </p:nvSpPr>
-        <p:spPr>
-          <a:xfrm>
-            <a:off x="0" y="6635668"/>
-            <a:ext cx="12192000" cy="222331"/>
-          </a:xfrm>
-          <a:prstGeom prst="rect">
-            <a:avLst/>
-          </a:prstGeom>
-          <a:solidFill>
-            <a:srgbClr val="566BFF"/>
-          </a:solidFill>
-          <a:ln>
-            <a:noFill/>
-          </a:ln>
-          <a:effectLst>
-            <a:outerShdw blurRad="127000" dist="127000" dir="16200000" rotWithShape="0">
-              <a:srgbClr val="566BFF">
-                <a:alpha val="40000"/>
-              </a:srgbClr>
-            </a:outerShdw>
-          </a:effectLst>
-        </p:spPr>
-        <p:style>
-          <a:lnRef idx="2">
-            <a:schemeClr val="accent1">
-              <a:shade val="50000"/>
-            </a:schemeClr>
-          </a:lnRef>
-          <a:fillRef idx="1">
-            <a:schemeClr val="accent1"/>
-          </a:fillRef>
-          <a:effectRef idx="0">
-            <a:schemeClr val="accent1"/>
-          </a:effectRef>
-          <a:fontRef idx="minor">
-            <a:schemeClr val="lt1"/>
-          </a:fontRef>
-        </p:style>
-        <p:txBody>
-          <a:bodyPr rtlCol="0" anchor="ctr"/>
-          <a:lstStyle/>
-          <a:p>
-            <a:pPr algn="ctr"/>
-            <a:endParaRPr lang="en-US"/>
-          </a:p>
-        </p:txBody>
-      </p:sp>
-      <p:sp>
-        <p:nvSpPr>
-          <p:cNvPr id="5" name="TextBox 4">
-            <a:extLst>
-              <a:ext uri="{FF2B5EF4-FFF2-40B4-BE49-F238E27FC236}">
-                <a16:creationId xmlns:a16="http://schemas.microsoft.com/office/drawing/2014/main" id="{820468DA-D720-42AD-ACF8-5BDE8EB68F9C}"/>
-              </a:ext>
-            </a:extLst>
-          </p:cNvPr>
-          <p:cNvSpPr txBox="1"/>
-          <p:nvPr/>
-        </p:nvSpPr>
-        <p:spPr>
-          <a:xfrm>
-            <a:off x="393405" y="413955"/>
-            <a:ext cx="5422604" cy="707886"/>
-          </a:xfrm>
-          <a:prstGeom prst="rect">
-            <a:avLst/>
-          </a:prstGeom>
-          <a:noFill/>
-        </p:spPr>
-        <p:txBody>
-          <a:bodyPr wrap="square" rtlCol="0">
-            <a:spAutoFit/>
-          </a:bodyPr>
-          <a:lstStyle/>
-          <a:p>
-            <a:r>
-              <a:rPr lang="en-US" sz="4000" dirty="0">
-                <a:solidFill>
-                  <a:srgbClr val="082032"/>
-                </a:solidFill>
-                <a:latin typeface="Impact" panose="020B0806030902050204" pitchFamily="34" charset="0"/>
-              </a:rPr>
-              <a:t>Workflow</a:t>
-            </a:r>
-          </a:p>
-        </p:txBody>
-      </p:sp>
-      <p:sp>
-        <p:nvSpPr>
-          <p:cNvPr id="10" name="TextBox 9">
-            <a:extLst>
-              <a:ext uri="{FF2B5EF4-FFF2-40B4-BE49-F238E27FC236}">
-                <a16:creationId xmlns:a16="http://schemas.microsoft.com/office/drawing/2014/main" id="{64DFD9E9-BB31-4BFD-AD6C-E67F646F3C50}"/>
-              </a:ext>
-            </a:extLst>
-          </p:cNvPr>
-          <p:cNvSpPr txBox="1"/>
-          <p:nvPr/>
-        </p:nvSpPr>
-        <p:spPr>
-          <a:xfrm>
-            <a:off x="393405" y="1609674"/>
-            <a:ext cx="9121788" cy="4154984"/>
-          </a:xfrm>
-          <a:prstGeom prst="rect">
-            <a:avLst/>
-          </a:prstGeom>
-          <a:noFill/>
-        </p:spPr>
-        <p:txBody>
-          <a:bodyPr wrap="square" rtlCol="0">
-            <a:spAutoFit/>
-          </a:bodyPr>
-          <a:lstStyle/>
-          <a:p>
-            <a:pPr marL="457200" indent="-457200">
-              <a:buFont typeface="Arial" panose="020B0604020202020204" pitchFamily="34" charset="0"/>
-              <a:buChar char="•"/>
-            </a:pPr>
-            <a:r>
-              <a:rPr lang="en-US" sz="2400" dirty="0">
-                <a:solidFill>
-                  <a:srgbClr val="082032"/>
-                </a:solidFill>
-                <a:cs typeface="Rubik" pitchFamily="2" charset="-79"/>
-              </a:rPr>
-              <a:t>Data Set loading</a:t>
-            </a:r>
-          </a:p>
-          <a:p>
-            <a:endParaRPr lang="en-US" sz="2400" dirty="0">
-              <a:solidFill>
-                <a:srgbClr val="082032"/>
-              </a:solidFill>
-              <a:cs typeface="Rubik" pitchFamily="2" charset="-79"/>
-            </a:endParaRPr>
-          </a:p>
-          <a:p>
-            <a:pPr marL="457200" indent="-457200">
-              <a:buFont typeface="Arial" panose="020B0604020202020204" pitchFamily="34" charset="0"/>
-              <a:buChar char="•"/>
-            </a:pPr>
-            <a:r>
-              <a:rPr lang="en-US" sz="2400" dirty="0">
-                <a:solidFill>
-                  <a:srgbClr val="082032"/>
-                </a:solidFill>
-                <a:cs typeface="Rubik" pitchFamily="2" charset="-79"/>
-              </a:rPr>
-              <a:t>Data Pre-Processing (remove stop words, Drop duplicate and remove meaningless character from the text)</a:t>
-            </a:r>
-          </a:p>
-          <a:p>
-            <a:pPr marL="457200" indent="-457200">
-              <a:buFont typeface="Arial" panose="020B0604020202020204" pitchFamily="34" charset="0"/>
-              <a:buChar char="•"/>
-            </a:pPr>
-            <a:endParaRPr lang="en-US" sz="2400" dirty="0">
-              <a:solidFill>
-                <a:srgbClr val="082032"/>
-              </a:solidFill>
-              <a:cs typeface="Rubik" pitchFamily="2" charset="-79"/>
-            </a:endParaRPr>
-          </a:p>
-          <a:p>
-            <a:pPr marL="457200" indent="-457200">
-              <a:buFont typeface="Arial" panose="020B0604020202020204" pitchFamily="34" charset="0"/>
-              <a:buChar char="•"/>
-            </a:pPr>
-            <a:r>
-              <a:rPr lang="en-US" sz="2400" dirty="0">
-                <a:solidFill>
-                  <a:srgbClr val="082032"/>
-                </a:solidFill>
-                <a:cs typeface="Rubik" pitchFamily="2" charset="-79"/>
-              </a:rPr>
-              <a:t>Feature Selection</a:t>
-            </a:r>
-          </a:p>
-          <a:p>
-            <a:pPr marL="457200" indent="-457200">
-              <a:buFont typeface="Arial" panose="020B0604020202020204" pitchFamily="34" charset="0"/>
-              <a:buChar char="•"/>
-            </a:pPr>
-            <a:endParaRPr lang="en-US" sz="2400" dirty="0">
-              <a:solidFill>
-                <a:srgbClr val="082032"/>
-              </a:solidFill>
-              <a:cs typeface="Rubik" pitchFamily="2" charset="-79"/>
-            </a:endParaRPr>
-          </a:p>
-          <a:p>
-            <a:pPr marL="457200" indent="-457200">
-              <a:buFont typeface="Arial" panose="020B0604020202020204" pitchFamily="34" charset="0"/>
-              <a:buChar char="•"/>
-            </a:pPr>
-            <a:r>
-              <a:rPr lang="en-US" sz="2400" dirty="0">
-                <a:solidFill>
-                  <a:srgbClr val="082032"/>
-                </a:solidFill>
-                <a:cs typeface="Rubik" pitchFamily="2" charset="-79"/>
-              </a:rPr>
-              <a:t>Applying Classification and model construction</a:t>
-            </a:r>
-          </a:p>
-          <a:p>
-            <a:pPr marL="457200" indent="-457200">
-              <a:buFont typeface="Arial" panose="020B0604020202020204" pitchFamily="34" charset="0"/>
-              <a:buChar char="•"/>
-            </a:pPr>
-            <a:endParaRPr lang="en-US" sz="2400" dirty="0">
-              <a:solidFill>
-                <a:srgbClr val="082032"/>
-              </a:solidFill>
-              <a:cs typeface="Rubik" pitchFamily="2" charset="-79"/>
-            </a:endParaRPr>
-          </a:p>
-          <a:p>
-            <a:pPr marL="457200" indent="-457200">
-              <a:buFont typeface="Arial" panose="020B0604020202020204" pitchFamily="34" charset="0"/>
-              <a:buChar char="•"/>
-            </a:pPr>
-            <a:r>
-              <a:rPr lang="en-US" sz="2400" dirty="0">
-                <a:solidFill>
-                  <a:srgbClr val="082032"/>
-                </a:solidFill>
-                <a:cs typeface="Rubik" pitchFamily="2" charset="-79"/>
-              </a:rPr>
-              <a:t>Classifying the new data.</a:t>
-            </a:r>
-          </a:p>
-          <a:p>
-            <a:endParaRPr lang="en-US" sz="2400" b="0" i="0" dirty="0">
-              <a:solidFill>
-                <a:srgbClr val="082032"/>
-              </a:solidFill>
-              <a:effectLst/>
-              <a:latin typeface="Rubik" pitchFamily="2" charset="-79"/>
-              <a:cs typeface="Rubik" pitchFamily="2" charset="-79"/>
-            </a:endParaRPr>
-          </a:p>
-        </p:txBody>
-      </p:sp>
-    </p:spTree>
-    <p:extLst>
-      <p:ext uri="{BB962C8B-B14F-4D97-AF65-F5344CB8AC3E}">
-        <p14:creationId xmlns:p14="http://schemas.microsoft.com/office/powerpoint/2010/main" val="4110350068"/>
-      </p:ext>
-    </p:extLst>
-  </p:cSld>
-  <p:clrMapOvr>
-    <a:masterClrMapping/>
-  </p:clrMapOvr>
-</p:sld>
-</file>
-
-<file path=ppt/slides/slide7.xml><?xml version="1.0" encoding="utf-8"?>
-<p:sld xmlns:a="http://schemas.openxmlformats.org/drawingml/2006/main" xmlns:r="http://schemas.openxmlformats.org/officeDocument/2006/relationships" xmlns:p="http://schemas.openxmlformats.org/presentationml/2006/main">
-  <p:cSld>
-    <p:spTree>
-      <p:nvGrpSpPr>
-        <p:cNvPr id="1" name=""/>
-        <p:cNvGrpSpPr/>
-        <p:nvPr/>
-      </p:nvGrpSpPr>
-      <p:grpSpPr>
-        <a:xfrm>
-          <a:off x="0" y="0"/>
-          <a:ext cx="0" cy="0"/>
-          <a:chOff x="0" y="0"/>
-          <a:chExt cx="0" cy="0"/>
-        </a:xfrm>
-      </p:grpSpPr>
-      <p:sp>
-        <p:nvSpPr>
-          <p:cNvPr id="24" name="Rectangle 23">
-            <a:extLst>
-              <a:ext uri="{FF2B5EF4-FFF2-40B4-BE49-F238E27FC236}">
-                <a16:creationId xmlns:a16="http://schemas.microsoft.com/office/drawing/2014/main" id="{B2621BA0-A914-4EE0-BC31-A5B736B6C516}"/>
-              </a:ext>
-            </a:extLst>
-          </p:cNvPr>
-          <p:cNvSpPr/>
-          <p:nvPr/>
-        </p:nvSpPr>
-        <p:spPr>
-          <a:xfrm>
-            <a:off x="0" y="0"/>
-            <a:ext cx="12192000" cy="6858000"/>
-          </a:xfrm>
-          <a:prstGeom prst="rect">
-            <a:avLst/>
-          </a:prstGeom>
-          <a:solidFill>
-            <a:srgbClr val="F7F7F7"/>
-          </a:solidFill>
-          <a:ln>
-            <a:noFill/>
-          </a:ln>
-        </p:spPr>
-        <p:style>
-          <a:lnRef idx="2">
-            <a:schemeClr val="accent1">
-              <a:shade val="50000"/>
-            </a:schemeClr>
-          </a:lnRef>
-          <a:fillRef idx="1">
-            <a:schemeClr val="accent1"/>
-          </a:fillRef>
-          <a:effectRef idx="0">
-            <a:schemeClr val="accent1"/>
-          </a:effectRef>
-          <a:fontRef idx="minor">
-            <a:schemeClr val="lt1"/>
-          </a:fontRef>
-        </p:style>
-        <p:txBody>
-          <a:bodyPr rtlCol="0" anchor="ctr"/>
-          <a:lstStyle/>
-          <a:p>
-            <a:pPr algn="ctr"/>
-            <a:endParaRPr lang="en-US" dirty="0"/>
-          </a:p>
-        </p:txBody>
-      </p:sp>
-      <p:sp>
-        <p:nvSpPr>
-          <p:cNvPr id="3" name="Rectangle 2">
-            <a:extLst>
-              <a:ext uri="{FF2B5EF4-FFF2-40B4-BE49-F238E27FC236}">
-                <a16:creationId xmlns:a16="http://schemas.microsoft.com/office/drawing/2014/main" id="{C86E0A64-6FF2-4426-BCFB-AB4810DB5E5E}"/>
-              </a:ext>
-            </a:extLst>
-          </p:cNvPr>
-          <p:cNvSpPr/>
-          <p:nvPr/>
-        </p:nvSpPr>
-        <p:spPr>
-          <a:xfrm>
-            <a:off x="0" y="6635668"/>
-            <a:ext cx="12192000" cy="222331"/>
-          </a:xfrm>
-          <a:prstGeom prst="rect">
-            <a:avLst/>
-          </a:prstGeom>
-          <a:solidFill>
-            <a:srgbClr val="566BFF"/>
-          </a:solidFill>
-          <a:ln>
-            <a:noFill/>
-          </a:ln>
-          <a:effectLst>
-            <a:outerShdw blurRad="127000" dist="127000" dir="16200000" rotWithShape="0">
-              <a:srgbClr val="566BFF">
-                <a:alpha val="40000"/>
-              </a:srgbClr>
-            </a:outerShdw>
-          </a:effectLst>
-        </p:spPr>
-        <p:style>
-          <a:lnRef idx="2">
-            <a:schemeClr val="accent1">
-              <a:shade val="50000"/>
-            </a:schemeClr>
-          </a:lnRef>
-          <a:fillRef idx="1">
-            <a:schemeClr val="accent1"/>
-          </a:fillRef>
-          <a:effectRef idx="0">
-            <a:schemeClr val="accent1"/>
-          </a:effectRef>
-          <a:fontRef idx="minor">
-            <a:schemeClr val="lt1"/>
-          </a:fontRef>
-        </p:style>
-        <p:txBody>
-          <a:bodyPr rtlCol="0" anchor="ctr"/>
-          <a:lstStyle/>
-          <a:p>
-            <a:pPr algn="ctr"/>
-            <a:endParaRPr lang="en-US"/>
-          </a:p>
-        </p:txBody>
-      </p:sp>
-      <p:sp>
-        <p:nvSpPr>
-          <p:cNvPr id="5" name="TextBox 4">
-            <a:extLst>
-              <a:ext uri="{FF2B5EF4-FFF2-40B4-BE49-F238E27FC236}">
-                <a16:creationId xmlns:a16="http://schemas.microsoft.com/office/drawing/2014/main" id="{820468DA-D720-42AD-ACF8-5BDE8EB68F9C}"/>
-              </a:ext>
-            </a:extLst>
-          </p:cNvPr>
-          <p:cNvSpPr txBox="1"/>
-          <p:nvPr/>
-        </p:nvSpPr>
-        <p:spPr>
-          <a:xfrm>
-            <a:off x="393405" y="413955"/>
-            <a:ext cx="5422604" cy="707886"/>
-          </a:xfrm>
-          <a:prstGeom prst="rect">
-            <a:avLst/>
-          </a:prstGeom>
-          <a:noFill/>
-        </p:spPr>
-        <p:txBody>
-          <a:bodyPr wrap="square" rtlCol="0">
-            <a:spAutoFit/>
-          </a:bodyPr>
-          <a:lstStyle/>
-          <a:p>
-            <a:r>
-              <a:rPr lang="en-US" sz="4000" dirty="0">
-                <a:solidFill>
-                  <a:srgbClr val="082032"/>
-                </a:solidFill>
-                <a:latin typeface="Impact" panose="020B0806030902050204" pitchFamily="34" charset="0"/>
-              </a:rPr>
-              <a:t>Technologies To Be Used</a:t>
-            </a:r>
-          </a:p>
-        </p:txBody>
-      </p:sp>
-      <p:sp>
-        <p:nvSpPr>
-          <p:cNvPr id="10" name="TextBox 9">
-            <a:extLst>
-              <a:ext uri="{FF2B5EF4-FFF2-40B4-BE49-F238E27FC236}">
-                <a16:creationId xmlns:a16="http://schemas.microsoft.com/office/drawing/2014/main" id="{64DFD9E9-BB31-4BFD-AD6C-E67F646F3C50}"/>
-              </a:ext>
-            </a:extLst>
-          </p:cNvPr>
-          <p:cNvSpPr txBox="1"/>
-          <p:nvPr/>
-        </p:nvSpPr>
-        <p:spPr>
-          <a:xfrm>
-            <a:off x="393405" y="1609674"/>
-            <a:ext cx="9121788" cy="2239844"/>
-          </a:xfrm>
-          <a:prstGeom prst="rect">
-            <a:avLst/>
-          </a:prstGeom>
-          <a:noFill/>
-        </p:spPr>
-        <p:txBody>
-          <a:bodyPr wrap="square" rtlCol="0">
-            <a:spAutoFit/>
-          </a:bodyPr>
-          <a:lstStyle/>
-          <a:p>
-            <a:pPr marL="342900" indent="-342900">
-              <a:lnSpc>
-                <a:spcPct val="150000"/>
-              </a:lnSpc>
-              <a:buFont typeface="Arial" panose="020B0604020202020204" pitchFamily="34" charset="0"/>
-              <a:buChar char="•"/>
-            </a:pPr>
-            <a:r>
-              <a:rPr lang="en-US" sz="2400" b="0" i="0" dirty="0">
-                <a:solidFill>
-                  <a:srgbClr val="082032"/>
-                </a:solidFill>
-                <a:effectLst/>
-                <a:latin typeface="Rubik" pitchFamily="2" charset="-79"/>
-                <a:cs typeface="Rubik" pitchFamily="2" charset="-79"/>
-              </a:rPr>
-              <a:t>Python</a:t>
-            </a:r>
-          </a:p>
-          <a:p>
-            <a:pPr marL="342900" indent="-342900">
-              <a:lnSpc>
-                <a:spcPct val="150000"/>
-              </a:lnSpc>
-              <a:buFont typeface="Arial" panose="020B0604020202020204" pitchFamily="34" charset="0"/>
-              <a:buChar char="•"/>
-            </a:pPr>
-            <a:r>
-              <a:rPr lang="en-US" sz="2400" dirty="0">
-                <a:solidFill>
-                  <a:srgbClr val="082032"/>
-                </a:solidFill>
-                <a:latin typeface="Rubik" pitchFamily="2" charset="-79"/>
-                <a:cs typeface="Rubik" pitchFamily="2" charset="-79"/>
-              </a:rPr>
-              <a:t>Pandas (Data Analysis)</a:t>
-            </a:r>
-          </a:p>
-          <a:p>
-            <a:pPr marL="342900" indent="-342900">
-              <a:lnSpc>
-                <a:spcPct val="150000"/>
-              </a:lnSpc>
-              <a:buFont typeface="Arial" panose="020B0604020202020204" pitchFamily="34" charset="0"/>
-              <a:buChar char="•"/>
-            </a:pPr>
-            <a:r>
-              <a:rPr lang="en-US" sz="2400" dirty="0">
-                <a:solidFill>
-                  <a:srgbClr val="082032"/>
-                </a:solidFill>
-                <a:latin typeface="Rubik" pitchFamily="2" charset="-79"/>
-                <a:cs typeface="Rubik" pitchFamily="2" charset="-79"/>
-              </a:rPr>
-              <a:t>NumPy (Support for Multidimensional Array)</a:t>
-            </a:r>
-          </a:p>
-          <a:p>
-            <a:pPr marL="342900" indent="-342900">
-              <a:lnSpc>
-                <a:spcPct val="150000"/>
-              </a:lnSpc>
-              <a:buFont typeface="Arial" panose="020B0604020202020204" pitchFamily="34" charset="0"/>
-              <a:buChar char="•"/>
-            </a:pPr>
-            <a:r>
-              <a:rPr lang="en-US" sz="2400" b="0" i="0" dirty="0" err="1">
-                <a:solidFill>
-                  <a:srgbClr val="082032"/>
-                </a:solidFill>
-                <a:effectLst/>
-                <a:latin typeface="Rubik" pitchFamily="2" charset="-79"/>
-                <a:cs typeface="Rubik" pitchFamily="2" charset="-79"/>
-              </a:rPr>
-              <a:t>Sklearn</a:t>
-            </a:r>
-            <a:r>
-              <a:rPr lang="en-US" sz="2400" b="0" i="0" dirty="0">
-                <a:solidFill>
-                  <a:srgbClr val="082032"/>
-                </a:solidFill>
-                <a:effectLst/>
-                <a:latin typeface="Rubik" pitchFamily="2" charset="-79"/>
-                <a:cs typeface="Rubik" pitchFamily="2" charset="-79"/>
-              </a:rPr>
-              <a:t> (Library For Machine Learning)</a:t>
-            </a:r>
-          </a:p>
-        </p:txBody>
-      </p:sp>
-    </p:spTree>
-    <p:extLst>
-      <p:ext uri="{BB962C8B-B14F-4D97-AF65-F5344CB8AC3E}">
-        <p14:creationId xmlns:p14="http://schemas.microsoft.com/office/powerpoint/2010/main" val="2313364552"/>
-      </p:ext>
-    </p:extLst>
-  </p:cSld>
-  <p:clrMapOvr>
-    <a:masterClrMapping/>
-  </p:clrMapOvr>
-</p:sld>
-</file>
-
-<file path=ppt/slides/slide8.xml><?xml version="1.0" encoding="utf-8"?>
-<p:sld xmlns:a="http://schemas.openxmlformats.org/drawingml/2006/main" xmlns:r="http://schemas.openxmlformats.org/officeDocument/2006/relationships" xmlns:p="http://schemas.openxmlformats.org/presentationml/2006/main">
-  <p:cSld>
-    <p:spTree>
-      <p:nvGrpSpPr>
-        <p:cNvPr id="1" name=""/>
-        <p:cNvGrpSpPr/>
-        <p:nvPr/>
-      </p:nvGrpSpPr>
-      <p:grpSpPr>
-        <a:xfrm>
-          <a:off x="0" y="0"/>
-          <a:ext cx="0" cy="0"/>
-          <a:chOff x="0" y="0"/>
-          <a:chExt cx="0" cy="0"/>
-        </a:xfrm>
-      </p:grpSpPr>
-      <p:sp>
-        <p:nvSpPr>
-          <p:cNvPr id="24" name="Rectangle 23">
-            <a:extLst>
-              <a:ext uri="{FF2B5EF4-FFF2-40B4-BE49-F238E27FC236}">
-                <a16:creationId xmlns:a16="http://schemas.microsoft.com/office/drawing/2014/main" id="{B2621BA0-A914-4EE0-BC31-A5B736B6C516}"/>
-              </a:ext>
-            </a:extLst>
-          </p:cNvPr>
-          <p:cNvSpPr/>
-          <p:nvPr/>
-        </p:nvSpPr>
-        <p:spPr>
-          <a:xfrm>
-            <a:off x="0" y="0"/>
-            <a:ext cx="12192000" cy="6858000"/>
-          </a:xfrm>
-          <a:prstGeom prst="rect">
-            <a:avLst/>
-          </a:prstGeom>
-          <a:solidFill>
-            <a:srgbClr val="F7F7F7"/>
-          </a:solidFill>
-          <a:ln>
-            <a:noFill/>
-          </a:ln>
-        </p:spPr>
-        <p:style>
-          <a:lnRef idx="2">
-            <a:schemeClr val="accent1">
-              <a:shade val="50000"/>
-            </a:schemeClr>
-          </a:lnRef>
-          <a:fillRef idx="1">
-            <a:schemeClr val="accent1"/>
-          </a:fillRef>
-          <a:effectRef idx="0">
-            <a:schemeClr val="accent1"/>
-          </a:effectRef>
-          <a:fontRef idx="minor">
-            <a:schemeClr val="lt1"/>
-          </a:fontRef>
-        </p:style>
-        <p:txBody>
-          <a:bodyPr rtlCol="0" anchor="ctr"/>
-          <a:lstStyle/>
-          <a:p>
-            <a:pPr algn="ctr"/>
-            <a:endParaRPr lang="en-US" dirty="0"/>
-          </a:p>
-        </p:txBody>
-      </p:sp>
-      <p:sp>
-        <p:nvSpPr>
-          <p:cNvPr id="3" name="Rectangle 2">
-            <a:extLst>
-              <a:ext uri="{FF2B5EF4-FFF2-40B4-BE49-F238E27FC236}">
-                <a16:creationId xmlns:a16="http://schemas.microsoft.com/office/drawing/2014/main" id="{C86E0A64-6FF2-4426-BCFB-AB4810DB5E5E}"/>
-              </a:ext>
-            </a:extLst>
-          </p:cNvPr>
-          <p:cNvSpPr/>
-          <p:nvPr/>
-        </p:nvSpPr>
-        <p:spPr>
-          <a:xfrm>
-            <a:off x="0" y="6635668"/>
-            <a:ext cx="12192000" cy="222331"/>
-          </a:xfrm>
-          <a:prstGeom prst="rect">
-            <a:avLst/>
-          </a:prstGeom>
-          <a:solidFill>
-            <a:srgbClr val="566BFF"/>
-          </a:solidFill>
-          <a:ln>
-            <a:noFill/>
-          </a:ln>
-          <a:effectLst>
-            <a:outerShdw blurRad="127000" dist="127000" dir="16200000" rotWithShape="0">
-              <a:srgbClr val="566BFF">
-                <a:alpha val="40000"/>
-              </a:srgbClr>
-            </a:outerShdw>
-          </a:effectLst>
-        </p:spPr>
-        <p:style>
-          <a:lnRef idx="2">
-            <a:schemeClr val="accent1">
-              <a:shade val="50000"/>
-            </a:schemeClr>
-          </a:lnRef>
-          <a:fillRef idx="1">
-            <a:schemeClr val="accent1"/>
-          </a:fillRef>
-          <a:effectRef idx="0">
-            <a:schemeClr val="accent1"/>
-          </a:effectRef>
-          <a:fontRef idx="minor">
-            <a:schemeClr val="lt1"/>
-          </a:fontRef>
-        </p:style>
-        <p:txBody>
-          <a:bodyPr rtlCol="0" anchor="ctr"/>
-          <a:lstStyle/>
-          <a:p>
-            <a:pPr algn="ctr"/>
-            <a:endParaRPr lang="en-US"/>
-          </a:p>
-        </p:txBody>
-      </p:sp>
-      <p:pic>
-        <p:nvPicPr>
-          <p:cNvPr id="1026" name="Picture 2" descr="Fake News Detection using Machine Learning NLP | Projectworlds">
-            <a:extLst>
-              <a:ext uri="{FF2B5EF4-FFF2-40B4-BE49-F238E27FC236}">
-                <a16:creationId xmlns:a16="http://schemas.microsoft.com/office/drawing/2014/main" id="{C35A0C75-472D-85BB-0828-5AB26EFA4CF8}"/>
-              </a:ext>
-            </a:extLst>
-          </p:cNvPr>
-          <p:cNvPicPr>
-            <a:picLocks noChangeAspect="1" noChangeArrowheads="1"/>
-          </p:cNvPicPr>
-          <p:nvPr/>
-        </p:nvPicPr>
-        <p:blipFill>
-          <a:blip r:embed="rId2">
-            <a:extLst>
-              <a:ext uri="{28A0092B-C50C-407E-A947-70E740481C1C}">
-                <a14:useLocalDpi xmlns:a14="http://schemas.microsoft.com/office/drawing/2010/main" val="0"/>
-              </a:ext>
-            </a:extLst>
-          </a:blip>
-          <a:srcRect/>
-          <a:stretch>
-            <a:fillRect/>
-          </a:stretch>
-        </p:blipFill>
-        <p:spPr bwMode="auto">
-          <a:xfrm>
-            <a:off x="0" y="415884"/>
-            <a:ext cx="12192000" cy="5803900"/>
-          </a:xfrm>
-          <a:prstGeom prst="rect">
-            <a:avLst/>
-          </a:prstGeom>
-          <a:noFill/>
-          <a:extLst>
-            <a:ext uri="{909E8E84-426E-40DD-AFC4-6F175D3DCCD1}">
-              <a14:hiddenFill xmlns:a14="http://schemas.microsoft.com/office/drawing/2010/main">
-                <a:solidFill>
-                  <a:srgbClr val="FFFFFF"/>
-                </a:solidFill>
-              </a14:hiddenFill>
-            </a:ext>
-          </a:extLst>
-        </p:spPr>
-      </p:pic>
-      <p:sp>
-        <p:nvSpPr>
-          <p:cNvPr id="2" name="TextBox 1">
-            <a:extLst>
-              <a:ext uri="{FF2B5EF4-FFF2-40B4-BE49-F238E27FC236}">
-                <a16:creationId xmlns:a16="http://schemas.microsoft.com/office/drawing/2014/main" id="{C9042D95-C0B6-5AA8-9ADE-DA41F67D77C2}"/>
-              </a:ext>
-            </a:extLst>
-          </p:cNvPr>
-          <p:cNvSpPr txBox="1"/>
-          <p:nvPr/>
-        </p:nvSpPr>
-        <p:spPr>
-          <a:xfrm>
-            <a:off x="8970335" y="0"/>
-            <a:ext cx="3221665" cy="461665"/>
-          </a:xfrm>
-          <a:prstGeom prst="rect">
-            <a:avLst/>
-          </a:prstGeom>
-          <a:solidFill>
-            <a:schemeClr val="bg1"/>
-          </a:solidFill>
-          <a:ln w="19050">
-            <a:solidFill>
-              <a:srgbClr val="566BFF"/>
-            </a:solidFill>
-          </a:ln>
-        </p:spPr>
-        <p:txBody>
-          <a:bodyPr wrap="square" rtlCol="0">
-            <a:spAutoFit/>
-          </a:bodyPr>
-          <a:lstStyle/>
-          <a:p>
-            <a:pPr algn="ctr"/>
-            <a:r>
-              <a:rPr lang="en-US" sz="2400" dirty="0">
-                <a:solidFill>
-                  <a:srgbClr val="566BFF"/>
-                </a:solidFill>
-                <a:latin typeface="Righteous" panose="02010506000000020000" pitchFamily="2" charset="0"/>
-              </a:rPr>
-              <a:t>Sample Illustration </a:t>
-            </a:r>
-          </a:p>
-        </p:txBody>
-      </p:sp>
-    </p:spTree>
-    <p:extLst>
-      <p:ext uri="{BB962C8B-B14F-4D97-AF65-F5344CB8AC3E}">
-        <p14:creationId xmlns:p14="http://schemas.microsoft.com/office/powerpoint/2010/main" val="2021634220"/>
-      </p:ext>
-    </p:extLst>
-  </p:cSld>
-  <p:clrMapOvr>
-    <a:masterClrMapping/>
-  </p:clrMapOvr>
-</p:sld>
-</file>
-
-<file path=ppt/slides/slide9.xml><?xml version="1.0" encoding="utf-8"?>
-<p:sld xmlns:a="http://schemas.openxmlformats.org/drawingml/2006/main" xmlns:r="http://schemas.openxmlformats.org/officeDocument/2006/relationships" xmlns:p="http://schemas.openxmlformats.org/presentationml/2006/main">
-  <p:cSld>
-    <p:spTree>
-      <p:nvGrpSpPr>
-        <p:cNvPr id="1" name=""/>
-        <p:cNvGrpSpPr/>
-        <p:nvPr/>
-      </p:nvGrpSpPr>
-      <p:grpSpPr>
-        <a:xfrm>
-          <a:off x="0" y="0"/>
-          <a:ext cx="0" cy="0"/>
-          <a:chOff x="0" y="0"/>
-          <a:chExt cx="0" cy="0"/>
-        </a:xfrm>
-      </p:grpSpPr>
-      <p:sp>
-        <p:nvSpPr>
-          <p:cNvPr id="24" name="Rectangle 23">
-            <a:extLst>
-              <a:ext uri="{FF2B5EF4-FFF2-40B4-BE49-F238E27FC236}">
-                <a16:creationId xmlns:a16="http://schemas.microsoft.com/office/drawing/2014/main" id="{B2621BA0-A914-4EE0-BC31-A5B736B6C516}"/>
-              </a:ext>
-            </a:extLst>
-          </p:cNvPr>
-          <p:cNvSpPr/>
-          <p:nvPr/>
-        </p:nvSpPr>
-        <p:spPr>
-          <a:xfrm>
-            <a:off x="0" y="0"/>
-            <a:ext cx="12192000" cy="6858000"/>
-          </a:xfrm>
-          <a:prstGeom prst="rect">
-            <a:avLst/>
-          </a:prstGeom>
-          <a:solidFill>
-            <a:srgbClr val="F7F7F7"/>
-          </a:solidFill>
-          <a:ln>
-            <a:noFill/>
-          </a:ln>
-        </p:spPr>
-        <p:style>
-          <a:lnRef idx="2">
-            <a:schemeClr val="accent1">
-              <a:shade val="50000"/>
-            </a:schemeClr>
-          </a:lnRef>
-          <a:fillRef idx="1">
-            <a:schemeClr val="accent1"/>
-          </a:fillRef>
-          <a:effectRef idx="0">
-            <a:schemeClr val="accent1"/>
-          </a:effectRef>
-          <a:fontRef idx="minor">
-            <a:schemeClr val="lt1"/>
-          </a:fontRef>
-        </p:style>
-        <p:txBody>
-          <a:bodyPr rtlCol="0" anchor="ctr"/>
-          <a:lstStyle/>
-          <a:p>
-            <a:pPr algn="ctr"/>
-            <a:endParaRPr lang="en-US" dirty="0"/>
-          </a:p>
-        </p:txBody>
-      </p:sp>
-      <p:sp>
-        <p:nvSpPr>
-          <p:cNvPr id="3" name="Rectangle 2">
-            <a:extLst>
-              <a:ext uri="{FF2B5EF4-FFF2-40B4-BE49-F238E27FC236}">
-                <a16:creationId xmlns:a16="http://schemas.microsoft.com/office/drawing/2014/main" id="{C86E0A64-6FF2-4426-BCFB-AB4810DB5E5E}"/>
-              </a:ext>
-            </a:extLst>
-          </p:cNvPr>
-          <p:cNvSpPr/>
-          <p:nvPr/>
-        </p:nvSpPr>
-        <p:spPr>
-          <a:xfrm>
-            <a:off x="0" y="6635668"/>
-            <a:ext cx="12192000" cy="222331"/>
-          </a:xfrm>
-          <a:prstGeom prst="rect">
-            <a:avLst/>
-          </a:prstGeom>
-          <a:solidFill>
-            <a:srgbClr val="566BFF"/>
-          </a:solidFill>
-          <a:ln>
-            <a:noFill/>
-          </a:ln>
-          <a:effectLst>
-            <a:outerShdw blurRad="127000" dist="127000" dir="16200000" rotWithShape="0">
-              <a:srgbClr val="566BFF">
-                <a:alpha val="40000"/>
-              </a:srgbClr>
-            </a:outerShdw>
-          </a:effectLst>
-        </p:spPr>
-        <p:style>
-          <a:lnRef idx="2">
-            <a:schemeClr val="accent1">
-              <a:shade val="50000"/>
-            </a:schemeClr>
-          </a:lnRef>
-          <a:fillRef idx="1">
-            <a:schemeClr val="accent1"/>
-          </a:fillRef>
-          <a:effectRef idx="0">
-            <a:schemeClr val="accent1"/>
-          </a:effectRef>
-          <a:fontRef idx="minor">
-            <a:schemeClr val="lt1"/>
-          </a:fontRef>
-        </p:style>
-        <p:txBody>
-          <a:bodyPr rtlCol="0" anchor="ctr"/>
-          <a:lstStyle/>
-          <a:p>
-            <a:pPr algn="ctr"/>
-            <a:endParaRPr lang="en-US"/>
-          </a:p>
-        </p:txBody>
-      </p:sp>
-    </p:spTree>
-    <p:extLst>
-      <p:ext uri="{BB962C8B-B14F-4D97-AF65-F5344CB8AC3E}">
-        <p14:creationId xmlns:p14="http://schemas.microsoft.com/office/powerpoint/2010/main" val="3585468758"/>
+        <p14:creationId xmlns:p14="http://schemas.microsoft.com/office/powerpoint/2010/main" val="745137208"/>
       </p:ext>
     </p:extLst>
   </p:cSld>
